--- a/Литература/Параллельное программирование.pptx
+++ b/Литература/Параллельное программирование.pptx
@@ -3387,53 +3387,6 @@
           </a:p>
         </p:txBody>
       </p:sp>
-      <p:pic>
-        <p:nvPicPr>
-          <p:cNvPr id="2050" name="Picture 2">
-            <a:extLst>
-              <a:ext uri="{FF2B5EF4-FFF2-40B4-BE49-F238E27FC236}">
-                <a16:creationId xmlns:a16="http://schemas.microsoft.com/office/drawing/2014/main" id="{1BD4E591-1383-429F-B804-A3F52460CCED}"/>
-              </a:ext>
-            </a:extLst>
-          </p:cNvPr>
-          <p:cNvPicPr>
-            <a:picLocks noChangeAspect="1" noChangeArrowheads="1"/>
-          </p:cNvPicPr>
-          <p:nvPr/>
-        </p:nvPicPr>
-        <p:blipFill>
-          <a:blip r:embed="rId2">
-            <a:extLst>
-              <a:ext uri="{28A0092B-C50C-407E-A947-70E740481C1C}">
-                <a14:useLocalDpi xmlns:a14="http://schemas.microsoft.com/office/drawing/2010/main" val="0"/>
-              </a:ext>
-            </a:extLst>
-          </a:blip>
-          <a:srcRect/>
-          <a:stretch>
-            <a:fillRect/>
-          </a:stretch>
-        </p:blipFill>
-        <p:spPr bwMode="auto">
-          <a:xfrm>
-            <a:off x="4192786" y="3911415"/>
-            <a:ext cx="3806428" cy="2508436"/>
-          </a:xfrm>
-          <a:prstGeom prst="rect">
-            <a:avLst/>
-          </a:prstGeom>
-          <a:noFill/>
-          <a:extLst>
-            <a:ext uri="{909E8E84-426E-40DD-AFC4-6F175D3DCCD1}">
-              <a14:hiddenFill xmlns:a14="http://schemas.microsoft.com/office/drawing/2010/main">
-                <a:solidFill>
-                  <a:srgbClr val="FFFFFF"/>
-                </a:solidFill>
-              </a14:hiddenFill>
-            </a:ext>
-          </a:extLst>
-        </p:spPr>
-      </p:pic>
     </p:spTree>
     <p:extLst>
       <p:ext uri="{BB962C8B-B14F-4D97-AF65-F5344CB8AC3E}">
@@ -4004,57 +3957,30 @@
               <a:rPr lang="en-US" dirty="0"/>
               <a:t> (1999), Upper Saddle River, N.J.: Prentice-Hall. p.175</a:t>
             </a:r>
+          </a:p>
+          <a:p>
+            <a:pPr marL="514350" indent="-514350">
+              <a:buFont typeface="+mj-lt"/>
+              <a:buAutoNum type="arabicPeriod"/>
+            </a:pPr>
+            <a:r>
+              <a:rPr lang="ru-RU" dirty="0" err="1"/>
+              <a:t>Ахо</a:t>
+            </a:r>
+            <a:r>
+              <a:rPr lang="ru-RU" dirty="0"/>
+              <a:t> А.В., Лам М.С., Сети Р., Ульман Д.Д. Компиляторы: принципы, технологии и инструментарий. 2 изд. // Москва, Вильямс, 2018г. </a:t>
+            </a:r>
+          </a:p>
+          <a:p>
+            <a:pPr marL="514350" indent="-514350">
+              <a:buFont typeface="+mj-lt"/>
+              <a:buAutoNum type="arabicPeriod"/>
+            </a:pPr>
             <a:endParaRPr lang="ru-RU" dirty="0"/>
           </a:p>
         </p:txBody>
       </p:sp>
-      <p:pic>
-        <p:nvPicPr>
-          <p:cNvPr id="4098" name="Picture 2">
-            <a:extLst>
-              <a:ext uri="{FF2B5EF4-FFF2-40B4-BE49-F238E27FC236}">
-                <a16:creationId xmlns:a16="http://schemas.microsoft.com/office/drawing/2014/main" id="{5B21FF03-AFBD-440F-8EE0-BF70370FCF73}"/>
-              </a:ext>
-            </a:extLst>
-          </p:cNvPr>
-          <p:cNvPicPr>
-            <a:picLocks noChangeAspect="1" noChangeArrowheads="1"/>
-          </p:cNvPicPr>
-          <p:nvPr/>
-        </p:nvPicPr>
-        <p:blipFill>
-          <a:blip r:embed="rId2">
-            <a:extLst>
-              <a:ext uri="{28A0092B-C50C-407E-A947-70E740481C1C}">
-                <a14:useLocalDpi xmlns:a14="http://schemas.microsoft.com/office/drawing/2010/main" val="0"/>
-              </a:ext>
-            </a:extLst>
-          </a:blip>
-          <a:srcRect/>
-          <a:stretch>
-            <a:fillRect/>
-          </a:stretch>
-        </p:blipFill>
-        <p:spPr bwMode="auto">
-          <a:xfrm>
-            <a:off x="6102249" y="3375054"/>
-            <a:ext cx="5251551" cy="3117821"/>
-          </a:xfrm>
-          <a:prstGeom prst="rect">
-            <a:avLst/>
-          </a:prstGeom>
-          <a:noFill/>
-          <a:extLst>
-            <a:ext uri="{909E8E84-426E-40DD-AFC4-6F175D3DCCD1}">
-              <a14:hiddenFill xmlns:a14="http://schemas.microsoft.com/office/drawing/2010/main">
-                <a:solidFill>
-                  <a:srgbClr val="FFFFFF"/>
-                </a:solidFill>
-              </a14:hiddenFill>
-            </a:ext>
-          </a:extLst>
-        </p:spPr>
-      </p:pic>
     </p:spTree>
     <p:extLst>
       <p:ext uri="{BB962C8B-B14F-4D97-AF65-F5344CB8AC3E}">
@@ -4819,53 +4745,6 @@
           </a:p>
         </p:txBody>
       </p:sp>
-      <p:pic>
-        <p:nvPicPr>
-          <p:cNvPr id="10242" name="Picture 2">
-            <a:extLst>
-              <a:ext uri="{FF2B5EF4-FFF2-40B4-BE49-F238E27FC236}">
-                <a16:creationId xmlns:a16="http://schemas.microsoft.com/office/drawing/2014/main" id="{1D56B9AD-8F6B-4EF7-BFEE-A18ECAFC07B8}"/>
-              </a:ext>
-            </a:extLst>
-          </p:cNvPr>
-          <p:cNvPicPr>
-            <a:picLocks noChangeAspect="1" noChangeArrowheads="1"/>
-          </p:cNvPicPr>
-          <p:nvPr/>
-        </p:nvPicPr>
-        <p:blipFill>
-          <a:blip r:embed="rId2">
-            <a:extLst>
-              <a:ext uri="{28A0092B-C50C-407E-A947-70E740481C1C}">
-                <a14:useLocalDpi xmlns:a14="http://schemas.microsoft.com/office/drawing/2010/main" val="0"/>
-              </a:ext>
-            </a:extLst>
-          </a:blip>
-          <a:srcRect/>
-          <a:stretch>
-            <a:fillRect/>
-          </a:stretch>
-        </p:blipFill>
-        <p:spPr bwMode="auto">
-          <a:xfrm>
-            <a:off x="5238925" y="3292757"/>
-            <a:ext cx="6114875" cy="3200118"/>
-          </a:xfrm>
-          <a:prstGeom prst="rect">
-            <a:avLst/>
-          </a:prstGeom>
-          <a:noFill/>
-          <a:extLst>
-            <a:ext uri="{909E8E84-426E-40DD-AFC4-6F175D3DCCD1}">
-              <a14:hiddenFill xmlns:a14="http://schemas.microsoft.com/office/drawing/2010/main">
-                <a:solidFill>
-                  <a:srgbClr val="FFFFFF"/>
-                </a:solidFill>
-              </a14:hiddenFill>
-            </a:ext>
-          </a:extLst>
-        </p:spPr>
-      </p:pic>
     </p:spTree>
     <p:extLst>
       <p:ext uri="{BB962C8B-B14F-4D97-AF65-F5344CB8AC3E}">

--- a/Литература/Параллельное программирование.pptx
+++ b/Литература/Параллельное программирование.pptx
@@ -8,16 +8,22 @@
     <p:sldId id="256" r:id="rId2"/>
     <p:sldId id="257" r:id="rId3"/>
     <p:sldId id="262" r:id="rId4"/>
-    <p:sldId id="268" r:id="rId5"/>
-    <p:sldId id="269" r:id="rId6"/>
-    <p:sldId id="258" r:id="rId7"/>
-    <p:sldId id="264" r:id="rId8"/>
-    <p:sldId id="266" r:id="rId9"/>
-    <p:sldId id="265" r:id="rId10"/>
-    <p:sldId id="267" r:id="rId11"/>
-    <p:sldId id="260" r:id="rId12"/>
-    <p:sldId id="259" r:id="rId13"/>
-    <p:sldId id="270" r:id="rId14"/>
+    <p:sldId id="269" r:id="rId5"/>
+    <p:sldId id="258" r:id="rId6"/>
+    <p:sldId id="271" r:id="rId7"/>
+    <p:sldId id="277" r:id="rId8"/>
+    <p:sldId id="260" r:id="rId9"/>
+    <p:sldId id="278" r:id="rId10"/>
+    <p:sldId id="276" r:id="rId11"/>
+    <p:sldId id="264" r:id="rId12"/>
+    <p:sldId id="274" r:id="rId13"/>
+    <p:sldId id="266" r:id="rId14"/>
+    <p:sldId id="273" r:id="rId15"/>
+    <p:sldId id="265" r:id="rId16"/>
+    <p:sldId id="275" r:id="rId17"/>
+    <p:sldId id="267" r:id="rId18"/>
+    <p:sldId id="259" r:id="rId19"/>
+    <p:sldId id="270" r:id="rId20"/>
   </p:sldIdLst>
   <p:sldSz cx="12192000" cy="6858000"/>
   <p:notesSz cx="6858000" cy="9144000"/>
@@ -124,14 +130,20 @@
             <p14:sldId id="256"/>
             <p14:sldId id="257"/>
             <p14:sldId id="262"/>
-            <p14:sldId id="268"/>
             <p14:sldId id="269"/>
             <p14:sldId id="258"/>
+            <p14:sldId id="271"/>
+            <p14:sldId id="277"/>
+            <p14:sldId id="260"/>
+            <p14:sldId id="278"/>
+            <p14:sldId id="276"/>
             <p14:sldId id="264"/>
+            <p14:sldId id="274"/>
             <p14:sldId id="266"/>
+            <p14:sldId id="273"/>
             <p14:sldId id="265"/>
+            <p14:sldId id="275"/>
             <p14:sldId id="267"/>
-            <p14:sldId id="260"/>
             <p14:sldId id="259"/>
             <p14:sldId id="270"/>
           </p14:sldIdLst>
@@ -292,7 +304,7 @@
           <a:p>
             <a:fld id="{9205AF22-7E25-4B29-A410-EA94D084F36B}" type="datetimeFigureOut">
               <a:rPr lang="ru-RU" smtClean="0"/>
-              <a:t>27.02.2020</a:t>
+              <a:t>05.03.2020</a:t>
             </a:fld>
             <a:endParaRPr lang="ru-RU"/>
           </a:p>
@@ -490,7 +502,7 @@
           <a:p>
             <a:fld id="{9205AF22-7E25-4B29-A410-EA94D084F36B}" type="datetimeFigureOut">
               <a:rPr lang="ru-RU" smtClean="0"/>
-              <a:t>27.02.2020</a:t>
+              <a:t>05.03.2020</a:t>
             </a:fld>
             <a:endParaRPr lang="ru-RU"/>
           </a:p>
@@ -698,7 +710,7 @@
           <a:p>
             <a:fld id="{9205AF22-7E25-4B29-A410-EA94D084F36B}" type="datetimeFigureOut">
               <a:rPr lang="ru-RU" smtClean="0"/>
-              <a:t>27.02.2020</a:t>
+              <a:t>05.03.2020</a:t>
             </a:fld>
             <a:endParaRPr lang="ru-RU"/>
           </a:p>
@@ -896,7 +908,7 @@
           <a:p>
             <a:fld id="{9205AF22-7E25-4B29-A410-EA94D084F36B}" type="datetimeFigureOut">
               <a:rPr lang="ru-RU" smtClean="0"/>
-              <a:t>27.02.2020</a:t>
+              <a:t>05.03.2020</a:t>
             </a:fld>
             <a:endParaRPr lang="ru-RU"/>
           </a:p>
@@ -1171,7 +1183,7 @@
           <a:p>
             <a:fld id="{9205AF22-7E25-4B29-A410-EA94D084F36B}" type="datetimeFigureOut">
               <a:rPr lang="ru-RU" smtClean="0"/>
-              <a:t>27.02.2020</a:t>
+              <a:t>05.03.2020</a:t>
             </a:fld>
             <a:endParaRPr lang="ru-RU"/>
           </a:p>
@@ -1436,7 +1448,7 @@
           <a:p>
             <a:fld id="{9205AF22-7E25-4B29-A410-EA94D084F36B}" type="datetimeFigureOut">
               <a:rPr lang="ru-RU" smtClean="0"/>
-              <a:t>27.02.2020</a:t>
+              <a:t>05.03.2020</a:t>
             </a:fld>
             <a:endParaRPr lang="ru-RU"/>
           </a:p>
@@ -1848,7 +1860,7 @@
           <a:p>
             <a:fld id="{9205AF22-7E25-4B29-A410-EA94D084F36B}" type="datetimeFigureOut">
               <a:rPr lang="ru-RU" smtClean="0"/>
-              <a:t>27.02.2020</a:t>
+              <a:t>05.03.2020</a:t>
             </a:fld>
             <a:endParaRPr lang="ru-RU"/>
           </a:p>
@@ -1989,7 +2001,7 @@
           <a:p>
             <a:fld id="{9205AF22-7E25-4B29-A410-EA94D084F36B}" type="datetimeFigureOut">
               <a:rPr lang="ru-RU" smtClean="0"/>
-              <a:t>27.02.2020</a:t>
+              <a:t>05.03.2020</a:t>
             </a:fld>
             <a:endParaRPr lang="ru-RU"/>
           </a:p>
@@ -2102,7 +2114,7 @@
           <a:p>
             <a:fld id="{9205AF22-7E25-4B29-A410-EA94D084F36B}" type="datetimeFigureOut">
               <a:rPr lang="ru-RU" smtClean="0"/>
-              <a:t>27.02.2020</a:t>
+              <a:t>05.03.2020</a:t>
             </a:fld>
             <a:endParaRPr lang="ru-RU"/>
           </a:p>
@@ -2413,7 +2425,7 @@
           <a:p>
             <a:fld id="{9205AF22-7E25-4B29-A410-EA94D084F36B}" type="datetimeFigureOut">
               <a:rPr lang="ru-RU" smtClean="0"/>
-              <a:t>27.02.2020</a:t>
+              <a:t>05.03.2020</a:t>
             </a:fld>
             <a:endParaRPr lang="ru-RU"/>
           </a:p>
@@ -2701,7 +2713,7 @@
           <a:p>
             <a:fld id="{9205AF22-7E25-4B29-A410-EA94D084F36B}" type="datetimeFigureOut">
               <a:rPr lang="ru-RU" smtClean="0"/>
-              <a:t>27.02.2020</a:t>
+              <a:t>05.03.2020</a:t>
             </a:fld>
             <a:endParaRPr lang="ru-RU"/>
           </a:p>
@@ -2942,7 +2954,7 @@
           <a:p>
             <a:fld id="{9205AF22-7E25-4B29-A410-EA94D084F36B}" type="datetimeFigureOut">
               <a:rPr lang="ru-RU" smtClean="0"/>
-              <a:t>27.02.2020</a:t>
+              <a:t>05.03.2020</a:t>
             </a:fld>
             <a:endParaRPr lang="ru-RU"/>
           </a:p>
@@ -3422,6 +3434,5410 @@
           <p:cNvPr id="2" name="Заголовок 1">
             <a:extLst>
               <a:ext uri="{FF2B5EF4-FFF2-40B4-BE49-F238E27FC236}">
+                <a16:creationId xmlns:a16="http://schemas.microsoft.com/office/drawing/2014/main" id="{4204FD90-7330-4457-8B43-B478E2C7F9F7}"/>
+              </a:ext>
+            </a:extLst>
+          </p:cNvPr>
+          <p:cNvSpPr>
+            <a:spLocks noGrp="1"/>
+          </p:cNvSpPr>
+          <p:nvPr>
+            <p:ph type="title"/>
+          </p:nvPr>
+        </p:nvSpPr>
+        <p:spPr>
+          <a:xfrm>
+            <a:off x="838200" y="29055"/>
+            <a:ext cx="10515600" cy="1325563"/>
+          </a:xfrm>
+        </p:spPr>
+        <p:txBody>
+          <a:bodyPr>
+            <a:normAutofit/>
+          </a:bodyPr>
+          <a:lstStyle/>
+          <a:p>
+            <a:r>
+              <a:rPr lang="ru-RU" sz="4000" dirty="0"/>
+              <a:t>Пример использования атомарных операций </a:t>
+            </a:r>
+          </a:p>
+        </p:txBody>
+      </p:sp>
+      <p:sp>
+        <p:nvSpPr>
+          <p:cNvPr id="4" name="Прямоугольник 3">
+            <a:extLst>
+              <a:ext uri="{FF2B5EF4-FFF2-40B4-BE49-F238E27FC236}">
+                <a16:creationId xmlns:a16="http://schemas.microsoft.com/office/drawing/2014/main" id="{22F57704-36AC-4B36-8DFC-A8D82F79A501}"/>
+              </a:ext>
+            </a:extLst>
+          </p:cNvPr>
+          <p:cNvSpPr/>
+          <p:nvPr/>
+        </p:nvSpPr>
+        <p:spPr>
+          <a:xfrm>
+            <a:off x="838200" y="1354618"/>
+            <a:ext cx="10515600" cy="5262979"/>
+          </a:xfrm>
+          <a:prstGeom prst="rect">
+            <a:avLst/>
+          </a:prstGeom>
+        </p:spPr>
+        <p:txBody>
+          <a:bodyPr wrap="square">
+            <a:spAutoFit/>
+          </a:bodyPr>
+          <a:lstStyle/>
+          <a:p>
+            <a:r>
+              <a:rPr lang="en-US" sz="1400" dirty="0">
+                <a:solidFill>
+                  <a:srgbClr val="000000"/>
+                </a:solidFill>
+                <a:latin typeface="Consolas" panose="020B0609020204030204" pitchFamily="49" charset="0"/>
+              </a:rPr>
+              <a:t> </a:t>
+            </a:r>
+            <a:r>
+              <a:rPr lang="ru-RU" sz="1400" dirty="0">
+                <a:solidFill>
+                  <a:srgbClr val="000000"/>
+                </a:solidFill>
+                <a:latin typeface="Consolas" panose="020B0609020204030204" pitchFamily="49" charset="0"/>
+              </a:rPr>
+              <a:t>   </a:t>
+            </a:r>
+            <a:r>
+              <a:rPr lang="en-US" sz="1400" dirty="0">
+                <a:solidFill>
+                  <a:srgbClr val="0000FF"/>
+                </a:solidFill>
+                <a:latin typeface="Consolas" panose="020B0609020204030204" pitchFamily="49" charset="0"/>
+              </a:rPr>
+              <a:t>struct</a:t>
+            </a:r>
+            <a:r>
+              <a:rPr lang="en-US" sz="1400" dirty="0">
+                <a:solidFill>
+                  <a:srgbClr val="000000"/>
+                </a:solidFill>
+                <a:latin typeface="Consolas" panose="020B0609020204030204" pitchFamily="49" charset="0"/>
+              </a:rPr>
+              <a:t> </a:t>
+            </a:r>
+            <a:r>
+              <a:rPr lang="en-US" sz="1400" dirty="0" err="1">
+                <a:solidFill>
+                  <a:srgbClr val="2B91AF"/>
+                </a:solidFill>
+                <a:latin typeface="Consolas" panose="020B0609020204030204" pitchFamily="49" charset="0"/>
+              </a:rPr>
+              <a:t>ThreadSafeFlag</a:t>
+            </a:r>
+            <a:endParaRPr lang="en-US" sz="1400" dirty="0">
+              <a:solidFill>
+                <a:srgbClr val="000000"/>
+              </a:solidFill>
+              <a:latin typeface="Consolas" panose="020B0609020204030204" pitchFamily="49" charset="0"/>
+            </a:endParaRPr>
+          </a:p>
+          <a:p>
+            <a:r>
+              <a:rPr lang="ru-RU" sz="1400" dirty="0">
+                <a:solidFill>
+                  <a:srgbClr val="000000"/>
+                </a:solidFill>
+                <a:latin typeface="Consolas" panose="020B0609020204030204" pitchFamily="49" charset="0"/>
+              </a:rPr>
+              <a:t>    {</a:t>
+            </a:r>
+          </a:p>
+          <a:p>
+            <a:r>
+              <a:rPr lang="ru-RU" sz="1400" dirty="0">
+                <a:solidFill>
+                  <a:srgbClr val="0000FF"/>
+                </a:solidFill>
+                <a:latin typeface="Consolas" panose="020B0609020204030204" pitchFamily="49" charset="0"/>
+              </a:rPr>
+              <a:t>	 </a:t>
+            </a:r>
+            <a:r>
+              <a:rPr lang="en-US" sz="1400" dirty="0">
+                <a:solidFill>
+                  <a:srgbClr val="0000FF"/>
+                </a:solidFill>
+                <a:latin typeface="Consolas" panose="020B0609020204030204" pitchFamily="49" charset="0"/>
+              </a:rPr>
+              <a:t>private</a:t>
+            </a:r>
+            <a:r>
+              <a:rPr lang="en-US" sz="1400" dirty="0">
+                <a:solidFill>
+                  <a:srgbClr val="000000"/>
+                </a:solidFill>
+                <a:latin typeface="Consolas" panose="020B0609020204030204" pitchFamily="49" charset="0"/>
+              </a:rPr>
+              <a:t> </a:t>
+            </a:r>
+            <a:r>
+              <a:rPr lang="en-US" sz="1400" dirty="0">
+                <a:solidFill>
+                  <a:srgbClr val="0000FF"/>
+                </a:solidFill>
+                <a:latin typeface="Consolas" panose="020B0609020204030204" pitchFamily="49" charset="0"/>
+              </a:rPr>
+              <a:t>int</a:t>
+            </a:r>
+            <a:r>
+              <a:rPr lang="en-US" sz="1400" dirty="0">
+                <a:solidFill>
+                  <a:srgbClr val="000000"/>
+                </a:solidFill>
+                <a:latin typeface="Consolas" panose="020B0609020204030204" pitchFamily="49" charset="0"/>
+              </a:rPr>
+              <a:t> counter;</a:t>
+            </a:r>
+          </a:p>
+          <a:p>
+            <a:pPr lvl="1"/>
+            <a:r>
+              <a:rPr lang="ru-RU" sz="1400" dirty="0">
+                <a:solidFill>
+                  <a:srgbClr val="808080"/>
+                </a:solidFill>
+                <a:latin typeface="Consolas" panose="020B0609020204030204" pitchFamily="49" charset="0"/>
+              </a:rPr>
+              <a:t>	 </a:t>
+            </a:r>
+            <a:r>
+              <a:rPr lang="en-US" sz="1400" dirty="0">
+                <a:solidFill>
+                  <a:srgbClr val="808080"/>
+                </a:solidFill>
+                <a:latin typeface="Consolas" panose="020B0609020204030204" pitchFamily="49" charset="0"/>
+              </a:rPr>
+              <a:t>///</a:t>
+            </a:r>
+            <a:r>
+              <a:rPr lang="en-US" sz="1400" dirty="0">
+                <a:solidFill>
+                  <a:srgbClr val="008000"/>
+                </a:solidFill>
+                <a:latin typeface="Consolas" panose="020B0609020204030204" pitchFamily="49" charset="0"/>
+              </a:rPr>
+              <a:t> Initializes a new instance of the </a:t>
+            </a:r>
+            <a:r>
+              <a:rPr lang="en-US" sz="1400" dirty="0">
+                <a:solidFill>
+                  <a:srgbClr val="808080"/>
+                </a:solidFill>
+                <a:latin typeface="Consolas" panose="020B0609020204030204" pitchFamily="49" charset="0"/>
+              </a:rPr>
+              <a:t>&lt;see </a:t>
+            </a:r>
+            <a:r>
+              <a:rPr lang="en-US" sz="1400" dirty="0" err="1">
+                <a:solidFill>
+                  <a:srgbClr val="808080"/>
+                </a:solidFill>
+                <a:latin typeface="Consolas" panose="020B0609020204030204" pitchFamily="49" charset="0"/>
+              </a:rPr>
+              <a:t>cref</a:t>
+            </a:r>
+            <a:r>
+              <a:rPr lang="en-US" sz="1400" dirty="0">
+                <a:solidFill>
+                  <a:srgbClr val="808080"/>
+                </a:solidFill>
+                <a:latin typeface="Consolas" panose="020B0609020204030204" pitchFamily="49" charset="0"/>
+              </a:rPr>
+              <a:t>="</a:t>
+            </a:r>
+            <a:r>
+              <a:rPr lang="en-US" sz="1400" dirty="0" err="1">
+                <a:solidFill>
+                  <a:srgbClr val="000000"/>
+                </a:solidFill>
+                <a:latin typeface="Consolas" panose="020B0609020204030204" pitchFamily="49" charset="0"/>
+              </a:rPr>
+              <a:t>ThreadSafeFlag</a:t>
+            </a:r>
+            <a:r>
+              <a:rPr lang="en-US" sz="1400" dirty="0">
+                <a:solidFill>
+                  <a:srgbClr val="808080"/>
+                </a:solidFill>
+                <a:latin typeface="Consolas" panose="020B0609020204030204" pitchFamily="49" charset="0"/>
+              </a:rPr>
+              <a:t>"/&gt;</a:t>
+            </a:r>
+            <a:r>
+              <a:rPr lang="en-US" sz="1400" dirty="0">
+                <a:solidFill>
+                  <a:srgbClr val="008000"/>
+                </a:solidFill>
+                <a:latin typeface="Consolas" panose="020B0609020204030204" pitchFamily="49" charset="0"/>
+              </a:rPr>
+              <a:t> class.</a:t>
+            </a:r>
+            <a:endParaRPr lang="en-US" sz="1400" dirty="0">
+              <a:solidFill>
+                <a:srgbClr val="000000"/>
+              </a:solidFill>
+              <a:latin typeface="Consolas" panose="020B0609020204030204" pitchFamily="49" charset="0"/>
+            </a:endParaRPr>
+          </a:p>
+          <a:p>
+            <a:r>
+              <a:rPr lang="ru-RU" sz="1400" dirty="0">
+                <a:solidFill>
+                  <a:srgbClr val="0000FF"/>
+                </a:solidFill>
+                <a:latin typeface="Consolas" panose="020B0609020204030204" pitchFamily="49" charset="0"/>
+              </a:rPr>
+              <a:t>	 </a:t>
+            </a:r>
+            <a:r>
+              <a:rPr lang="en-US" sz="1400" dirty="0">
+                <a:solidFill>
+                  <a:srgbClr val="0000FF"/>
+                </a:solidFill>
+                <a:latin typeface="Consolas" panose="020B0609020204030204" pitchFamily="49" charset="0"/>
+              </a:rPr>
+              <a:t>public</a:t>
+            </a:r>
+            <a:r>
+              <a:rPr lang="en-US" sz="1400" dirty="0">
+                <a:solidFill>
+                  <a:srgbClr val="000000"/>
+                </a:solidFill>
+                <a:latin typeface="Consolas" panose="020B0609020204030204" pitchFamily="49" charset="0"/>
+              </a:rPr>
+              <a:t> </a:t>
+            </a:r>
+            <a:r>
+              <a:rPr lang="en-US" sz="1400" dirty="0" err="1">
+                <a:solidFill>
+                  <a:srgbClr val="000000"/>
+                </a:solidFill>
+                <a:latin typeface="Consolas" panose="020B0609020204030204" pitchFamily="49" charset="0"/>
+              </a:rPr>
+              <a:t>ThreadSafeFlag</a:t>
+            </a:r>
+            <a:r>
+              <a:rPr lang="en-US" sz="1400" dirty="0">
+                <a:solidFill>
+                  <a:srgbClr val="000000"/>
+                </a:solidFill>
+                <a:latin typeface="Consolas" panose="020B0609020204030204" pitchFamily="49" charset="0"/>
+              </a:rPr>
+              <a:t>(</a:t>
+            </a:r>
+            <a:r>
+              <a:rPr lang="en-US" sz="1400" dirty="0">
+                <a:solidFill>
+                  <a:srgbClr val="0000FF"/>
+                </a:solidFill>
+                <a:latin typeface="Consolas" panose="020B0609020204030204" pitchFamily="49" charset="0"/>
+              </a:rPr>
+              <a:t>bool</a:t>
+            </a:r>
+            <a:r>
+              <a:rPr lang="en-US" sz="1400" dirty="0">
+                <a:solidFill>
+                  <a:srgbClr val="000000"/>
+                </a:solidFill>
+                <a:latin typeface="Consolas" panose="020B0609020204030204" pitchFamily="49" charset="0"/>
+              </a:rPr>
+              <a:t> initial = </a:t>
+            </a:r>
+            <a:r>
+              <a:rPr lang="en-US" sz="1400" dirty="0">
+                <a:solidFill>
+                  <a:srgbClr val="0000FF"/>
+                </a:solidFill>
+                <a:latin typeface="Consolas" panose="020B0609020204030204" pitchFamily="49" charset="0"/>
+              </a:rPr>
+              <a:t>false</a:t>
+            </a:r>
+            <a:r>
+              <a:rPr lang="en-US" sz="1400" dirty="0">
+                <a:solidFill>
+                  <a:srgbClr val="000000"/>
+                </a:solidFill>
+                <a:latin typeface="Consolas" panose="020B0609020204030204" pitchFamily="49" charset="0"/>
+              </a:rPr>
+              <a:t>)</a:t>
+            </a:r>
+          </a:p>
+          <a:p>
+            <a:r>
+              <a:rPr lang="ru-RU" sz="1400" dirty="0">
+                <a:solidFill>
+                  <a:srgbClr val="000000"/>
+                </a:solidFill>
+                <a:latin typeface="Consolas" panose="020B0609020204030204" pitchFamily="49" charset="0"/>
+              </a:rPr>
+              <a:t>        {</a:t>
+            </a:r>
+          </a:p>
+          <a:p>
+            <a:r>
+              <a:rPr lang="en-US" sz="1400" dirty="0">
+                <a:solidFill>
+                  <a:srgbClr val="000000"/>
+                </a:solidFill>
+                <a:latin typeface="Consolas" panose="020B0609020204030204" pitchFamily="49" charset="0"/>
+              </a:rPr>
+              <a:t>            counter = initial ? 1 : 0;</a:t>
+            </a:r>
+          </a:p>
+          <a:p>
+            <a:r>
+              <a:rPr lang="ru-RU" sz="1400" dirty="0">
+                <a:solidFill>
+                  <a:srgbClr val="000000"/>
+                </a:solidFill>
+                <a:latin typeface="Consolas" panose="020B0609020204030204" pitchFamily="49" charset="0"/>
+              </a:rPr>
+              <a:t>        }</a:t>
+            </a:r>
+          </a:p>
+          <a:p>
+            <a:r>
+              <a:rPr lang="ru-RU" sz="1400" dirty="0">
+                <a:solidFill>
+                  <a:srgbClr val="808080"/>
+                </a:solidFill>
+                <a:latin typeface="Consolas" panose="020B0609020204030204" pitchFamily="49" charset="0"/>
+              </a:rPr>
+              <a:t>	 </a:t>
+            </a:r>
+            <a:r>
+              <a:rPr lang="en-US" sz="1400" dirty="0">
+                <a:solidFill>
+                  <a:srgbClr val="808080"/>
+                </a:solidFill>
+                <a:latin typeface="Consolas" panose="020B0609020204030204" pitchFamily="49" charset="0"/>
+              </a:rPr>
+              <a:t>///</a:t>
+            </a:r>
+            <a:r>
+              <a:rPr lang="en-US" sz="1400" dirty="0">
+                <a:solidFill>
+                  <a:srgbClr val="008000"/>
+                </a:solidFill>
+                <a:latin typeface="Consolas" panose="020B0609020204030204" pitchFamily="49" charset="0"/>
+              </a:rPr>
+              <a:t> Determines whether this instance is true.</a:t>
+            </a:r>
+            <a:endParaRPr lang="en-US" sz="1400" dirty="0">
+              <a:solidFill>
+                <a:srgbClr val="000000"/>
+              </a:solidFill>
+              <a:latin typeface="Consolas" panose="020B0609020204030204" pitchFamily="49" charset="0"/>
+            </a:endParaRPr>
+          </a:p>
+          <a:p>
+            <a:r>
+              <a:rPr lang="ru-RU" sz="1400" dirty="0">
+                <a:solidFill>
+                  <a:srgbClr val="0000FF"/>
+                </a:solidFill>
+                <a:latin typeface="Consolas" panose="020B0609020204030204" pitchFamily="49" charset="0"/>
+              </a:rPr>
+              <a:t>	 </a:t>
+            </a:r>
+            <a:r>
+              <a:rPr lang="en-US" sz="1400" dirty="0">
+                <a:solidFill>
+                  <a:srgbClr val="0000FF"/>
+                </a:solidFill>
+                <a:latin typeface="Consolas" panose="020B0609020204030204" pitchFamily="49" charset="0"/>
+              </a:rPr>
+              <a:t>public</a:t>
+            </a:r>
+            <a:r>
+              <a:rPr lang="en-US" sz="1400" dirty="0">
+                <a:solidFill>
+                  <a:srgbClr val="000000"/>
+                </a:solidFill>
+                <a:latin typeface="Consolas" panose="020B0609020204030204" pitchFamily="49" charset="0"/>
+              </a:rPr>
+              <a:t> </a:t>
+            </a:r>
+            <a:r>
+              <a:rPr lang="en-US" sz="1400" dirty="0">
+                <a:solidFill>
+                  <a:srgbClr val="0000FF"/>
+                </a:solidFill>
+                <a:latin typeface="Consolas" panose="020B0609020204030204" pitchFamily="49" charset="0"/>
+              </a:rPr>
+              <a:t>bool</a:t>
+            </a:r>
+            <a:r>
+              <a:rPr lang="en-US" sz="1400" dirty="0">
+                <a:solidFill>
+                  <a:srgbClr val="000000"/>
+                </a:solidFill>
+                <a:latin typeface="Consolas" panose="020B0609020204030204" pitchFamily="49" charset="0"/>
+              </a:rPr>
+              <a:t> </a:t>
+            </a:r>
+            <a:r>
+              <a:rPr lang="en-US" sz="1400" dirty="0" err="1">
+                <a:solidFill>
+                  <a:srgbClr val="000000"/>
+                </a:solidFill>
+                <a:latin typeface="Consolas" panose="020B0609020204030204" pitchFamily="49" charset="0"/>
+              </a:rPr>
+              <a:t>IsTrue</a:t>
+            </a:r>
+            <a:r>
+              <a:rPr lang="en-US" sz="1400" dirty="0">
+                <a:solidFill>
+                  <a:srgbClr val="000000"/>
+                </a:solidFill>
+                <a:latin typeface="Consolas" panose="020B0609020204030204" pitchFamily="49" charset="0"/>
+              </a:rPr>
+              <a:t>()</a:t>
+            </a:r>
+          </a:p>
+          <a:p>
+            <a:r>
+              <a:rPr lang="ru-RU" sz="1400" dirty="0">
+                <a:solidFill>
+                  <a:srgbClr val="000000"/>
+                </a:solidFill>
+                <a:latin typeface="Consolas" panose="020B0609020204030204" pitchFamily="49" charset="0"/>
+              </a:rPr>
+              <a:t>        {</a:t>
+            </a:r>
+          </a:p>
+          <a:p>
+            <a:r>
+              <a:rPr lang="en-US" sz="1400" dirty="0">
+                <a:solidFill>
+                  <a:srgbClr val="000000"/>
+                </a:solidFill>
+                <a:latin typeface="Consolas" panose="020B0609020204030204" pitchFamily="49" charset="0"/>
+              </a:rPr>
+              <a:t>            </a:t>
+            </a:r>
+            <a:r>
+              <a:rPr lang="en-US" sz="1400" dirty="0">
+                <a:solidFill>
+                  <a:srgbClr val="0000FF"/>
+                </a:solidFill>
+                <a:latin typeface="Consolas" panose="020B0609020204030204" pitchFamily="49" charset="0"/>
+              </a:rPr>
+              <a:t>return</a:t>
+            </a:r>
+            <a:r>
+              <a:rPr lang="en-US" sz="1400" dirty="0">
+                <a:solidFill>
+                  <a:srgbClr val="000000"/>
+                </a:solidFill>
+                <a:latin typeface="Consolas" panose="020B0609020204030204" pitchFamily="49" charset="0"/>
+              </a:rPr>
+              <a:t> (</a:t>
+            </a:r>
+            <a:r>
+              <a:rPr lang="en-US" sz="1400" dirty="0" err="1">
+                <a:solidFill>
+                  <a:srgbClr val="000000"/>
+                </a:solidFill>
+                <a:latin typeface="Consolas" panose="020B0609020204030204" pitchFamily="49" charset="0"/>
+              </a:rPr>
+              <a:t>Interlocked.CompareExchange</a:t>
+            </a:r>
+            <a:r>
+              <a:rPr lang="en-US" sz="1400" dirty="0">
+                <a:solidFill>
+                  <a:srgbClr val="000000"/>
+                </a:solidFill>
+                <a:latin typeface="Consolas" panose="020B0609020204030204" pitchFamily="49" charset="0"/>
+              </a:rPr>
+              <a:t>(</a:t>
+            </a:r>
+            <a:r>
+              <a:rPr lang="en-US" sz="1400" dirty="0">
+                <a:solidFill>
+                  <a:srgbClr val="0000FF"/>
+                </a:solidFill>
+                <a:latin typeface="Consolas" panose="020B0609020204030204" pitchFamily="49" charset="0"/>
+              </a:rPr>
+              <a:t>ref</a:t>
+            </a:r>
+            <a:r>
+              <a:rPr lang="en-US" sz="1400" dirty="0">
+                <a:solidFill>
+                  <a:srgbClr val="000000"/>
+                </a:solidFill>
+                <a:latin typeface="Consolas" panose="020B0609020204030204" pitchFamily="49" charset="0"/>
+              </a:rPr>
+              <a:t> counter, counter, 1) == 1);</a:t>
+            </a:r>
+          </a:p>
+          <a:p>
+            <a:r>
+              <a:rPr lang="ru-RU" sz="1400" dirty="0">
+                <a:solidFill>
+                  <a:srgbClr val="000000"/>
+                </a:solidFill>
+                <a:latin typeface="Consolas" panose="020B0609020204030204" pitchFamily="49" charset="0"/>
+              </a:rPr>
+              <a:t>        }</a:t>
+            </a:r>
+          </a:p>
+          <a:p>
+            <a:r>
+              <a:rPr lang="ru-RU" sz="1400" dirty="0">
+                <a:solidFill>
+                  <a:srgbClr val="808080"/>
+                </a:solidFill>
+                <a:latin typeface="Consolas" panose="020B0609020204030204" pitchFamily="49" charset="0"/>
+              </a:rPr>
+              <a:t>	 </a:t>
+            </a:r>
+            <a:r>
+              <a:rPr lang="en-US" sz="1400" dirty="0">
+                <a:solidFill>
+                  <a:srgbClr val="808080"/>
+                </a:solidFill>
+                <a:latin typeface="Consolas" panose="020B0609020204030204" pitchFamily="49" charset="0"/>
+              </a:rPr>
+              <a:t>///</a:t>
+            </a:r>
+            <a:r>
+              <a:rPr lang="en-US" sz="1400" dirty="0">
+                <a:solidFill>
+                  <a:srgbClr val="008000"/>
+                </a:solidFill>
+                <a:latin typeface="Consolas" panose="020B0609020204030204" pitchFamily="49" charset="0"/>
+              </a:rPr>
+              <a:t> Sets the false. Return true if flag value was true.</a:t>
+            </a:r>
+            <a:endParaRPr lang="en-US" sz="1400" dirty="0">
+              <a:solidFill>
+                <a:srgbClr val="000000"/>
+              </a:solidFill>
+              <a:latin typeface="Consolas" panose="020B0609020204030204" pitchFamily="49" charset="0"/>
+            </a:endParaRPr>
+          </a:p>
+          <a:p>
+            <a:r>
+              <a:rPr lang="ru-RU" sz="1400" dirty="0">
+                <a:solidFill>
+                  <a:srgbClr val="0000FF"/>
+                </a:solidFill>
+                <a:latin typeface="Consolas" panose="020B0609020204030204" pitchFamily="49" charset="0"/>
+              </a:rPr>
+              <a:t>	 </a:t>
+            </a:r>
+            <a:r>
+              <a:rPr lang="en-US" sz="1400" dirty="0">
+                <a:solidFill>
+                  <a:srgbClr val="0000FF"/>
+                </a:solidFill>
+                <a:latin typeface="Consolas" panose="020B0609020204030204" pitchFamily="49" charset="0"/>
+              </a:rPr>
+              <a:t>public</a:t>
+            </a:r>
+            <a:r>
+              <a:rPr lang="en-US" sz="1400" dirty="0">
+                <a:solidFill>
+                  <a:srgbClr val="000000"/>
+                </a:solidFill>
+                <a:latin typeface="Consolas" panose="020B0609020204030204" pitchFamily="49" charset="0"/>
+              </a:rPr>
+              <a:t> </a:t>
+            </a:r>
+            <a:r>
+              <a:rPr lang="en-US" sz="1400" dirty="0">
+                <a:solidFill>
+                  <a:srgbClr val="0000FF"/>
+                </a:solidFill>
+                <a:latin typeface="Consolas" panose="020B0609020204030204" pitchFamily="49" charset="0"/>
+              </a:rPr>
+              <a:t>bool</a:t>
+            </a:r>
+            <a:r>
+              <a:rPr lang="en-US" sz="1400" dirty="0">
+                <a:solidFill>
+                  <a:srgbClr val="000000"/>
+                </a:solidFill>
+                <a:latin typeface="Consolas" panose="020B0609020204030204" pitchFamily="49" charset="0"/>
+              </a:rPr>
+              <a:t> </a:t>
+            </a:r>
+            <a:r>
+              <a:rPr lang="en-US" sz="1400" dirty="0" err="1">
+                <a:solidFill>
+                  <a:srgbClr val="000000"/>
+                </a:solidFill>
+                <a:latin typeface="Consolas" panose="020B0609020204030204" pitchFamily="49" charset="0"/>
+              </a:rPr>
+              <a:t>SetFalse</a:t>
+            </a:r>
+            <a:r>
+              <a:rPr lang="en-US" sz="1400" dirty="0">
+                <a:solidFill>
+                  <a:srgbClr val="000000"/>
+                </a:solidFill>
+                <a:latin typeface="Consolas" panose="020B0609020204030204" pitchFamily="49" charset="0"/>
+              </a:rPr>
+              <a:t>()</a:t>
+            </a:r>
+          </a:p>
+          <a:p>
+            <a:r>
+              <a:rPr lang="ru-RU" sz="1400" dirty="0">
+                <a:solidFill>
+                  <a:srgbClr val="000000"/>
+                </a:solidFill>
+                <a:latin typeface="Consolas" panose="020B0609020204030204" pitchFamily="49" charset="0"/>
+              </a:rPr>
+              <a:t>        {</a:t>
+            </a:r>
+          </a:p>
+          <a:p>
+            <a:r>
+              <a:rPr lang="en-US" sz="1400" dirty="0">
+                <a:solidFill>
+                  <a:srgbClr val="000000"/>
+                </a:solidFill>
+                <a:latin typeface="Consolas" panose="020B0609020204030204" pitchFamily="49" charset="0"/>
+              </a:rPr>
+              <a:t>            </a:t>
+            </a:r>
+            <a:r>
+              <a:rPr lang="en-US" sz="1400" dirty="0">
+                <a:solidFill>
+                  <a:srgbClr val="0000FF"/>
+                </a:solidFill>
+                <a:latin typeface="Consolas" panose="020B0609020204030204" pitchFamily="49" charset="0"/>
+              </a:rPr>
+              <a:t>return</a:t>
+            </a:r>
+            <a:r>
+              <a:rPr lang="en-US" sz="1400" dirty="0">
+                <a:solidFill>
+                  <a:srgbClr val="000000"/>
+                </a:solidFill>
+                <a:latin typeface="Consolas" panose="020B0609020204030204" pitchFamily="49" charset="0"/>
+              </a:rPr>
+              <a:t> (</a:t>
+            </a:r>
+            <a:r>
+              <a:rPr lang="en-US" sz="1400" dirty="0" err="1">
+                <a:solidFill>
+                  <a:srgbClr val="000000"/>
+                </a:solidFill>
+                <a:latin typeface="Consolas" panose="020B0609020204030204" pitchFamily="49" charset="0"/>
+              </a:rPr>
+              <a:t>Interlocked.Exchange</a:t>
+            </a:r>
+            <a:r>
+              <a:rPr lang="en-US" sz="1400" dirty="0">
+                <a:solidFill>
+                  <a:srgbClr val="000000"/>
+                </a:solidFill>
+                <a:latin typeface="Consolas" panose="020B0609020204030204" pitchFamily="49" charset="0"/>
+              </a:rPr>
+              <a:t>(</a:t>
+            </a:r>
+            <a:r>
+              <a:rPr lang="en-US" sz="1400" dirty="0">
+                <a:solidFill>
+                  <a:srgbClr val="0000FF"/>
+                </a:solidFill>
+                <a:latin typeface="Consolas" panose="020B0609020204030204" pitchFamily="49" charset="0"/>
+              </a:rPr>
+              <a:t>ref</a:t>
+            </a:r>
+            <a:r>
+              <a:rPr lang="en-US" sz="1400" dirty="0">
+                <a:solidFill>
+                  <a:srgbClr val="000000"/>
+                </a:solidFill>
+                <a:latin typeface="Consolas" panose="020B0609020204030204" pitchFamily="49" charset="0"/>
+              </a:rPr>
+              <a:t> counter, 0) == 1);</a:t>
+            </a:r>
+          </a:p>
+          <a:p>
+            <a:r>
+              <a:rPr lang="ru-RU" sz="1400" dirty="0">
+                <a:solidFill>
+                  <a:srgbClr val="000000"/>
+                </a:solidFill>
+                <a:latin typeface="Consolas" panose="020B0609020204030204" pitchFamily="49" charset="0"/>
+              </a:rPr>
+              <a:t>        }</a:t>
+            </a:r>
+          </a:p>
+          <a:p>
+            <a:r>
+              <a:rPr lang="ru-RU" sz="1400" dirty="0">
+                <a:solidFill>
+                  <a:srgbClr val="808080"/>
+                </a:solidFill>
+                <a:latin typeface="Consolas" panose="020B0609020204030204" pitchFamily="49" charset="0"/>
+              </a:rPr>
+              <a:t>	 </a:t>
+            </a:r>
+            <a:r>
+              <a:rPr lang="en-US" sz="1400" dirty="0">
+                <a:solidFill>
+                  <a:srgbClr val="808080"/>
+                </a:solidFill>
+                <a:latin typeface="Consolas" panose="020B0609020204030204" pitchFamily="49" charset="0"/>
+              </a:rPr>
+              <a:t>///</a:t>
+            </a:r>
+            <a:r>
+              <a:rPr lang="en-US" sz="1400" dirty="0">
+                <a:solidFill>
+                  <a:srgbClr val="008000"/>
+                </a:solidFill>
+                <a:latin typeface="Consolas" panose="020B0609020204030204" pitchFamily="49" charset="0"/>
+              </a:rPr>
+              <a:t> Sets the true. Return true if flag value was false.</a:t>
+            </a:r>
+            <a:endParaRPr lang="en-US" sz="1400" dirty="0">
+              <a:solidFill>
+                <a:srgbClr val="000000"/>
+              </a:solidFill>
+              <a:latin typeface="Consolas" panose="020B0609020204030204" pitchFamily="49" charset="0"/>
+            </a:endParaRPr>
+          </a:p>
+          <a:p>
+            <a:r>
+              <a:rPr lang="ru-RU" sz="1400" dirty="0">
+                <a:solidFill>
+                  <a:srgbClr val="0000FF"/>
+                </a:solidFill>
+                <a:latin typeface="Consolas" panose="020B0609020204030204" pitchFamily="49" charset="0"/>
+              </a:rPr>
+              <a:t>	 </a:t>
+            </a:r>
+            <a:r>
+              <a:rPr lang="en-US" sz="1400" dirty="0">
+                <a:solidFill>
+                  <a:srgbClr val="0000FF"/>
+                </a:solidFill>
+                <a:latin typeface="Consolas" panose="020B0609020204030204" pitchFamily="49" charset="0"/>
+              </a:rPr>
+              <a:t>public</a:t>
+            </a:r>
+            <a:r>
+              <a:rPr lang="en-US" sz="1400" dirty="0">
+                <a:solidFill>
+                  <a:srgbClr val="000000"/>
+                </a:solidFill>
+                <a:latin typeface="Consolas" panose="020B0609020204030204" pitchFamily="49" charset="0"/>
+              </a:rPr>
+              <a:t> </a:t>
+            </a:r>
+            <a:r>
+              <a:rPr lang="en-US" sz="1400" dirty="0">
+                <a:solidFill>
+                  <a:srgbClr val="0000FF"/>
+                </a:solidFill>
+                <a:latin typeface="Consolas" panose="020B0609020204030204" pitchFamily="49" charset="0"/>
+              </a:rPr>
+              <a:t>bool</a:t>
+            </a:r>
+            <a:r>
+              <a:rPr lang="en-US" sz="1400" dirty="0">
+                <a:solidFill>
+                  <a:srgbClr val="000000"/>
+                </a:solidFill>
+                <a:latin typeface="Consolas" panose="020B0609020204030204" pitchFamily="49" charset="0"/>
+              </a:rPr>
+              <a:t> </a:t>
+            </a:r>
+            <a:r>
+              <a:rPr lang="en-US" sz="1400" dirty="0" err="1">
+                <a:solidFill>
+                  <a:srgbClr val="000000"/>
+                </a:solidFill>
+                <a:latin typeface="Consolas" panose="020B0609020204030204" pitchFamily="49" charset="0"/>
+              </a:rPr>
+              <a:t>SetTrue</a:t>
+            </a:r>
+            <a:r>
+              <a:rPr lang="en-US" sz="1400" dirty="0">
+                <a:solidFill>
+                  <a:srgbClr val="000000"/>
+                </a:solidFill>
+                <a:latin typeface="Consolas" panose="020B0609020204030204" pitchFamily="49" charset="0"/>
+              </a:rPr>
+              <a:t>()</a:t>
+            </a:r>
+          </a:p>
+          <a:p>
+            <a:r>
+              <a:rPr lang="ru-RU" sz="1400" dirty="0">
+                <a:solidFill>
+                  <a:srgbClr val="000000"/>
+                </a:solidFill>
+                <a:latin typeface="Consolas" panose="020B0609020204030204" pitchFamily="49" charset="0"/>
+              </a:rPr>
+              <a:t>        {</a:t>
+            </a:r>
+          </a:p>
+          <a:p>
+            <a:r>
+              <a:rPr lang="en-US" sz="1400" dirty="0">
+                <a:solidFill>
+                  <a:srgbClr val="000000"/>
+                </a:solidFill>
+                <a:latin typeface="Consolas" panose="020B0609020204030204" pitchFamily="49" charset="0"/>
+              </a:rPr>
+              <a:t>            </a:t>
+            </a:r>
+            <a:r>
+              <a:rPr lang="en-US" sz="1400" dirty="0">
+                <a:solidFill>
+                  <a:srgbClr val="0000FF"/>
+                </a:solidFill>
+                <a:latin typeface="Consolas" panose="020B0609020204030204" pitchFamily="49" charset="0"/>
+              </a:rPr>
+              <a:t>return</a:t>
+            </a:r>
+            <a:r>
+              <a:rPr lang="en-US" sz="1400" dirty="0">
+                <a:solidFill>
+                  <a:srgbClr val="000000"/>
+                </a:solidFill>
+                <a:latin typeface="Consolas" panose="020B0609020204030204" pitchFamily="49" charset="0"/>
+              </a:rPr>
+              <a:t> (</a:t>
+            </a:r>
+            <a:r>
+              <a:rPr lang="en-US" sz="1400" dirty="0" err="1">
+                <a:solidFill>
+                  <a:srgbClr val="000000"/>
+                </a:solidFill>
+                <a:latin typeface="Consolas" panose="020B0609020204030204" pitchFamily="49" charset="0"/>
+              </a:rPr>
+              <a:t>Interlocked.Exchange</a:t>
+            </a:r>
+            <a:r>
+              <a:rPr lang="en-US" sz="1400" dirty="0">
+                <a:solidFill>
+                  <a:srgbClr val="000000"/>
+                </a:solidFill>
+                <a:latin typeface="Consolas" panose="020B0609020204030204" pitchFamily="49" charset="0"/>
+              </a:rPr>
+              <a:t>(</a:t>
+            </a:r>
+            <a:r>
+              <a:rPr lang="en-US" sz="1400" dirty="0">
+                <a:solidFill>
+                  <a:srgbClr val="0000FF"/>
+                </a:solidFill>
+                <a:latin typeface="Consolas" panose="020B0609020204030204" pitchFamily="49" charset="0"/>
+              </a:rPr>
+              <a:t>ref</a:t>
+            </a:r>
+            <a:r>
+              <a:rPr lang="en-US" sz="1400" dirty="0">
+                <a:solidFill>
+                  <a:srgbClr val="000000"/>
+                </a:solidFill>
+                <a:latin typeface="Consolas" panose="020B0609020204030204" pitchFamily="49" charset="0"/>
+              </a:rPr>
+              <a:t> counter, 1) == 0);</a:t>
+            </a:r>
+          </a:p>
+          <a:p>
+            <a:r>
+              <a:rPr lang="ru-RU" sz="1400" dirty="0">
+                <a:solidFill>
+                  <a:srgbClr val="000000"/>
+                </a:solidFill>
+                <a:latin typeface="Consolas" panose="020B0609020204030204" pitchFamily="49" charset="0"/>
+              </a:rPr>
+              <a:t>        }</a:t>
+            </a:r>
+          </a:p>
+          <a:p>
+            <a:r>
+              <a:rPr lang="ru-RU" sz="1400" dirty="0">
+                <a:solidFill>
+                  <a:srgbClr val="000000"/>
+                </a:solidFill>
+                <a:latin typeface="Consolas" panose="020B0609020204030204" pitchFamily="49" charset="0"/>
+              </a:rPr>
+              <a:t>    }</a:t>
+            </a:r>
+            <a:endParaRPr lang="ru-RU" sz="1400" dirty="0"/>
+          </a:p>
+        </p:txBody>
+      </p:sp>
+    </p:spTree>
+    <p:extLst>
+      <p:ext uri="{BB962C8B-B14F-4D97-AF65-F5344CB8AC3E}">
+        <p14:creationId xmlns:p14="http://schemas.microsoft.com/office/powerpoint/2010/main" val="2905594387"/>
+      </p:ext>
+    </p:extLst>
+  </p:cSld>
+  <p:clrMapOvr>
+    <a:masterClrMapping/>
+  </p:clrMapOvr>
+</p:sld>
+</file>
+
+<file path=ppt/slides/slide11.xml><?xml version="1.0" encoding="utf-8"?>
+<p:sld xmlns:a="http://schemas.openxmlformats.org/drawingml/2006/main" xmlns:r="http://schemas.openxmlformats.org/officeDocument/2006/relationships" xmlns:p="http://schemas.openxmlformats.org/presentationml/2006/main">
+  <p:cSld>
+    <p:spTree>
+      <p:nvGrpSpPr>
+        <p:cNvPr id="1" name=""/>
+        <p:cNvGrpSpPr/>
+        <p:nvPr/>
+      </p:nvGrpSpPr>
+      <p:grpSpPr>
+        <a:xfrm>
+          <a:off x="0" y="0"/>
+          <a:ext cx="0" cy="0"/>
+          <a:chOff x="0" y="0"/>
+          <a:chExt cx="0" cy="0"/>
+        </a:xfrm>
+      </p:grpSpPr>
+      <p:sp>
+        <p:nvSpPr>
+          <p:cNvPr id="2" name="Заголовок 1">
+            <a:extLst>
+              <a:ext uri="{FF2B5EF4-FFF2-40B4-BE49-F238E27FC236}">
+                <a16:creationId xmlns:a16="http://schemas.microsoft.com/office/drawing/2014/main" id="{647E9CAD-FB62-4ECF-AD5B-F4FB7AB515CF}"/>
+              </a:ext>
+            </a:extLst>
+          </p:cNvPr>
+          <p:cNvSpPr>
+            <a:spLocks noGrp="1"/>
+          </p:cNvSpPr>
+          <p:nvPr>
+            <p:ph type="title"/>
+          </p:nvPr>
+        </p:nvSpPr>
+        <p:spPr>
+          <a:xfrm>
+            <a:off x="838199" y="365125"/>
+            <a:ext cx="10738607" cy="1325563"/>
+          </a:xfrm>
+        </p:spPr>
+        <p:txBody>
+          <a:bodyPr>
+            <a:normAutofit/>
+          </a:bodyPr>
+          <a:lstStyle/>
+          <a:p>
+            <a:r>
+              <a:rPr lang="ru-RU" dirty="0"/>
+              <a:t>Передача делегатов</a:t>
+            </a:r>
+            <a:r>
+              <a:rPr lang="en-US" dirty="0"/>
+              <a:t> </a:t>
+            </a:r>
+            <a:br>
+              <a:rPr lang="en-US" dirty="0"/>
+            </a:br>
+            <a:r>
+              <a:rPr lang="en-US" dirty="0"/>
+              <a:t>(</a:t>
+            </a:r>
+            <a:r>
+              <a:rPr lang="en-US" b="1" dirty="0"/>
+              <a:t>Delegate</a:t>
+            </a:r>
+            <a:r>
+              <a:rPr lang="en-US" dirty="0"/>
+              <a:t>/</a:t>
+            </a:r>
+            <a:r>
+              <a:rPr lang="en-US" b="1" dirty="0"/>
+              <a:t>Functional interface</a:t>
+            </a:r>
+            <a:r>
+              <a:rPr lang="en-US" dirty="0"/>
+              <a:t>)</a:t>
+            </a:r>
+            <a:endParaRPr lang="ru-RU" dirty="0"/>
+          </a:p>
+        </p:txBody>
+      </p:sp>
+      <p:sp>
+        <p:nvSpPr>
+          <p:cNvPr id="3" name="Объект 2">
+            <a:extLst>
+              <a:ext uri="{FF2B5EF4-FFF2-40B4-BE49-F238E27FC236}">
+                <a16:creationId xmlns:a16="http://schemas.microsoft.com/office/drawing/2014/main" id="{D9171A42-EB29-4826-87D4-0086EC1F9028}"/>
+              </a:ext>
+            </a:extLst>
+          </p:cNvPr>
+          <p:cNvSpPr>
+            <a:spLocks noGrp="1"/>
+          </p:cNvSpPr>
+          <p:nvPr>
+            <p:ph idx="1"/>
+          </p:nvPr>
+        </p:nvSpPr>
+        <p:spPr/>
+        <p:txBody>
+          <a:bodyPr>
+            <a:normAutofit fontScale="85000" lnSpcReduction="20000"/>
+          </a:bodyPr>
+          <a:lstStyle/>
+          <a:p>
+            <a:pPr marL="0" indent="0">
+              <a:buNone/>
+            </a:pPr>
+            <a:r>
+              <a:rPr lang="ru-RU" dirty="0"/>
+              <a:t>Применяется когда для каждого использования асинхронного                          метода требуется уникальная реакция на события.</a:t>
+            </a:r>
+          </a:p>
+          <a:p>
+            <a:pPr marL="0" indent="0">
+              <a:buNone/>
+            </a:pPr>
+            <a:r>
+              <a:rPr lang="ru-RU" dirty="0"/>
+              <a:t>Можно встретить понятие </a:t>
+            </a:r>
+            <a:r>
+              <a:rPr lang="en-US" b="1" dirty="0"/>
+              <a:t>Continuation-passing style </a:t>
+            </a:r>
+            <a:r>
+              <a:rPr lang="ru-RU" b="1" dirty="0"/>
+              <a:t>(</a:t>
+            </a:r>
+            <a:r>
+              <a:rPr lang="en-US" b="1" dirty="0"/>
+              <a:t>CPS</a:t>
+            </a:r>
+            <a:r>
+              <a:rPr lang="en-US" dirty="0"/>
+              <a:t>) </a:t>
+            </a:r>
+            <a:r>
+              <a:rPr lang="ru-RU" dirty="0"/>
+              <a:t>- передача продолжений.</a:t>
+            </a:r>
+          </a:p>
+          <a:p>
+            <a:pPr marL="0" indent="0">
+              <a:buNone/>
+            </a:pPr>
+            <a:r>
+              <a:rPr lang="ru-RU" b="1" dirty="0"/>
+              <a:t>Плюсы</a:t>
+            </a:r>
+            <a:r>
+              <a:rPr lang="ru-RU" dirty="0"/>
+              <a:t>:</a:t>
+            </a:r>
+          </a:p>
+          <a:p>
+            <a:r>
+              <a:rPr lang="ru-RU" dirty="0"/>
+              <a:t>не блокируется основной поток</a:t>
+            </a:r>
+          </a:p>
+          <a:p>
+            <a:pPr marL="0" indent="0">
+              <a:buNone/>
+            </a:pPr>
+            <a:r>
+              <a:rPr lang="ru-RU" b="1" dirty="0"/>
+              <a:t>Минусы</a:t>
+            </a:r>
+            <a:r>
+              <a:rPr lang="ru-RU" dirty="0"/>
+              <a:t>: </a:t>
+            </a:r>
+          </a:p>
+          <a:p>
+            <a:r>
+              <a:rPr lang="ru-RU" dirty="0"/>
+              <a:t>выполняются в том же потоке что и асинхронная задача (зависит от реализации)</a:t>
+            </a:r>
+          </a:p>
+          <a:p>
+            <a:r>
+              <a:rPr lang="ru-RU" dirty="0"/>
+              <a:t>как правило медленнее прямого исполнения кода (использование механизмов рефлексии, если компилятор не смог/не стал по каким либо причинам оптимизировать код)</a:t>
+            </a:r>
+          </a:p>
+          <a:p>
+            <a:r>
+              <a:rPr lang="ru-RU" dirty="0"/>
+              <a:t>усложняется чтение кода при описании делегата «на месте»</a:t>
+            </a:r>
+          </a:p>
+        </p:txBody>
+      </p:sp>
+      <p:pic>
+        <p:nvPicPr>
+          <p:cNvPr id="9218" name="Picture 2">
+            <a:extLst>
+              <a:ext uri="{FF2B5EF4-FFF2-40B4-BE49-F238E27FC236}">
+                <a16:creationId xmlns:a16="http://schemas.microsoft.com/office/drawing/2014/main" id="{6B3E0485-C349-4DC6-8AB9-A1669C61AFC3}"/>
+              </a:ext>
+            </a:extLst>
+          </p:cNvPr>
+          <p:cNvPicPr>
+            <a:picLocks noChangeAspect="1" noChangeArrowheads="1"/>
+          </p:cNvPicPr>
+          <p:nvPr/>
+        </p:nvPicPr>
+        <p:blipFill>
+          <a:blip r:embed="rId2">
+            <a:extLst>
+              <a:ext uri="{28A0092B-C50C-407E-A947-70E740481C1C}">
+                <a14:useLocalDpi xmlns:a14="http://schemas.microsoft.com/office/drawing/2010/main" val="0"/>
+              </a:ext>
+            </a:extLst>
+          </a:blip>
+          <a:srcRect/>
+          <a:stretch>
+            <a:fillRect/>
+          </a:stretch>
+        </p:blipFill>
+        <p:spPr bwMode="auto">
+          <a:xfrm>
+            <a:off x="9085277" y="365125"/>
+            <a:ext cx="2491530" cy="1661998"/>
+          </a:xfrm>
+          <a:prstGeom prst="rect">
+            <a:avLst/>
+          </a:prstGeom>
+          <a:noFill/>
+          <a:extLst>
+            <a:ext uri="{909E8E84-426E-40DD-AFC4-6F175D3DCCD1}">
+              <a14:hiddenFill xmlns:a14="http://schemas.microsoft.com/office/drawing/2010/main">
+                <a:solidFill>
+                  <a:srgbClr val="FFFFFF"/>
+                </a:solidFill>
+              </a14:hiddenFill>
+            </a:ext>
+          </a:extLst>
+        </p:spPr>
+      </p:pic>
+    </p:spTree>
+    <p:extLst>
+      <p:ext uri="{BB962C8B-B14F-4D97-AF65-F5344CB8AC3E}">
+        <p14:creationId xmlns:p14="http://schemas.microsoft.com/office/powerpoint/2010/main" val="4168123649"/>
+      </p:ext>
+    </p:extLst>
+  </p:cSld>
+  <p:clrMapOvr>
+    <a:masterClrMapping/>
+  </p:clrMapOvr>
+</p:sld>
+</file>
+
+<file path=ppt/slides/slide12.xml><?xml version="1.0" encoding="utf-8"?>
+<p:sld xmlns:a="http://schemas.openxmlformats.org/drawingml/2006/main" xmlns:r="http://schemas.openxmlformats.org/officeDocument/2006/relationships" xmlns:p="http://schemas.openxmlformats.org/presentationml/2006/main">
+  <p:cSld>
+    <p:spTree>
+      <p:nvGrpSpPr>
+        <p:cNvPr id="1" name=""/>
+        <p:cNvGrpSpPr/>
+        <p:nvPr/>
+      </p:nvGrpSpPr>
+      <p:grpSpPr>
+        <a:xfrm>
+          <a:off x="0" y="0"/>
+          <a:ext cx="0" cy="0"/>
+          <a:chOff x="0" y="0"/>
+          <a:chExt cx="0" cy="0"/>
+        </a:xfrm>
+      </p:grpSpPr>
+      <p:sp>
+        <p:nvSpPr>
+          <p:cNvPr id="2" name="Заголовок 1">
+            <a:extLst>
+              <a:ext uri="{FF2B5EF4-FFF2-40B4-BE49-F238E27FC236}">
+                <a16:creationId xmlns:a16="http://schemas.microsoft.com/office/drawing/2014/main" id="{13DDCA77-7DBD-4041-A567-25F88EAE1300}"/>
+              </a:ext>
+            </a:extLst>
+          </p:cNvPr>
+          <p:cNvSpPr>
+            <a:spLocks noGrp="1"/>
+          </p:cNvSpPr>
+          <p:nvPr>
+            <p:ph type="title"/>
+          </p:nvPr>
+        </p:nvSpPr>
+        <p:spPr/>
+        <p:txBody>
+          <a:bodyPr/>
+          <a:lstStyle/>
+          <a:p>
+            <a:r>
+              <a:rPr lang="ru-RU" dirty="0"/>
+              <a:t>Пример использования </a:t>
+            </a:r>
+            <a:r>
+              <a:rPr lang="en-US" b="1" dirty="0"/>
+              <a:t>Delegate</a:t>
+            </a:r>
+            <a:endParaRPr lang="ru-RU" dirty="0"/>
+          </a:p>
+        </p:txBody>
+      </p:sp>
+      <p:sp>
+        <p:nvSpPr>
+          <p:cNvPr id="4" name="Rectangle 1">
+            <a:extLst>
+              <a:ext uri="{FF2B5EF4-FFF2-40B4-BE49-F238E27FC236}">
+                <a16:creationId xmlns:a16="http://schemas.microsoft.com/office/drawing/2014/main" id="{B4B7FBE9-30BD-474A-A86E-EF8FDEA2C7A7}"/>
+              </a:ext>
+            </a:extLst>
+          </p:cNvPr>
+          <p:cNvSpPr>
+            <a:spLocks noChangeArrowheads="1"/>
+          </p:cNvSpPr>
+          <p:nvPr/>
+        </p:nvSpPr>
+        <p:spPr bwMode="auto">
+          <a:xfrm>
+            <a:off x="838200" y="1690688"/>
+            <a:ext cx="9935733" cy="2862322"/>
+          </a:xfrm>
+          <a:prstGeom prst="rect">
+            <a:avLst/>
+          </a:prstGeom>
+          <a:solidFill>
+            <a:srgbClr val="2B2B2B"/>
+          </a:solidFill>
+          <a:ln>
+            <a:noFill/>
+          </a:ln>
+          <a:effectLst/>
+          <a:extLst>
+            <a:ext uri="{91240B29-F687-4F45-9708-019B960494DF}">
+              <a14:hiddenLine xmlns:a14="http://schemas.microsoft.com/office/drawing/2010/main" w="9525">
+                <a:solidFill>
+                  <a:schemeClr val="tx1"/>
+                </a:solidFill>
+                <a:miter lim="800000"/>
+                <a:headEnd/>
+                <a:tailEnd/>
+              </a14:hiddenLine>
+            </a:ext>
+            <a:ext uri="{AF507438-7753-43E0-B8FC-AC1667EBCBE1}">
+              <a14:hiddenEffects xmlns:a14="http://schemas.microsoft.com/office/drawing/2010/main">
+                <a:effectLst>
+                  <a:outerShdw dist="35921" dir="2700000" algn="ctr" rotWithShape="0">
+                    <a:schemeClr val="bg2"/>
+                  </a:outerShdw>
+                </a:effectLst>
+              </a14:hiddenEffects>
+            </a:ext>
+          </a:extLst>
+        </p:spPr>
+        <p:txBody>
+          <a:bodyPr vert="horz" wrap="none" lIns="91440" tIns="45720" rIns="91440" bIns="45720" numCol="1" anchor="ctr" anchorCtr="0" compatLnSpc="1">
+            <a:prstTxWarp prst="textNoShape">
+              <a:avLst/>
+            </a:prstTxWarp>
+            <a:spAutoFit/>
+          </a:bodyPr>
+          <a:lstStyle/>
+          <a:p>
+            <a:pPr marL="0" marR="0" lvl="0" indent="0" algn="l" defTabSz="914400" rtl="0" eaLnBrk="0" fontAlgn="base" latinLnBrk="0" hangingPunct="0">
+              <a:lnSpc>
+                <a:spcPct val="100000"/>
+              </a:lnSpc>
+              <a:spcBef>
+                <a:spcPct val="0"/>
+              </a:spcBef>
+              <a:spcAft>
+                <a:spcPct val="0"/>
+              </a:spcAft>
+              <a:buClrTx/>
+              <a:buSzTx/>
+              <a:buFontTx/>
+              <a:buNone/>
+              <a:tabLst/>
+            </a:pPr>
+            <a:r>
+              <a:rPr kumimoji="0" lang="ru-RU" altLang="ru-RU" b="0" i="0" u="none" strike="noStrike" cap="none" normalizeH="0" baseline="0" dirty="0" err="1">
+                <a:ln>
+                  <a:noFill/>
+                </a:ln>
+                <a:solidFill>
+                  <a:srgbClr val="CC7832"/>
+                </a:solidFill>
+                <a:effectLst/>
+                <a:latin typeface="Consolas" panose="020B0609020204030204" pitchFamily="49" charset="0"/>
+              </a:rPr>
+              <a:t>protected</a:t>
+            </a:r>
+            <a:r>
+              <a:rPr kumimoji="0" lang="ru-RU" altLang="ru-RU" b="0" i="0" u="none" strike="noStrike" cap="none" normalizeH="0" baseline="0" dirty="0">
+                <a:ln>
+                  <a:noFill/>
+                </a:ln>
+                <a:solidFill>
+                  <a:srgbClr val="CC7832"/>
+                </a:solidFill>
+                <a:effectLst/>
+                <a:latin typeface="Consolas" panose="020B0609020204030204" pitchFamily="49" charset="0"/>
+              </a:rPr>
+              <a:t> </a:t>
+            </a:r>
+            <a:r>
+              <a:rPr kumimoji="0" lang="ru-RU" altLang="ru-RU" b="0" i="0" u="none" strike="noStrike" cap="none" normalizeH="0" baseline="0" dirty="0" err="1">
+                <a:ln>
+                  <a:noFill/>
+                </a:ln>
+                <a:solidFill>
+                  <a:srgbClr val="CC7832"/>
+                </a:solidFill>
+                <a:effectLst/>
+                <a:latin typeface="Consolas" panose="020B0609020204030204" pitchFamily="49" charset="0"/>
+              </a:rPr>
+              <a:t>fun</a:t>
+            </a:r>
+            <a:r>
+              <a:rPr kumimoji="0" lang="ru-RU" altLang="ru-RU" b="0" i="0" u="none" strike="noStrike" cap="none" normalizeH="0" baseline="0" dirty="0">
+                <a:ln>
+                  <a:noFill/>
+                </a:ln>
+                <a:solidFill>
+                  <a:srgbClr val="CC7832"/>
+                </a:solidFill>
+                <a:effectLst/>
+                <a:latin typeface="Consolas" panose="020B0609020204030204" pitchFamily="49" charset="0"/>
+              </a:rPr>
+              <a:t> </a:t>
+            </a:r>
+            <a:r>
+              <a:rPr kumimoji="0" lang="ru-RU" altLang="ru-RU" b="0" i="0" u="none" strike="noStrike" cap="none" normalizeH="0" baseline="0" dirty="0" err="1">
+                <a:ln>
+                  <a:noFill/>
+                </a:ln>
+                <a:solidFill>
+                  <a:srgbClr val="FFC66D"/>
+                </a:solidFill>
+                <a:effectLst/>
+                <a:latin typeface="Consolas" panose="020B0609020204030204" pitchFamily="49" charset="0"/>
+              </a:rPr>
+              <a:t>connect</a:t>
+            </a:r>
+            <a:r>
+              <a:rPr kumimoji="0" lang="ru-RU" altLang="ru-RU" b="0" i="0" u="none" strike="noStrike" cap="none" normalizeH="0" baseline="0" dirty="0">
+                <a:ln>
+                  <a:noFill/>
+                </a:ln>
+                <a:solidFill>
+                  <a:srgbClr val="DAEEFF"/>
+                </a:solidFill>
+                <a:effectLst/>
+                <a:latin typeface="Consolas" panose="020B0609020204030204" pitchFamily="49" charset="0"/>
+              </a:rPr>
+              <a:t>(</a:t>
+            </a:r>
+            <a:r>
+              <a:rPr kumimoji="0" lang="ru-RU" altLang="ru-RU" b="0" i="0" u="none" strike="noStrike" cap="none" normalizeH="0" baseline="0" dirty="0" err="1">
+                <a:ln>
+                  <a:noFill/>
+                </a:ln>
+                <a:solidFill>
+                  <a:srgbClr val="A9B7C6"/>
+                </a:solidFill>
+                <a:effectLst/>
+                <a:latin typeface="Consolas" panose="020B0609020204030204" pitchFamily="49" charset="0"/>
+              </a:rPr>
+              <a:t>after</a:t>
+            </a:r>
+            <a:r>
+              <a:rPr kumimoji="0" lang="ru-RU" altLang="ru-RU" b="0" i="0" u="none" strike="noStrike" cap="none" normalizeH="0" baseline="0" dirty="0">
+                <a:ln>
+                  <a:noFill/>
+                </a:ln>
+                <a:solidFill>
+                  <a:srgbClr val="DAEEFF"/>
+                </a:solidFill>
+                <a:effectLst/>
+                <a:latin typeface="Consolas" panose="020B0609020204030204" pitchFamily="49" charset="0"/>
+              </a:rPr>
+              <a:t>: </a:t>
+            </a:r>
+            <a:r>
+              <a:rPr kumimoji="0" lang="ru-RU" altLang="ru-RU" b="0" i="0" u="none" strike="noStrike" cap="none" normalizeH="0" baseline="0" dirty="0" err="1">
+                <a:ln>
+                  <a:noFill/>
+                </a:ln>
+                <a:solidFill>
+                  <a:srgbClr val="A9B7C6"/>
+                </a:solidFill>
+                <a:effectLst/>
+                <a:latin typeface="Consolas" panose="020B0609020204030204" pitchFamily="49" charset="0"/>
+              </a:rPr>
+              <a:t>Consumer</a:t>
+            </a:r>
+            <a:r>
+              <a:rPr kumimoji="0" lang="ru-RU" altLang="ru-RU" b="0" i="0" u="none" strike="noStrike" cap="none" normalizeH="0" baseline="0" dirty="0">
+                <a:ln>
+                  <a:noFill/>
+                </a:ln>
+                <a:solidFill>
+                  <a:srgbClr val="DAEEFF"/>
+                </a:solidFill>
+                <a:effectLst/>
+                <a:latin typeface="Consolas" panose="020B0609020204030204" pitchFamily="49" charset="0"/>
+              </a:rPr>
+              <a:t>&lt;</a:t>
+            </a:r>
+            <a:r>
+              <a:rPr kumimoji="0" lang="ru-RU" altLang="ru-RU" b="0" i="0" u="none" strike="noStrike" cap="none" normalizeH="0" baseline="0" dirty="0" err="1">
+                <a:ln>
+                  <a:noFill/>
+                </a:ln>
+                <a:solidFill>
+                  <a:srgbClr val="A9B7C6"/>
+                </a:solidFill>
+                <a:effectLst/>
+                <a:latin typeface="Consolas" panose="020B0609020204030204" pitchFamily="49" charset="0"/>
+              </a:rPr>
+              <a:t>String</a:t>
+            </a:r>
+            <a:r>
+              <a:rPr kumimoji="0" lang="ru-RU" altLang="ru-RU" b="0" i="0" u="none" strike="noStrike" cap="none" normalizeH="0" baseline="0" dirty="0">
+                <a:ln>
+                  <a:noFill/>
+                </a:ln>
+                <a:solidFill>
+                  <a:srgbClr val="DAEEFF"/>
+                </a:solidFill>
+                <a:effectLst/>
+                <a:latin typeface="Consolas" panose="020B0609020204030204" pitchFamily="49" charset="0"/>
+              </a:rPr>
+              <a:t>?&gt;?) {</a:t>
+            </a:r>
+            <a:br>
+              <a:rPr kumimoji="0" lang="ru-RU" altLang="ru-RU" b="0" i="0" u="none" strike="noStrike" cap="none" normalizeH="0" baseline="0" dirty="0">
+                <a:ln>
+                  <a:noFill/>
+                </a:ln>
+                <a:solidFill>
+                  <a:srgbClr val="DAEEFF"/>
+                </a:solidFill>
+                <a:effectLst/>
+                <a:latin typeface="Consolas" panose="020B0609020204030204" pitchFamily="49" charset="0"/>
+              </a:rPr>
+            </a:br>
+            <a:r>
+              <a:rPr kumimoji="0" lang="ru-RU" altLang="ru-RU" b="0" i="0" u="none" strike="noStrike" cap="none" normalizeH="0" baseline="0" dirty="0">
+                <a:ln>
+                  <a:noFill/>
+                </a:ln>
+                <a:solidFill>
+                  <a:srgbClr val="DAEEFF"/>
+                </a:solidFill>
+                <a:effectLst/>
+                <a:latin typeface="Consolas" panose="020B0609020204030204" pitchFamily="49" charset="0"/>
+              </a:rPr>
+              <a:t>    </a:t>
+            </a:r>
+            <a:r>
+              <a:rPr kumimoji="0" lang="ru-RU" altLang="ru-RU" b="0" i="0" u="none" strike="noStrike" cap="none" normalizeH="0" baseline="0" dirty="0" err="1">
+                <a:ln>
+                  <a:noFill/>
+                </a:ln>
+                <a:solidFill>
+                  <a:srgbClr val="9876AA"/>
+                </a:solidFill>
+                <a:effectLst/>
+                <a:latin typeface="Consolas" panose="020B0609020204030204" pitchFamily="49" charset="0"/>
+              </a:rPr>
+              <a:t>thread</a:t>
+            </a:r>
+            <a:r>
+              <a:rPr kumimoji="0" lang="ru-RU" altLang="ru-RU" b="0" i="0" u="none" strike="noStrike" cap="none" normalizeH="0" baseline="0" dirty="0" err="1">
+                <a:ln>
+                  <a:noFill/>
+                </a:ln>
+                <a:solidFill>
+                  <a:srgbClr val="DAEEFF"/>
+                </a:solidFill>
+                <a:effectLst/>
+                <a:latin typeface="Consolas" panose="020B0609020204030204" pitchFamily="49" charset="0"/>
+              </a:rPr>
+              <a:t>.postTask</a:t>
+            </a:r>
+            <a:r>
+              <a:rPr kumimoji="0" lang="ru-RU" altLang="ru-RU" b="0" i="0" u="none" strike="noStrike" cap="none" normalizeH="0" baseline="0" dirty="0">
+                <a:ln>
+                  <a:noFill/>
+                </a:ln>
+                <a:solidFill>
+                  <a:srgbClr val="DAEEFF"/>
+                </a:solidFill>
+                <a:effectLst/>
+                <a:latin typeface="Consolas" panose="020B0609020204030204" pitchFamily="49" charset="0"/>
+              </a:rPr>
+              <a:t>(</a:t>
+            </a:r>
+            <a:r>
+              <a:rPr kumimoji="0" lang="ru-RU" altLang="ru-RU" b="0" i="1" u="none" strike="noStrike" cap="none" normalizeH="0" baseline="0" dirty="0" err="1">
+                <a:ln>
+                  <a:noFill/>
+                </a:ln>
+                <a:solidFill>
+                  <a:srgbClr val="DAEEFF"/>
+                </a:solidFill>
+                <a:effectLst/>
+                <a:latin typeface="Consolas" panose="020B0609020204030204" pitchFamily="49" charset="0"/>
+              </a:rPr>
+              <a:t>Runnable</a:t>
+            </a:r>
+            <a:r>
+              <a:rPr kumimoji="0" lang="ru-RU" altLang="ru-RU" b="0" i="1" u="none" strike="noStrike" cap="none" normalizeH="0" baseline="0" dirty="0">
+                <a:ln>
+                  <a:noFill/>
+                </a:ln>
+                <a:solidFill>
+                  <a:srgbClr val="DAEEFF"/>
+                </a:solidFill>
+                <a:effectLst/>
+                <a:latin typeface="Consolas" panose="020B0609020204030204" pitchFamily="49" charset="0"/>
+              </a:rPr>
+              <a:t> </a:t>
+            </a:r>
+            <a:r>
+              <a:rPr kumimoji="0" lang="ru-RU" altLang="ru-RU" b="1" i="0" u="none" strike="noStrike" cap="none" normalizeH="0" baseline="0" dirty="0">
+                <a:ln>
+                  <a:noFill/>
+                </a:ln>
+                <a:solidFill>
+                  <a:srgbClr val="DAEEFF"/>
+                </a:solidFill>
+                <a:effectLst/>
+                <a:latin typeface="Consolas" panose="020B0609020204030204" pitchFamily="49" charset="0"/>
+              </a:rPr>
+              <a:t>{</a:t>
+            </a:r>
+            <a:br>
+              <a:rPr kumimoji="0" lang="ru-RU" altLang="ru-RU" b="1" i="0" u="none" strike="noStrike" cap="none" normalizeH="0" baseline="0" dirty="0">
+                <a:ln>
+                  <a:noFill/>
+                </a:ln>
+                <a:solidFill>
+                  <a:srgbClr val="DAEEFF"/>
+                </a:solidFill>
+                <a:effectLst/>
+                <a:latin typeface="Consolas" panose="020B0609020204030204" pitchFamily="49" charset="0"/>
+              </a:rPr>
+            </a:br>
+            <a:r>
+              <a:rPr kumimoji="0" lang="ru-RU" altLang="ru-RU" b="1" i="0" u="none" strike="noStrike" cap="none" normalizeH="0" baseline="0" dirty="0">
+                <a:ln>
+                  <a:noFill/>
+                </a:ln>
+                <a:solidFill>
+                  <a:srgbClr val="DAEEFF"/>
+                </a:solidFill>
+                <a:effectLst/>
+                <a:latin typeface="Consolas" panose="020B0609020204030204" pitchFamily="49" charset="0"/>
+              </a:rPr>
+              <a:t>        </a:t>
+            </a:r>
+            <a:r>
+              <a:rPr kumimoji="0" lang="ru-RU" altLang="ru-RU" b="0" i="0" u="none" strike="noStrike" cap="none" normalizeH="0" baseline="0" dirty="0" err="1">
+                <a:ln>
+                  <a:noFill/>
+                </a:ln>
+                <a:solidFill>
+                  <a:srgbClr val="CC7832"/>
+                </a:solidFill>
+                <a:effectLst/>
+                <a:latin typeface="Consolas" panose="020B0609020204030204" pitchFamily="49" charset="0"/>
+              </a:rPr>
+              <a:t>try</a:t>
+            </a:r>
+            <a:r>
+              <a:rPr kumimoji="0" lang="ru-RU" altLang="ru-RU" b="0" i="0" u="none" strike="noStrike" cap="none" normalizeH="0" baseline="0" dirty="0">
+                <a:ln>
+                  <a:noFill/>
+                </a:ln>
+                <a:solidFill>
+                  <a:srgbClr val="CC7832"/>
+                </a:solidFill>
+                <a:effectLst/>
+                <a:latin typeface="Consolas" panose="020B0609020204030204" pitchFamily="49" charset="0"/>
+              </a:rPr>
+              <a:t> </a:t>
+            </a:r>
+            <a:r>
+              <a:rPr kumimoji="0" lang="ru-RU" altLang="ru-RU" b="0" i="0" u="none" strike="noStrike" cap="none" normalizeH="0" baseline="0" dirty="0">
+                <a:ln>
+                  <a:noFill/>
+                </a:ln>
+                <a:solidFill>
+                  <a:srgbClr val="DAEEFF"/>
+                </a:solidFill>
+                <a:effectLst/>
+                <a:latin typeface="Consolas" panose="020B0609020204030204" pitchFamily="49" charset="0"/>
+              </a:rPr>
+              <a:t>{</a:t>
+            </a:r>
+            <a:br>
+              <a:rPr kumimoji="0" lang="ru-RU" altLang="ru-RU" b="0" i="0" u="none" strike="noStrike" cap="none" normalizeH="0" baseline="0" dirty="0">
+                <a:ln>
+                  <a:noFill/>
+                </a:ln>
+                <a:solidFill>
+                  <a:srgbClr val="DAEEFF"/>
+                </a:solidFill>
+                <a:effectLst/>
+                <a:latin typeface="Consolas" panose="020B0609020204030204" pitchFamily="49" charset="0"/>
+              </a:rPr>
+            </a:br>
+            <a:r>
+              <a:rPr kumimoji="0" lang="ru-RU" altLang="ru-RU" b="0" i="0" u="none" strike="noStrike" cap="none" normalizeH="0" baseline="0" dirty="0">
+                <a:ln>
+                  <a:noFill/>
+                </a:ln>
+                <a:solidFill>
+                  <a:srgbClr val="DAEEFF"/>
+                </a:solidFill>
+                <a:effectLst/>
+                <a:latin typeface="Consolas" panose="020B0609020204030204" pitchFamily="49" charset="0"/>
+              </a:rPr>
+              <a:t>            _</a:t>
+            </a:r>
+            <a:r>
+              <a:rPr kumimoji="0" lang="ru-RU" altLang="ru-RU" b="0" i="0" u="none" strike="noStrike" cap="none" normalizeH="0" baseline="0" dirty="0" err="1">
+                <a:ln>
+                  <a:noFill/>
+                </a:ln>
+                <a:solidFill>
+                  <a:srgbClr val="DAEEFF"/>
+                </a:solidFill>
+                <a:effectLst/>
+                <a:latin typeface="Consolas" panose="020B0609020204030204" pitchFamily="49" charset="0"/>
+              </a:rPr>
+              <a:t>connect</a:t>
+            </a:r>
+            <a:r>
+              <a:rPr kumimoji="0" lang="ru-RU" altLang="ru-RU" b="0" i="0" u="none" strike="noStrike" cap="none" normalizeH="0" baseline="0" dirty="0">
+                <a:ln>
+                  <a:noFill/>
+                </a:ln>
+                <a:solidFill>
+                  <a:srgbClr val="DAEEFF"/>
+                </a:solidFill>
+                <a:effectLst/>
+                <a:latin typeface="Consolas" panose="020B0609020204030204" pitchFamily="49" charset="0"/>
+              </a:rPr>
+              <a:t>()</a:t>
+            </a:r>
+            <a:br>
+              <a:rPr kumimoji="0" lang="ru-RU" altLang="ru-RU" b="0" i="0" u="none" strike="noStrike" cap="none" normalizeH="0" baseline="0" dirty="0">
+                <a:ln>
+                  <a:noFill/>
+                </a:ln>
+                <a:solidFill>
+                  <a:srgbClr val="DAEEFF"/>
+                </a:solidFill>
+                <a:effectLst/>
+                <a:latin typeface="Consolas" panose="020B0609020204030204" pitchFamily="49" charset="0"/>
+              </a:rPr>
+            </a:br>
+            <a:r>
+              <a:rPr kumimoji="0" lang="ru-RU" altLang="ru-RU" b="0" i="0" u="none" strike="noStrike" cap="none" normalizeH="0" baseline="0" dirty="0">
+                <a:ln>
+                  <a:noFill/>
+                </a:ln>
+                <a:solidFill>
+                  <a:srgbClr val="DAEEFF"/>
+                </a:solidFill>
+                <a:effectLst/>
+                <a:latin typeface="Consolas" panose="020B0609020204030204" pitchFamily="49" charset="0"/>
+              </a:rPr>
+              <a:t>            </a:t>
+            </a:r>
+            <a:r>
+              <a:rPr kumimoji="0" lang="ru-RU" altLang="ru-RU" b="0" i="0" u="none" strike="noStrike" cap="none" normalizeH="0" baseline="0" dirty="0" err="1">
+                <a:ln>
+                  <a:noFill/>
+                </a:ln>
+                <a:solidFill>
+                  <a:srgbClr val="9876AA"/>
+                </a:solidFill>
+                <a:effectLst/>
+                <a:latin typeface="Consolas" panose="020B0609020204030204" pitchFamily="49" charset="0"/>
+              </a:rPr>
+              <a:t>thread</a:t>
+            </a:r>
+            <a:r>
+              <a:rPr kumimoji="0" lang="ru-RU" altLang="ru-RU" b="0" i="0" u="none" strike="noStrike" cap="none" normalizeH="0" baseline="0" dirty="0" err="1">
+                <a:ln>
+                  <a:noFill/>
+                </a:ln>
+                <a:solidFill>
+                  <a:srgbClr val="DAEEFF"/>
+                </a:solidFill>
+                <a:effectLst/>
+                <a:latin typeface="Consolas" panose="020B0609020204030204" pitchFamily="49" charset="0"/>
+              </a:rPr>
+              <a:t>.</a:t>
+            </a:r>
+            <a:r>
+              <a:rPr kumimoji="0" lang="ru-RU" altLang="ru-RU" b="0" i="0" u="none" strike="noStrike" cap="none" normalizeH="0" baseline="0" dirty="0" err="1">
+                <a:ln>
+                  <a:noFill/>
+                </a:ln>
+                <a:solidFill>
+                  <a:srgbClr val="9876AA"/>
+                </a:solidFill>
+                <a:effectLst/>
+                <a:latin typeface="Consolas" panose="020B0609020204030204" pitchFamily="49" charset="0"/>
+              </a:rPr>
+              <a:t>mainHandler</a:t>
+            </a:r>
+            <a:r>
+              <a:rPr kumimoji="0" lang="ru-RU" altLang="ru-RU" b="0" i="0" u="none" strike="noStrike" cap="none" normalizeH="0" baseline="0" dirty="0" err="1">
+                <a:ln>
+                  <a:noFill/>
+                </a:ln>
+                <a:solidFill>
+                  <a:srgbClr val="DAEEFF"/>
+                </a:solidFill>
+                <a:effectLst/>
+                <a:latin typeface="Consolas" panose="020B0609020204030204" pitchFamily="49" charset="0"/>
+              </a:rPr>
+              <a:t>.post</a:t>
+            </a:r>
+            <a:r>
+              <a:rPr kumimoji="0" lang="ru-RU" altLang="ru-RU" b="0" i="0" u="none" strike="noStrike" cap="none" normalizeH="0" baseline="0" dirty="0">
+                <a:ln>
+                  <a:noFill/>
+                </a:ln>
+                <a:solidFill>
+                  <a:srgbClr val="DAEEFF"/>
+                </a:solidFill>
+                <a:effectLst/>
+                <a:latin typeface="Consolas" panose="020B0609020204030204" pitchFamily="49" charset="0"/>
+              </a:rPr>
+              <a:t> </a:t>
+            </a:r>
+            <a:r>
+              <a:rPr kumimoji="0" lang="ru-RU" altLang="ru-RU" b="1" i="0" u="none" strike="noStrike" cap="none" normalizeH="0" baseline="0" dirty="0">
+                <a:ln>
+                  <a:noFill/>
+                </a:ln>
+                <a:solidFill>
+                  <a:srgbClr val="DAEEFF"/>
+                </a:solidFill>
+                <a:effectLst/>
+                <a:latin typeface="Consolas" panose="020B0609020204030204" pitchFamily="49" charset="0"/>
+              </a:rPr>
+              <a:t>{ </a:t>
+            </a:r>
+            <a:r>
+              <a:rPr kumimoji="0" lang="ru-RU" altLang="ru-RU" b="0" i="0" u="none" strike="noStrike" cap="none" normalizeH="0" baseline="0" dirty="0" err="1">
+                <a:ln>
+                  <a:noFill/>
+                </a:ln>
+                <a:solidFill>
+                  <a:srgbClr val="A9B7C6"/>
+                </a:solidFill>
+                <a:effectLst/>
+                <a:latin typeface="Consolas" panose="020B0609020204030204" pitchFamily="49" charset="0"/>
+              </a:rPr>
+              <a:t>after</a:t>
+            </a:r>
+            <a:r>
+              <a:rPr kumimoji="0" lang="ru-RU" altLang="ru-RU" b="0" i="0" u="none" strike="noStrike" cap="none" normalizeH="0" baseline="0" dirty="0">
+                <a:ln>
+                  <a:noFill/>
+                </a:ln>
+                <a:solidFill>
+                  <a:srgbClr val="DAEEFF"/>
+                </a:solidFill>
+                <a:effectLst/>
+                <a:latin typeface="Consolas" panose="020B0609020204030204" pitchFamily="49" charset="0"/>
+              </a:rPr>
+              <a:t>?.</a:t>
+            </a:r>
+            <a:r>
+              <a:rPr kumimoji="0" lang="ru-RU" altLang="ru-RU" b="0" i="0" u="none" strike="noStrike" cap="none" normalizeH="0" baseline="0" dirty="0" err="1">
+                <a:ln>
+                  <a:noFill/>
+                </a:ln>
+                <a:solidFill>
+                  <a:srgbClr val="DAEEFF"/>
+                </a:solidFill>
+                <a:effectLst/>
+                <a:latin typeface="Consolas" panose="020B0609020204030204" pitchFamily="49" charset="0"/>
+              </a:rPr>
+              <a:t>accept</a:t>
+            </a:r>
+            <a:r>
+              <a:rPr kumimoji="0" lang="ru-RU" altLang="ru-RU" b="0" i="0" u="none" strike="noStrike" cap="none" normalizeH="0" baseline="0" dirty="0">
+                <a:ln>
+                  <a:noFill/>
+                </a:ln>
+                <a:solidFill>
+                  <a:srgbClr val="DAEEFF"/>
+                </a:solidFill>
+                <a:effectLst/>
+                <a:latin typeface="Consolas" panose="020B0609020204030204" pitchFamily="49" charset="0"/>
+              </a:rPr>
+              <a:t>(</a:t>
+            </a:r>
+            <a:r>
+              <a:rPr kumimoji="0" lang="ru-RU" altLang="ru-RU" b="0" i="0" u="none" strike="noStrike" cap="none" normalizeH="0" baseline="0" dirty="0" err="1">
+                <a:ln>
+                  <a:noFill/>
+                </a:ln>
+                <a:solidFill>
+                  <a:srgbClr val="CC7832"/>
+                </a:solidFill>
+                <a:effectLst/>
+                <a:latin typeface="Consolas" panose="020B0609020204030204" pitchFamily="49" charset="0"/>
+              </a:rPr>
+              <a:t>null</a:t>
+            </a:r>
+            <a:r>
+              <a:rPr kumimoji="0" lang="ru-RU" altLang="ru-RU" b="0" i="0" u="none" strike="noStrike" cap="none" normalizeH="0" baseline="0" dirty="0">
+                <a:ln>
+                  <a:noFill/>
+                </a:ln>
+                <a:solidFill>
+                  <a:srgbClr val="DAEEFF"/>
+                </a:solidFill>
+                <a:effectLst/>
+                <a:latin typeface="Consolas" panose="020B0609020204030204" pitchFamily="49" charset="0"/>
+              </a:rPr>
+              <a:t>) </a:t>
+            </a:r>
+            <a:r>
+              <a:rPr kumimoji="0" lang="ru-RU" altLang="ru-RU" b="1" i="0" u="none" strike="noStrike" cap="none" normalizeH="0" baseline="0" dirty="0">
+                <a:ln>
+                  <a:noFill/>
+                </a:ln>
+                <a:solidFill>
+                  <a:srgbClr val="DAEEFF"/>
+                </a:solidFill>
+                <a:effectLst/>
+                <a:latin typeface="Consolas" panose="020B0609020204030204" pitchFamily="49" charset="0"/>
+              </a:rPr>
+              <a:t>}</a:t>
+            </a:r>
+            <a:br>
+              <a:rPr kumimoji="0" lang="ru-RU" altLang="ru-RU" b="1" i="0" u="none" strike="noStrike" cap="none" normalizeH="0" baseline="0" dirty="0">
+                <a:ln>
+                  <a:noFill/>
+                </a:ln>
+                <a:solidFill>
+                  <a:srgbClr val="DAEEFF"/>
+                </a:solidFill>
+                <a:effectLst/>
+                <a:latin typeface="Consolas" panose="020B0609020204030204" pitchFamily="49" charset="0"/>
+              </a:rPr>
+            </a:br>
+            <a:r>
+              <a:rPr kumimoji="0" lang="ru-RU" altLang="ru-RU" b="1" i="0" u="none" strike="noStrike" cap="none" normalizeH="0" baseline="0" dirty="0">
+                <a:ln>
+                  <a:noFill/>
+                </a:ln>
+                <a:solidFill>
+                  <a:srgbClr val="DAEEFF"/>
+                </a:solidFill>
+                <a:effectLst/>
+                <a:latin typeface="Consolas" panose="020B0609020204030204" pitchFamily="49" charset="0"/>
+              </a:rPr>
+              <a:t>        </a:t>
+            </a:r>
+            <a:r>
+              <a:rPr kumimoji="0" lang="ru-RU" altLang="ru-RU" b="0" i="0" u="none" strike="noStrike" cap="none" normalizeH="0" baseline="0" dirty="0">
+                <a:ln>
+                  <a:noFill/>
+                </a:ln>
+                <a:solidFill>
+                  <a:srgbClr val="DAEEFF"/>
+                </a:solidFill>
+                <a:effectLst/>
+                <a:latin typeface="Consolas" panose="020B0609020204030204" pitchFamily="49" charset="0"/>
+              </a:rPr>
+              <a:t>} </a:t>
+            </a:r>
+            <a:r>
+              <a:rPr kumimoji="0" lang="ru-RU" altLang="ru-RU" b="0" i="0" u="none" strike="noStrike" cap="none" normalizeH="0" baseline="0" dirty="0" err="1">
+                <a:ln>
+                  <a:noFill/>
+                </a:ln>
+                <a:solidFill>
+                  <a:srgbClr val="CC7832"/>
+                </a:solidFill>
+                <a:effectLst/>
+                <a:latin typeface="Consolas" panose="020B0609020204030204" pitchFamily="49" charset="0"/>
+              </a:rPr>
+              <a:t>catch</a:t>
+            </a:r>
+            <a:r>
+              <a:rPr kumimoji="0" lang="ru-RU" altLang="ru-RU" b="0" i="0" u="none" strike="noStrike" cap="none" normalizeH="0" baseline="0" dirty="0">
+                <a:ln>
+                  <a:noFill/>
+                </a:ln>
+                <a:solidFill>
+                  <a:srgbClr val="CC7832"/>
+                </a:solidFill>
+                <a:effectLst/>
+                <a:latin typeface="Consolas" panose="020B0609020204030204" pitchFamily="49" charset="0"/>
+              </a:rPr>
+              <a:t> </a:t>
+            </a:r>
+            <a:r>
+              <a:rPr kumimoji="0" lang="ru-RU" altLang="ru-RU" b="0" i="0" u="none" strike="noStrike" cap="none" normalizeH="0" baseline="0" dirty="0">
+                <a:ln>
+                  <a:noFill/>
+                </a:ln>
+                <a:solidFill>
+                  <a:srgbClr val="DAEEFF"/>
+                </a:solidFill>
+                <a:effectLst/>
+                <a:latin typeface="Consolas" panose="020B0609020204030204" pitchFamily="49" charset="0"/>
+              </a:rPr>
+              <a:t>(</a:t>
+            </a:r>
+            <a:r>
+              <a:rPr kumimoji="0" lang="ru-RU" altLang="ru-RU" b="0" i="0" u="none" strike="noStrike" cap="none" normalizeH="0" baseline="0" dirty="0">
+                <a:ln>
+                  <a:noFill/>
+                </a:ln>
+                <a:solidFill>
+                  <a:srgbClr val="A9B7C6"/>
+                </a:solidFill>
+                <a:effectLst/>
+                <a:latin typeface="Consolas" panose="020B0609020204030204" pitchFamily="49" charset="0"/>
+              </a:rPr>
+              <a:t>e</a:t>
+            </a:r>
+            <a:r>
+              <a:rPr kumimoji="0" lang="ru-RU" altLang="ru-RU" b="0" i="0" u="none" strike="noStrike" cap="none" normalizeH="0" baseline="0" dirty="0">
+                <a:ln>
+                  <a:noFill/>
+                </a:ln>
+                <a:solidFill>
+                  <a:srgbClr val="DAEEFF"/>
+                </a:solidFill>
+                <a:effectLst/>
+                <a:latin typeface="Consolas" panose="020B0609020204030204" pitchFamily="49" charset="0"/>
+              </a:rPr>
+              <a:t>: </a:t>
+            </a:r>
+            <a:r>
+              <a:rPr kumimoji="0" lang="ru-RU" altLang="ru-RU" b="0" i="0" u="none" strike="noStrike" cap="none" normalizeH="0" baseline="0" dirty="0" err="1">
+                <a:ln>
+                  <a:noFill/>
+                </a:ln>
+                <a:solidFill>
+                  <a:srgbClr val="A9B7C6"/>
+                </a:solidFill>
+                <a:effectLst/>
+                <a:latin typeface="Consolas" panose="020B0609020204030204" pitchFamily="49" charset="0"/>
+              </a:rPr>
+              <a:t>Exception</a:t>
+            </a:r>
+            <a:r>
+              <a:rPr kumimoji="0" lang="ru-RU" altLang="ru-RU" b="0" i="0" u="none" strike="noStrike" cap="none" normalizeH="0" baseline="0" dirty="0">
+                <a:ln>
+                  <a:noFill/>
+                </a:ln>
+                <a:solidFill>
+                  <a:srgbClr val="DAEEFF"/>
+                </a:solidFill>
+                <a:effectLst/>
+                <a:latin typeface="Consolas" panose="020B0609020204030204" pitchFamily="49" charset="0"/>
+              </a:rPr>
+              <a:t>) {</a:t>
+            </a:r>
+            <a:br>
+              <a:rPr kumimoji="0" lang="ru-RU" altLang="ru-RU" b="0" i="0" u="none" strike="noStrike" cap="none" normalizeH="0" baseline="0" dirty="0">
+                <a:ln>
+                  <a:noFill/>
+                </a:ln>
+                <a:solidFill>
+                  <a:srgbClr val="DAEEFF"/>
+                </a:solidFill>
+                <a:effectLst/>
+                <a:latin typeface="Consolas" panose="020B0609020204030204" pitchFamily="49" charset="0"/>
+              </a:rPr>
+            </a:br>
+            <a:r>
+              <a:rPr kumimoji="0" lang="ru-RU" altLang="ru-RU" b="0" i="0" u="none" strike="noStrike" cap="none" normalizeH="0" baseline="0" dirty="0">
+                <a:ln>
+                  <a:noFill/>
+                </a:ln>
+                <a:solidFill>
+                  <a:srgbClr val="DAEEFF"/>
+                </a:solidFill>
+                <a:effectLst/>
+                <a:latin typeface="Consolas" panose="020B0609020204030204" pitchFamily="49" charset="0"/>
+              </a:rPr>
+              <a:t>            </a:t>
+            </a:r>
+            <a:r>
+              <a:rPr kumimoji="0" lang="ru-RU" altLang="ru-RU" b="0" i="0" u="none" strike="noStrike" cap="none" normalizeH="0" baseline="0" dirty="0" err="1">
+                <a:ln>
+                  <a:noFill/>
+                </a:ln>
+                <a:solidFill>
+                  <a:srgbClr val="9876AA"/>
+                </a:solidFill>
+                <a:effectLst/>
+                <a:latin typeface="Consolas" panose="020B0609020204030204" pitchFamily="49" charset="0"/>
+              </a:rPr>
+              <a:t>thread</a:t>
+            </a:r>
+            <a:r>
+              <a:rPr kumimoji="0" lang="ru-RU" altLang="ru-RU" b="0" i="0" u="none" strike="noStrike" cap="none" normalizeH="0" baseline="0" dirty="0" err="1">
+                <a:ln>
+                  <a:noFill/>
+                </a:ln>
+                <a:solidFill>
+                  <a:srgbClr val="DAEEFF"/>
+                </a:solidFill>
+                <a:effectLst/>
+                <a:latin typeface="Consolas" panose="020B0609020204030204" pitchFamily="49" charset="0"/>
+              </a:rPr>
+              <a:t>.</a:t>
+            </a:r>
+            <a:r>
+              <a:rPr kumimoji="0" lang="ru-RU" altLang="ru-RU" b="0" i="0" u="none" strike="noStrike" cap="none" normalizeH="0" baseline="0" dirty="0" err="1">
+                <a:ln>
+                  <a:noFill/>
+                </a:ln>
+                <a:solidFill>
+                  <a:srgbClr val="9876AA"/>
+                </a:solidFill>
+                <a:effectLst/>
+                <a:latin typeface="Consolas" panose="020B0609020204030204" pitchFamily="49" charset="0"/>
+              </a:rPr>
+              <a:t>mainHandler</a:t>
+            </a:r>
+            <a:r>
+              <a:rPr kumimoji="0" lang="ru-RU" altLang="ru-RU" b="0" i="0" u="none" strike="noStrike" cap="none" normalizeH="0" baseline="0" dirty="0" err="1">
+                <a:ln>
+                  <a:noFill/>
+                </a:ln>
+                <a:solidFill>
+                  <a:srgbClr val="DAEEFF"/>
+                </a:solidFill>
+                <a:effectLst/>
+                <a:latin typeface="Consolas" panose="020B0609020204030204" pitchFamily="49" charset="0"/>
+              </a:rPr>
+              <a:t>.post</a:t>
+            </a:r>
+            <a:r>
+              <a:rPr kumimoji="0" lang="ru-RU" altLang="ru-RU" b="0" i="0" u="none" strike="noStrike" cap="none" normalizeH="0" baseline="0" dirty="0">
+                <a:ln>
+                  <a:noFill/>
+                </a:ln>
+                <a:solidFill>
+                  <a:srgbClr val="DAEEFF"/>
+                </a:solidFill>
+                <a:effectLst/>
+                <a:latin typeface="Consolas" panose="020B0609020204030204" pitchFamily="49" charset="0"/>
+              </a:rPr>
+              <a:t> </a:t>
+            </a:r>
+            <a:r>
+              <a:rPr kumimoji="0" lang="ru-RU" altLang="ru-RU" b="1" i="0" u="none" strike="noStrike" cap="none" normalizeH="0" baseline="0" dirty="0">
+                <a:ln>
+                  <a:noFill/>
+                </a:ln>
+                <a:solidFill>
+                  <a:srgbClr val="DAEEFF"/>
+                </a:solidFill>
+                <a:effectLst/>
+                <a:latin typeface="Consolas" panose="020B0609020204030204" pitchFamily="49" charset="0"/>
+              </a:rPr>
+              <a:t>{ </a:t>
+            </a:r>
+            <a:r>
+              <a:rPr kumimoji="0" lang="ru-RU" altLang="ru-RU" b="0" i="0" u="none" strike="noStrike" cap="none" normalizeH="0" baseline="0" dirty="0" err="1">
+                <a:ln>
+                  <a:noFill/>
+                </a:ln>
+                <a:solidFill>
+                  <a:srgbClr val="A9B7C6"/>
+                </a:solidFill>
+                <a:effectLst/>
+                <a:latin typeface="Consolas" panose="020B0609020204030204" pitchFamily="49" charset="0"/>
+              </a:rPr>
+              <a:t>after</a:t>
+            </a:r>
+            <a:r>
+              <a:rPr kumimoji="0" lang="ru-RU" altLang="ru-RU" b="0" i="0" u="none" strike="noStrike" cap="none" normalizeH="0" baseline="0" dirty="0">
+                <a:ln>
+                  <a:noFill/>
+                </a:ln>
+                <a:solidFill>
+                  <a:srgbClr val="DAEEFF"/>
+                </a:solidFill>
+                <a:effectLst/>
+                <a:latin typeface="Consolas" panose="020B0609020204030204" pitchFamily="49" charset="0"/>
+              </a:rPr>
+              <a:t>?.</a:t>
+            </a:r>
+            <a:r>
+              <a:rPr kumimoji="0" lang="ru-RU" altLang="ru-RU" b="0" i="0" u="none" strike="noStrike" cap="none" normalizeH="0" baseline="0" dirty="0" err="1">
+                <a:ln>
+                  <a:noFill/>
+                </a:ln>
+                <a:solidFill>
+                  <a:srgbClr val="DAEEFF"/>
+                </a:solidFill>
+                <a:effectLst/>
+                <a:latin typeface="Consolas" panose="020B0609020204030204" pitchFamily="49" charset="0"/>
+              </a:rPr>
+              <a:t>accept</a:t>
+            </a:r>
+            <a:r>
+              <a:rPr kumimoji="0" lang="ru-RU" altLang="ru-RU" b="0" i="0" u="none" strike="noStrike" cap="none" normalizeH="0" baseline="0" dirty="0">
+                <a:ln>
+                  <a:noFill/>
+                </a:ln>
+                <a:solidFill>
+                  <a:srgbClr val="DAEEFF"/>
+                </a:solidFill>
+                <a:effectLst/>
+                <a:latin typeface="Consolas" panose="020B0609020204030204" pitchFamily="49" charset="0"/>
+              </a:rPr>
+              <a:t>(</a:t>
+            </a:r>
+            <a:r>
+              <a:rPr kumimoji="0" lang="ru-RU" altLang="ru-RU" b="0" i="0" u="none" strike="noStrike" cap="none" normalizeH="0" baseline="0" dirty="0">
+                <a:ln>
+                  <a:noFill/>
+                </a:ln>
+                <a:solidFill>
+                  <a:srgbClr val="6A8759"/>
+                </a:solidFill>
+                <a:effectLst/>
+                <a:latin typeface="Consolas" panose="020B0609020204030204" pitchFamily="49" charset="0"/>
+              </a:rPr>
+              <a:t>"</a:t>
+            </a:r>
+            <a:r>
+              <a:rPr kumimoji="0" lang="ru-RU" altLang="ru-RU" b="0" i="0" u="none" strike="noStrike" cap="none" normalizeH="0" baseline="0" dirty="0" err="1">
+                <a:ln>
+                  <a:noFill/>
+                </a:ln>
+                <a:solidFill>
+                  <a:srgbClr val="6A8759"/>
+                </a:solidFill>
+                <a:effectLst/>
+                <a:latin typeface="Consolas" panose="020B0609020204030204" pitchFamily="49" charset="0"/>
+              </a:rPr>
+              <a:t>Connection</a:t>
+            </a:r>
+            <a:r>
+              <a:rPr kumimoji="0" lang="ru-RU" altLang="ru-RU" b="0" i="0" u="none" strike="noStrike" cap="none" normalizeH="0" baseline="0" dirty="0">
+                <a:ln>
+                  <a:noFill/>
+                </a:ln>
+                <a:solidFill>
+                  <a:srgbClr val="6A8759"/>
+                </a:solidFill>
+                <a:effectLst/>
+                <a:latin typeface="Consolas" panose="020B0609020204030204" pitchFamily="49" charset="0"/>
+              </a:rPr>
+              <a:t> </a:t>
+            </a:r>
+            <a:r>
+              <a:rPr kumimoji="0" lang="ru-RU" altLang="ru-RU" b="0" i="0" u="none" strike="noStrike" cap="none" normalizeH="0" baseline="0" dirty="0" err="1">
+                <a:ln>
+                  <a:noFill/>
+                </a:ln>
+                <a:solidFill>
+                  <a:srgbClr val="6A8759"/>
+                </a:solidFill>
+                <a:effectLst/>
+                <a:latin typeface="Consolas" panose="020B0609020204030204" pitchFamily="49" charset="0"/>
+              </a:rPr>
+              <a:t>failed</a:t>
+            </a:r>
+            <a:r>
+              <a:rPr kumimoji="0" lang="ru-RU" altLang="ru-RU" b="0" i="0" u="none" strike="noStrike" cap="none" normalizeH="0" baseline="0" dirty="0">
+                <a:ln>
+                  <a:noFill/>
+                </a:ln>
+                <a:solidFill>
+                  <a:srgbClr val="6A8759"/>
+                </a:solidFill>
+                <a:effectLst/>
+                <a:latin typeface="Consolas" panose="020B0609020204030204" pitchFamily="49" charset="0"/>
+              </a:rPr>
+              <a:t>!</a:t>
+            </a:r>
+            <a:r>
+              <a:rPr kumimoji="0" lang="ru-RU" altLang="ru-RU" b="0" i="0" u="none" strike="noStrike" cap="none" normalizeH="0" baseline="0" dirty="0">
+                <a:ln>
+                  <a:noFill/>
+                </a:ln>
+                <a:solidFill>
+                  <a:srgbClr val="CC7832"/>
+                </a:solidFill>
+                <a:effectLst/>
+                <a:latin typeface="Consolas" panose="020B0609020204030204" pitchFamily="49" charset="0"/>
+              </a:rPr>
+              <a:t>$</a:t>
+            </a:r>
+            <a:r>
+              <a:rPr kumimoji="0" lang="ru-RU" altLang="ru-RU" b="0" i="0" u="none" strike="noStrike" cap="none" normalizeH="0" baseline="0" dirty="0">
+                <a:ln>
+                  <a:noFill/>
+                </a:ln>
+                <a:solidFill>
+                  <a:srgbClr val="A9B7C6"/>
+                </a:solidFill>
+                <a:effectLst/>
+                <a:latin typeface="Consolas" panose="020B0609020204030204" pitchFamily="49" charset="0"/>
+              </a:rPr>
+              <a:t>e</a:t>
+            </a:r>
+            <a:r>
+              <a:rPr kumimoji="0" lang="ru-RU" altLang="ru-RU" b="0" i="0" u="none" strike="noStrike" cap="none" normalizeH="0" baseline="0" dirty="0">
+                <a:ln>
+                  <a:noFill/>
+                </a:ln>
+                <a:solidFill>
+                  <a:srgbClr val="6A8759"/>
+                </a:solidFill>
+                <a:effectLst/>
+                <a:latin typeface="Consolas" panose="020B0609020204030204" pitchFamily="49" charset="0"/>
+              </a:rPr>
+              <a:t>"</a:t>
+            </a:r>
+            <a:r>
+              <a:rPr kumimoji="0" lang="ru-RU" altLang="ru-RU" b="0" i="0" u="none" strike="noStrike" cap="none" normalizeH="0" baseline="0" dirty="0">
+                <a:ln>
+                  <a:noFill/>
+                </a:ln>
+                <a:solidFill>
+                  <a:srgbClr val="DAEEFF"/>
+                </a:solidFill>
+                <a:effectLst/>
+                <a:latin typeface="Consolas" panose="020B0609020204030204" pitchFamily="49" charset="0"/>
+              </a:rPr>
+              <a:t>) </a:t>
+            </a:r>
+            <a:r>
+              <a:rPr kumimoji="0" lang="ru-RU" altLang="ru-RU" b="1" i="0" u="none" strike="noStrike" cap="none" normalizeH="0" baseline="0" dirty="0">
+                <a:ln>
+                  <a:noFill/>
+                </a:ln>
+                <a:solidFill>
+                  <a:srgbClr val="DAEEFF"/>
+                </a:solidFill>
+                <a:effectLst/>
+                <a:latin typeface="Consolas" panose="020B0609020204030204" pitchFamily="49" charset="0"/>
+              </a:rPr>
+              <a:t>}</a:t>
+            </a:r>
+            <a:br>
+              <a:rPr kumimoji="0" lang="ru-RU" altLang="ru-RU" b="1" i="0" u="none" strike="noStrike" cap="none" normalizeH="0" baseline="0" dirty="0">
+                <a:ln>
+                  <a:noFill/>
+                </a:ln>
+                <a:solidFill>
+                  <a:srgbClr val="DAEEFF"/>
+                </a:solidFill>
+                <a:effectLst/>
+                <a:latin typeface="Consolas" panose="020B0609020204030204" pitchFamily="49" charset="0"/>
+              </a:rPr>
+            </a:br>
+            <a:r>
+              <a:rPr kumimoji="0" lang="ru-RU" altLang="ru-RU" b="1" i="0" u="none" strike="noStrike" cap="none" normalizeH="0" baseline="0" dirty="0">
+                <a:ln>
+                  <a:noFill/>
+                </a:ln>
+                <a:solidFill>
+                  <a:srgbClr val="DAEEFF"/>
+                </a:solidFill>
+                <a:effectLst/>
+                <a:latin typeface="Consolas" panose="020B0609020204030204" pitchFamily="49" charset="0"/>
+              </a:rPr>
+              <a:t>        </a:t>
+            </a:r>
+            <a:r>
+              <a:rPr kumimoji="0" lang="ru-RU" altLang="ru-RU" b="0" i="0" u="none" strike="noStrike" cap="none" normalizeH="0" baseline="0" dirty="0">
+                <a:ln>
+                  <a:noFill/>
+                </a:ln>
+                <a:solidFill>
+                  <a:srgbClr val="DAEEFF"/>
+                </a:solidFill>
+                <a:effectLst/>
+                <a:latin typeface="Consolas" panose="020B0609020204030204" pitchFamily="49" charset="0"/>
+              </a:rPr>
+              <a:t>}</a:t>
+            </a:r>
+            <a:br>
+              <a:rPr kumimoji="0" lang="ru-RU" altLang="ru-RU" b="0" i="0" u="none" strike="noStrike" cap="none" normalizeH="0" baseline="0" dirty="0">
+                <a:ln>
+                  <a:noFill/>
+                </a:ln>
+                <a:solidFill>
+                  <a:srgbClr val="DAEEFF"/>
+                </a:solidFill>
+                <a:effectLst/>
+                <a:latin typeface="Consolas" panose="020B0609020204030204" pitchFamily="49" charset="0"/>
+              </a:rPr>
+            </a:br>
+            <a:r>
+              <a:rPr kumimoji="0" lang="ru-RU" altLang="ru-RU" b="0" i="0" u="none" strike="noStrike" cap="none" normalizeH="0" baseline="0" dirty="0">
+                <a:ln>
+                  <a:noFill/>
+                </a:ln>
+                <a:solidFill>
+                  <a:srgbClr val="DAEEFF"/>
+                </a:solidFill>
+                <a:effectLst/>
+                <a:latin typeface="Consolas" panose="020B0609020204030204" pitchFamily="49" charset="0"/>
+              </a:rPr>
+              <a:t>    </a:t>
+            </a:r>
+            <a:r>
+              <a:rPr kumimoji="0" lang="ru-RU" altLang="ru-RU" b="1" i="0" u="none" strike="noStrike" cap="none" normalizeH="0" baseline="0" dirty="0">
+                <a:ln>
+                  <a:noFill/>
+                </a:ln>
+                <a:solidFill>
+                  <a:srgbClr val="DAEEFF"/>
+                </a:solidFill>
+                <a:effectLst/>
+                <a:latin typeface="Consolas" panose="020B0609020204030204" pitchFamily="49" charset="0"/>
+              </a:rPr>
+              <a:t>}</a:t>
+            </a:r>
+            <a:r>
+              <a:rPr kumimoji="0" lang="ru-RU" altLang="ru-RU" b="0" i="0" u="none" strike="noStrike" cap="none" normalizeH="0" baseline="0" dirty="0">
+                <a:ln>
+                  <a:noFill/>
+                </a:ln>
+                <a:solidFill>
+                  <a:srgbClr val="DAEEFF"/>
+                </a:solidFill>
+                <a:effectLst/>
+                <a:latin typeface="Consolas" panose="020B0609020204030204" pitchFamily="49" charset="0"/>
+              </a:rPr>
+              <a:t>)</a:t>
+            </a:r>
+            <a:br>
+              <a:rPr kumimoji="0" lang="ru-RU" altLang="ru-RU" b="0" i="0" u="none" strike="noStrike" cap="none" normalizeH="0" baseline="0" dirty="0">
+                <a:ln>
+                  <a:noFill/>
+                </a:ln>
+                <a:solidFill>
+                  <a:srgbClr val="DAEEFF"/>
+                </a:solidFill>
+                <a:effectLst/>
+                <a:latin typeface="Consolas" panose="020B0609020204030204" pitchFamily="49" charset="0"/>
+              </a:rPr>
+            </a:br>
+            <a:r>
+              <a:rPr kumimoji="0" lang="ru-RU" altLang="ru-RU" b="0" i="0" u="none" strike="noStrike" cap="none" normalizeH="0" baseline="0" dirty="0">
+                <a:ln>
+                  <a:noFill/>
+                </a:ln>
+                <a:solidFill>
+                  <a:srgbClr val="DAEEFF"/>
+                </a:solidFill>
+                <a:effectLst/>
+                <a:latin typeface="Consolas" panose="020B0609020204030204" pitchFamily="49" charset="0"/>
+              </a:rPr>
+              <a:t>}</a:t>
+            </a:r>
+            <a:endParaRPr kumimoji="0" lang="ru-RU" altLang="ru-RU" b="0" i="0" u="none" strike="noStrike" cap="none" normalizeH="0" baseline="0" dirty="0">
+              <a:ln>
+                <a:noFill/>
+              </a:ln>
+              <a:solidFill>
+                <a:schemeClr val="tx1"/>
+              </a:solidFill>
+              <a:effectLst/>
+              <a:latin typeface="Arial" panose="020B0604020202020204" pitchFamily="34" charset="0"/>
+            </a:endParaRPr>
+          </a:p>
+        </p:txBody>
+      </p:sp>
+    </p:spTree>
+    <p:extLst>
+      <p:ext uri="{BB962C8B-B14F-4D97-AF65-F5344CB8AC3E}">
+        <p14:creationId xmlns:p14="http://schemas.microsoft.com/office/powerpoint/2010/main" val="3129253110"/>
+      </p:ext>
+    </p:extLst>
+  </p:cSld>
+  <p:clrMapOvr>
+    <a:masterClrMapping/>
+  </p:clrMapOvr>
+</p:sld>
+</file>
+
+<file path=ppt/slides/slide13.xml><?xml version="1.0" encoding="utf-8"?>
+<p:sld xmlns:a="http://schemas.openxmlformats.org/drawingml/2006/main" xmlns:r="http://schemas.openxmlformats.org/officeDocument/2006/relationships" xmlns:p="http://schemas.openxmlformats.org/presentationml/2006/main">
+  <p:cSld>
+    <p:spTree>
+      <p:nvGrpSpPr>
+        <p:cNvPr id="1" name=""/>
+        <p:cNvGrpSpPr/>
+        <p:nvPr/>
+      </p:nvGrpSpPr>
+      <p:grpSpPr>
+        <a:xfrm>
+          <a:off x="0" y="0"/>
+          <a:ext cx="0" cy="0"/>
+          <a:chOff x="0" y="0"/>
+          <a:chExt cx="0" cy="0"/>
+        </a:xfrm>
+      </p:grpSpPr>
+      <p:sp>
+        <p:nvSpPr>
+          <p:cNvPr id="2" name="Заголовок 1">
+            <a:extLst>
+              <a:ext uri="{FF2B5EF4-FFF2-40B4-BE49-F238E27FC236}">
+                <a16:creationId xmlns:a16="http://schemas.microsoft.com/office/drawing/2014/main" id="{1CDC3A45-AB05-4B4C-9421-A2E200EE7413}"/>
+              </a:ext>
+            </a:extLst>
+          </p:cNvPr>
+          <p:cNvSpPr>
+            <a:spLocks noGrp="1"/>
+          </p:cNvSpPr>
+          <p:nvPr>
+            <p:ph type="title"/>
+          </p:nvPr>
+        </p:nvSpPr>
+        <p:spPr/>
+        <p:txBody>
+          <a:bodyPr>
+            <a:normAutofit/>
+          </a:bodyPr>
+          <a:lstStyle/>
+          <a:p>
+            <a:r>
+              <a:rPr lang="ru-RU" dirty="0"/>
+              <a:t>Предоставление интерфейсов слушателей</a:t>
+            </a:r>
+            <a:r>
+              <a:rPr lang="en-US" dirty="0"/>
+              <a:t> </a:t>
+            </a:r>
+            <a:r>
+              <a:rPr lang="ru-RU" dirty="0"/>
+              <a:t>(</a:t>
+            </a:r>
+            <a:r>
+              <a:rPr lang="en-US" b="1" dirty="0"/>
+              <a:t>Listener</a:t>
+            </a:r>
+            <a:r>
+              <a:rPr lang="ru-RU" dirty="0"/>
+              <a:t>) (реализация модели актёров)</a:t>
+            </a:r>
+          </a:p>
+        </p:txBody>
+      </p:sp>
+      <p:sp>
+        <p:nvSpPr>
+          <p:cNvPr id="3" name="Объект 2">
+            <a:extLst>
+              <a:ext uri="{FF2B5EF4-FFF2-40B4-BE49-F238E27FC236}">
+                <a16:creationId xmlns:a16="http://schemas.microsoft.com/office/drawing/2014/main" id="{0074EEC0-109F-44EF-8649-D84024A7A258}"/>
+              </a:ext>
+            </a:extLst>
+          </p:cNvPr>
+          <p:cNvSpPr>
+            <a:spLocks noGrp="1"/>
+          </p:cNvSpPr>
+          <p:nvPr>
+            <p:ph idx="1"/>
+          </p:nvPr>
+        </p:nvSpPr>
+        <p:spPr/>
+        <p:txBody>
+          <a:bodyPr>
+            <a:normAutofit fontScale="92500" lnSpcReduction="20000"/>
+          </a:bodyPr>
+          <a:lstStyle/>
+          <a:p>
+            <a:pPr marL="0" indent="0">
+              <a:buNone/>
+            </a:pPr>
+            <a:r>
+              <a:rPr lang="ru-RU" dirty="0"/>
+              <a:t>Применяется когда предполагается однотипная реакция на события асинхронной задачи</a:t>
+            </a:r>
+          </a:p>
+          <a:p>
+            <a:pPr marL="0" indent="0">
+              <a:buNone/>
+            </a:pPr>
+            <a:r>
+              <a:rPr lang="ru-RU" b="1" dirty="0"/>
+              <a:t>Плюсы</a:t>
+            </a:r>
+            <a:r>
+              <a:rPr lang="ru-RU" dirty="0"/>
+              <a:t>: </a:t>
+            </a:r>
+          </a:p>
+          <a:p>
+            <a:r>
+              <a:rPr lang="ru-RU" dirty="0"/>
+              <a:t>не блокируется основной поток</a:t>
+            </a:r>
+          </a:p>
+          <a:p>
+            <a:r>
+              <a:rPr lang="ru-RU" dirty="0"/>
+              <a:t>прямые вызовы (зависит от реализации)</a:t>
+            </a:r>
+          </a:p>
+          <a:p>
+            <a:r>
+              <a:rPr lang="ru-RU" dirty="0"/>
+              <a:t>хорошая читаемость кода</a:t>
+            </a:r>
+          </a:p>
+          <a:p>
+            <a:pPr marL="0" indent="0">
+              <a:buNone/>
+            </a:pPr>
+            <a:r>
+              <a:rPr lang="ru-RU" b="1" dirty="0"/>
+              <a:t>Минусы</a:t>
+            </a:r>
+            <a:r>
+              <a:rPr lang="ru-RU" dirty="0"/>
+              <a:t>: </a:t>
+            </a:r>
+          </a:p>
+          <a:p>
+            <a:r>
+              <a:rPr lang="ru-RU" dirty="0"/>
+              <a:t>методы слушателя выполняются в том же потоке что и асинхронная задача (зависит от реализации)</a:t>
+            </a:r>
+            <a:endParaRPr lang="en-US" dirty="0"/>
+          </a:p>
+          <a:p>
+            <a:r>
+              <a:rPr lang="ru-RU" dirty="0"/>
+              <a:t>необходимо реализовать класс, реализующий интерфейс слушателя и передать его в класс асинхронной задачи</a:t>
+            </a:r>
+          </a:p>
+        </p:txBody>
+      </p:sp>
+      <p:pic>
+        <p:nvPicPr>
+          <p:cNvPr id="8194" name="Picture 2">
+            <a:extLst>
+              <a:ext uri="{FF2B5EF4-FFF2-40B4-BE49-F238E27FC236}">
+                <a16:creationId xmlns:a16="http://schemas.microsoft.com/office/drawing/2014/main" id="{7CACDFB5-099B-4B34-B9DA-27DB58467CC6}"/>
+              </a:ext>
+            </a:extLst>
+          </p:cNvPr>
+          <p:cNvPicPr>
+            <a:picLocks noChangeAspect="1" noChangeArrowheads="1"/>
+          </p:cNvPicPr>
+          <p:nvPr/>
+        </p:nvPicPr>
+        <p:blipFill>
+          <a:blip r:embed="rId2">
+            <a:extLst>
+              <a:ext uri="{28A0092B-C50C-407E-A947-70E740481C1C}">
+                <a14:useLocalDpi xmlns:a14="http://schemas.microsoft.com/office/drawing/2010/main" val="0"/>
+              </a:ext>
+            </a:extLst>
+          </a:blip>
+          <a:srcRect/>
+          <a:stretch>
+            <a:fillRect/>
+          </a:stretch>
+        </p:blipFill>
+        <p:spPr bwMode="auto">
+          <a:xfrm>
+            <a:off x="8791663" y="2315426"/>
+            <a:ext cx="2562138" cy="2034265"/>
+          </a:xfrm>
+          <a:prstGeom prst="rect">
+            <a:avLst/>
+          </a:prstGeom>
+          <a:noFill/>
+          <a:extLst>
+            <a:ext uri="{909E8E84-426E-40DD-AFC4-6F175D3DCCD1}">
+              <a14:hiddenFill xmlns:a14="http://schemas.microsoft.com/office/drawing/2010/main">
+                <a:solidFill>
+                  <a:srgbClr val="FFFFFF"/>
+                </a:solidFill>
+              </a14:hiddenFill>
+            </a:ext>
+          </a:extLst>
+        </p:spPr>
+      </p:pic>
+    </p:spTree>
+    <p:extLst>
+      <p:ext uri="{BB962C8B-B14F-4D97-AF65-F5344CB8AC3E}">
+        <p14:creationId xmlns:p14="http://schemas.microsoft.com/office/powerpoint/2010/main" val="421271528"/>
+      </p:ext>
+    </p:extLst>
+  </p:cSld>
+  <p:clrMapOvr>
+    <a:masterClrMapping/>
+  </p:clrMapOvr>
+</p:sld>
+</file>
+
+<file path=ppt/slides/slide14.xml><?xml version="1.0" encoding="utf-8"?>
+<p:sld xmlns:a="http://schemas.openxmlformats.org/drawingml/2006/main" xmlns:r="http://schemas.openxmlformats.org/officeDocument/2006/relationships" xmlns:p="http://schemas.openxmlformats.org/presentationml/2006/main">
+  <p:cSld>
+    <p:spTree>
+      <p:nvGrpSpPr>
+        <p:cNvPr id="1" name=""/>
+        <p:cNvGrpSpPr/>
+        <p:nvPr/>
+      </p:nvGrpSpPr>
+      <p:grpSpPr>
+        <a:xfrm>
+          <a:off x="0" y="0"/>
+          <a:ext cx="0" cy="0"/>
+          <a:chOff x="0" y="0"/>
+          <a:chExt cx="0" cy="0"/>
+        </a:xfrm>
+      </p:grpSpPr>
+      <p:sp>
+        <p:nvSpPr>
+          <p:cNvPr id="2" name="Заголовок 1">
+            <a:extLst>
+              <a:ext uri="{FF2B5EF4-FFF2-40B4-BE49-F238E27FC236}">
+                <a16:creationId xmlns:a16="http://schemas.microsoft.com/office/drawing/2014/main" id="{C4CD142A-55D6-42E4-A37B-E21819333F09}"/>
+              </a:ext>
+            </a:extLst>
+          </p:cNvPr>
+          <p:cNvSpPr>
+            <a:spLocks noGrp="1"/>
+          </p:cNvSpPr>
+          <p:nvPr>
+            <p:ph type="title"/>
+          </p:nvPr>
+        </p:nvSpPr>
+        <p:spPr/>
+        <p:txBody>
+          <a:bodyPr/>
+          <a:lstStyle/>
+          <a:p>
+            <a:r>
+              <a:rPr lang="ru-RU" dirty="0"/>
+              <a:t>Пример использования </a:t>
+            </a:r>
+            <a:r>
+              <a:rPr lang="en-US" b="1" dirty="0"/>
+              <a:t>Listener</a:t>
+            </a:r>
+            <a:endParaRPr lang="ru-RU" dirty="0"/>
+          </a:p>
+        </p:txBody>
+      </p:sp>
+      <p:sp>
+        <p:nvSpPr>
+          <p:cNvPr id="4" name="Rectangle 1">
+            <a:extLst>
+              <a:ext uri="{FF2B5EF4-FFF2-40B4-BE49-F238E27FC236}">
+                <a16:creationId xmlns:a16="http://schemas.microsoft.com/office/drawing/2014/main" id="{9F69745B-A77F-4E1A-9D9C-BAE552671D4C}"/>
+              </a:ext>
+            </a:extLst>
+          </p:cNvPr>
+          <p:cNvSpPr>
+            <a:spLocks noChangeArrowheads="1"/>
+          </p:cNvSpPr>
+          <p:nvPr/>
+        </p:nvSpPr>
+        <p:spPr bwMode="auto">
+          <a:xfrm>
+            <a:off x="838200" y="1690688"/>
+            <a:ext cx="4996881" cy="1477328"/>
+          </a:xfrm>
+          <a:prstGeom prst="rect">
+            <a:avLst/>
+          </a:prstGeom>
+          <a:solidFill>
+            <a:srgbClr val="2B2B2B"/>
+          </a:solidFill>
+          <a:ln>
+            <a:noFill/>
+          </a:ln>
+          <a:effectLst/>
+          <a:extLst>
+            <a:ext uri="{91240B29-F687-4F45-9708-019B960494DF}">
+              <a14:hiddenLine xmlns:a14="http://schemas.microsoft.com/office/drawing/2010/main" w="9525">
+                <a:solidFill>
+                  <a:schemeClr val="tx1"/>
+                </a:solidFill>
+                <a:miter lim="800000"/>
+                <a:headEnd/>
+                <a:tailEnd/>
+              </a14:hiddenLine>
+            </a:ext>
+            <a:ext uri="{AF507438-7753-43E0-B8FC-AC1667EBCBE1}">
+              <a14:hiddenEffects xmlns:a14="http://schemas.microsoft.com/office/drawing/2010/main">
+                <a:effectLst>
+                  <a:outerShdw dist="35921" dir="2700000" algn="ctr" rotWithShape="0">
+                    <a:schemeClr val="bg2"/>
+                  </a:outerShdw>
+                </a:effectLst>
+              </a14:hiddenEffects>
+            </a:ext>
+          </a:extLst>
+        </p:spPr>
+        <p:txBody>
+          <a:bodyPr vert="horz" wrap="none" lIns="91440" tIns="45720" rIns="91440" bIns="45720" numCol="1" anchor="ctr" anchorCtr="0" compatLnSpc="1">
+            <a:prstTxWarp prst="textNoShape">
+              <a:avLst/>
+            </a:prstTxWarp>
+            <a:spAutoFit/>
+          </a:bodyPr>
+          <a:lstStyle/>
+          <a:p>
+            <a:pPr marL="0" marR="0" lvl="0" indent="0" algn="l" defTabSz="914400" rtl="0" eaLnBrk="0" fontAlgn="base" latinLnBrk="0" hangingPunct="0">
+              <a:lnSpc>
+                <a:spcPct val="100000"/>
+              </a:lnSpc>
+              <a:spcBef>
+                <a:spcPct val="0"/>
+              </a:spcBef>
+              <a:spcAft>
+                <a:spcPct val="0"/>
+              </a:spcAft>
+              <a:buClrTx/>
+              <a:buSzTx/>
+              <a:buFontTx/>
+              <a:buNone/>
+              <a:tabLst/>
+            </a:pPr>
+            <a:r>
+              <a:rPr kumimoji="0" lang="ru-RU" altLang="ru-RU" b="0" i="0" u="none" strike="noStrike" cap="none" normalizeH="0" baseline="0" dirty="0" err="1">
+                <a:ln>
+                  <a:noFill/>
+                </a:ln>
+                <a:solidFill>
+                  <a:srgbClr val="CC7832"/>
+                </a:solidFill>
+                <a:effectLst/>
+                <a:latin typeface="Consolas" panose="020B0609020204030204" pitchFamily="49" charset="0"/>
+              </a:rPr>
+              <a:t>interface</a:t>
+            </a:r>
+            <a:r>
+              <a:rPr kumimoji="0" lang="ru-RU" altLang="ru-RU" b="0" i="0" u="none" strike="noStrike" cap="none" normalizeH="0" baseline="0" dirty="0">
+                <a:ln>
+                  <a:noFill/>
+                </a:ln>
+                <a:solidFill>
+                  <a:srgbClr val="CC7832"/>
+                </a:solidFill>
+                <a:effectLst/>
+                <a:latin typeface="Consolas" panose="020B0609020204030204" pitchFamily="49" charset="0"/>
+              </a:rPr>
+              <a:t> </a:t>
+            </a:r>
+            <a:r>
+              <a:rPr kumimoji="0" lang="ru-RU" altLang="ru-RU" b="0" i="0" u="none" strike="noStrike" cap="none" normalizeH="0" baseline="0" dirty="0" err="1">
+                <a:ln>
+                  <a:noFill/>
+                </a:ln>
+                <a:solidFill>
+                  <a:srgbClr val="A9B7C6"/>
+                </a:solidFill>
+                <a:effectLst/>
+                <a:latin typeface="Consolas" panose="020B0609020204030204" pitchFamily="49" charset="0"/>
+              </a:rPr>
+              <a:t>IScannerListener</a:t>
+            </a:r>
+            <a:r>
+              <a:rPr kumimoji="0" lang="ru-RU" altLang="ru-RU" b="0" i="0" u="none" strike="noStrike" cap="none" normalizeH="0" baseline="0" dirty="0">
+                <a:ln>
+                  <a:noFill/>
+                </a:ln>
+                <a:solidFill>
+                  <a:srgbClr val="A9B7C6"/>
+                </a:solidFill>
+                <a:effectLst/>
+                <a:latin typeface="Consolas" panose="020B0609020204030204" pitchFamily="49" charset="0"/>
+              </a:rPr>
+              <a:t> </a:t>
+            </a:r>
+            <a:r>
+              <a:rPr kumimoji="0" lang="ru-RU" altLang="ru-RU" b="0" i="0" u="none" strike="noStrike" cap="none" normalizeH="0" baseline="0" dirty="0">
+                <a:ln>
+                  <a:noFill/>
+                </a:ln>
+                <a:solidFill>
+                  <a:srgbClr val="DAEEFF"/>
+                </a:solidFill>
+                <a:effectLst/>
+                <a:latin typeface="Consolas" panose="020B0609020204030204" pitchFamily="49" charset="0"/>
+              </a:rPr>
+              <a:t>{</a:t>
+            </a:r>
+            <a:br>
+              <a:rPr kumimoji="0" lang="ru-RU" altLang="ru-RU" b="0" i="0" u="none" strike="noStrike" cap="none" normalizeH="0" baseline="0" dirty="0">
+                <a:ln>
+                  <a:noFill/>
+                </a:ln>
+                <a:solidFill>
+                  <a:srgbClr val="DAEEFF"/>
+                </a:solidFill>
+                <a:effectLst/>
+                <a:latin typeface="Consolas" panose="020B0609020204030204" pitchFamily="49" charset="0"/>
+              </a:rPr>
+            </a:br>
+            <a:r>
+              <a:rPr kumimoji="0" lang="ru-RU" altLang="ru-RU" b="0" i="0" u="none" strike="noStrike" cap="none" normalizeH="0" baseline="0" dirty="0">
+                <a:ln>
+                  <a:noFill/>
+                </a:ln>
+                <a:solidFill>
+                  <a:srgbClr val="DAEEFF"/>
+                </a:solidFill>
+                <a:effectLst/>
+                <a:latin typeface="Consolas" panose="020B0609020204030204" pitchFamily="49" charset="0"/>
+              </a:rPr>
+              <a:t>    </a:t>
+            </a:r>
+            <a:r>
+              <a:rPr kumimoji="0" lang="ru-RU" altLang="ru-RU" b="0" i="0" u="none" strike="noStrike" cap="none" normalizeH="0" baseline="0" dirty="0" err="1">
+                <a:ln>
+                  <a:noFill/>
+                </a:ln>
+                <a:solidFill>
+                  <a:srgbClr val="CC7832"/>
+                </a:solidFill>
+                <a:effectLst/>
+                <a:latin typeface="Consolas" panose="020B0609020204030204" pitchFamily="49" charset="0"/>
+              </a:rPr>
+              <a:t>fun</a:t>
+            </a:r>
+            <a:r>
+              <a:rPr kumimoji="0" lang="ru-RU" altLang="ru-RU" b="0" i="0" u="none" strike="noStrike" cap="none" normalizeH="0" baseline="0" dirty="0">
+                <a:ln>
+                  <a:noFill/>
+                </a:ln>
+                <a:solidFill>
+                  <a:srgbClr val="CC7832"/>
+                </a:solidFill>
+                <a:effectLst/>
+                <a:latin typeface="Consolas" panose="020B0609020204030204" pitchFamily="49" charset="0"/>
+              </a:rPr>
+              <a:t> </a:t>
+            </a:r>
+            <a:r>
+              <a:rPr kumimoji="0" lang="ru-RU" altLang="ru-RU" b="0" i="0" u="none" strike="noStrike" cap="none" normalizeH="0" baseline="0" dirty="0" err="1">
+                <a:ln>
+                  <a:noFill/>
+                </a:ln>
+                <a:solidFill>
+                  <a:srgbClr val="FFC66D"/>
+                </a:solidFill>
+                <a:effectLst/>
+                <a:latin typeface="Consolas" panose="020B0609020204030204" pitchFamily="49" charset="0"/>
+              </a:rPr>
+              <a:t>onScanResult</a:t>
+            </a:r>
+            <a:r>
+              <a:rPr kumimoji="0" lang="ru-RU" altLang="ru-RU" b="0" i="0" u="none" strike="noStrike" cap="none" normalizeH="0" baseline="0" dirty="0">
+                <a:ln>
+                  <a:noFill/>
+                </a:ln>
+                <a:solidFill>
+                  <a:srgbClr val="DAEEFF"/>
+                </a:solidFill>
+                <a:effectLst/>
+                <a:latin typeface="Consolas" panose="020B0609020204030204" pitchFamily="49" charset="0"/>
+              </a:rPr>
+              <a:t>(</a:t>
+            </a:r>
+            <a:r>
+              <a:rPr kumimoji="0" lang="ru-RU" altLang="ru-RU" b="0" i="0" u="none" strike="noStrike" cap="none" normalizeH="0" baseline="0" dirty="0" err="1">
+                <a:ln>
+                  <a:noFill/>
+                </a:ln>
+                <a:solidFill>
+                  <a:srgbClr val="A9B7C6"/>
+                </a:solidFill>
+                <a:effectLst/>
+                <a:latin typeface="Consolas" panose="020B0609020204030204" pitchFamily="49" charset="0"/>
+              </a:rPr>
+              <a:t>barcode</a:t>
+            </a:r>
+            <a:r>
+              <a:rPr kumimoji="0" lang="ru-RU" altLang="ru-RU" b="0" i="0" u="none" strike="noStrike" cap="none" normalizeH="0" baseline="0" dirty="0">
+                <a:ln>
+                  <a:noFill/>
+                </a:ln>
+                <a:solidFill>
+                  <a:srgbClr val="DAEEFF"/>
+                </a:solidFill>
+                <a:effectLst/>
+                <a:latin typeface="Consolas" panose="020B0609020204030204" pitchFamily="49" charset="0"/>
+              </a:rPr>
+              <a:t>: </a:t>
+            </a:r>
+            <a:r>
+              <a:rPr kumimoji="0" lang="ru-RU" altLang="ru-RU" b="0" i="0" u="none" strike="noStrike" cap="none" normalizeH="0" baseline="0" dirty="0" err="1">
+                <a:ln>
+                  <a:noFill/>
+                </a:ln>
+                <a:solidFill>
+                  <a:srgbClr val="A9B7C6"/>
+                </a:solidFill>
+                <a:effectLst/>
+                <a:latin typeface="Consolas" panose="020B0609020204030204" pitchFamily="49" charset="0"/>
+              </a:rPr>
+              <a:t>Barcode</a:t>
+            </a:r>
+            <a:r>
+              <a:rPr kumimoji="0" lang="ru-RU" altLang="ru-RU" b="0" i="0" u="none" strike="noStrike" cap="none" normalizeH="0" baseline="0" dirty="0">
+                <a:ln>
+                  <a:noFill/>
+                </a:ln>
+                <a:solidFill>
+                  <a:srgbClr val="DAEEFF"/>
+                </a:solidFill>
+                <a:effectLst/>
+                <a:latin typeface="Consolas" panose="020B0609020204030204" pitchFamily="49" charset="0"/>
+              </a:rPr>
+              <a:t>)</a:t>
+            </a:r>
+            <a:br>
+              <a:rPr kumimoji="0" lang="ru-RU" altLang="ru-RU" b="0" i="0" u="none" strike="noStrike" cap="none" normalizeH="0" baseline="0" dirty="0">
+                <a:ln>
+                  <a:noFill/>
+                </a:ln>
+                <a:solidFill>
+                  <a:srgbClr val="DAEEFF"/>
+                </a:solidFill>
+                <a:effectLst/>
+                <a:latin typeface="Consolas" panose="020B0609020204030204" pitchFamily="49" charset="0"/>
+              </a:rPr>
+            </a:br>
+            <a:r>
+              <a:rPr kumimoji="0" lang="ru-RU" altLang="ru-RU" b="0" i="0" u="none" strike="noStrike" cap="none" normalizeH="0" baseline="0" dirty="0">
+                <a:ln>
+                  <a:noFill/>
+                </a:ln>
+                <a:solidFill>
+                  <a:srgbClr val="DAEEFF"/>
+                </a:solidFill>
+                <a:effectLst/>
+                <a:latin typeface="Consolas" panose="020B0609020204030204" pitchFamily="49" charset="0"/>
+              </a:rPr>
+              <a:t>    </a:t>
+            </a:r>
+            <a:r>
+              <a:rPr kumimoji="0" lang="ru-RU" altLang="ru-RU" b="0" i="0" u="none" strike="noStrike" cap="none" normalizeH="0" baseline="0" dirty="0" err="1">
+                <a:ln>
+                  <a:noFill/>
+                </a:ln>
+                <a:solidFill>
+                  <a:srgbClr val="CC7832"/>
+                </a:solidFill>
+                <a:effectLst/>
+                <a:latin typeface="Consolas" panose="020B0609020204030204" pitchFamily="49" charset="0"/>
+              </a:rPr>
+              <a:t>fun</a:t>
+            </a:r>
+            <a:r>
+              <a:rPr kumimoji="0" lang="ru-RU" altLang="ru-RU" b="0" i="0" u="none" strike="noStrike" cap="none" normalizeH="0" baseline="0" dirty="0">
+                <a:ln>
+                  <a:noFill/>
+                </a:ln>
+                <a:solidFill>
+                  <a:srgbClr val="CC7832"/>
+                </a:solidFill>
+                <a:effectLst/>
+                <a:latin typeface="Consolas" panose="020B0609020204030204" pitchFamily="49" charset="0"/>
+              </a:rPr>
+              <a:t> </a:t>
+            </a:r>
+            <a:r>
+              <a:rPr kumimoji="0" lang="ru-RU" altLang="ru-RU" b="0" i="0" u="none" strike="noStrike" cap="none" normalizeH="0" baseline="0" dirty="0" err="1">
+                <a:ln>
+                  <a:noFill/>
+                </a:ln>
+                <a:solidFill>
+                  <a:srgbClr val="FFC66D"/>
+                </a:solidFill>
+                <a:effectLst/>
+                <a:latin typeface="Consolas" panose="020B0609020204030204" pitchFamily="49" charset="0"/>
+              </a:rPr>
+              <a:t>onScanFail</a:t>
+            </a:r>
+            <a:r>
+              <a:rPr kumimoji="0" lang="ru-RU" altLang="ru-RU" b="0" i="0" u="none" strike="noStrike" cap="none" normalizeH="0" baseline="0" dirty="0">
+                <a:ln>
+                  <a:noFill/>
+                </a:ln>
+                <a:solidFill>
+                  <a:srgbClr val="DAEEFF"/>
+                </a:solidFill>
+                <a:effectLst/>
+                <a:latin typeface="Consolas" panose="020B0609020204030204" pitchFamily="49" charset="0"/>
+              </a:rPr>
+              <a:t>(</a:t>
+            </a:r>
+            <a:r>
+              <a:rPr kumimoji="0" lang="ru-RU" altLang="ru-RU" b="0" i="0" u="none" strike="noStrike" cap="none" normalizeH="0" baseline="0" dirty="0" err="1">
+                <a:ln>
+                  <a:noFill/>
+                </a:ln>
+                <a:solidFill>
+                  <a:srgbClr val="A9B7C6"/>
+                </a:solidFill>
+                <a:effectLst/>
+                <a:latin typeface="Consolas" panose="020B0609020204030204" pitchFamily="49" charset="0"/>
+              </a:rPr>
+              <a:t>what</a:t>
+            </a:r>
+            <a:r>
+              <a:rPr kumimoji="0" lang="ru-RU" altLang="ru-RU" b="0" i="0" u="none" strike="noStrike" cap="none" normalizeH="0" baseline="0" dirty="0">
+                <a:ln>
+                  <a:noFill/>
+                </a:ln>
+                <a:solidFill>
+                  <a:srgbClr val="DAEEFF"/>
+                </a:solidFill>
+                <a:effectLst/>
+                <a:latin typeface="Consolas" panose="020B0609020204030204" pitchFamily="49" charset="0"/>
+              </a:rPr>
+              <a:t>: </a:t>
+            </a:r>
+            <a:r>
+              <a:rPr kumimoji="0" lang="ru-RU" altLang="ru-RU" b="0" i="0" u="none" strike="noStrike" cap="none" normalizeH="0" baseline="0" dirty="0" err="1">
+                <a:ln>
+                  <a:noFill/>
+                </a:ln>
+                <a:solidFill>
+                  <a:srgbClr val="A9B7C6"/>
+                </a:solidFill>
+                <a:effectLst/>
+                <a:latin typeface="Consolas" panose="020B0609020204030204" pitchFamily="49" charset="0"/>
+              </a:rPr>
+              <a:t>String</a:t>
+            </a:r>
+            <a:r>
+              <a:rPr kumimoji="0" lang="ru-RU" altLang="ru-RU" b="0" i="0" u="none" strike="noStrike" cap="none" normalizeH="0" baseline="0" dirty="0">
+                <a:ln>
+                  <a:noFill/>
+                </a:ln>
+                <a:solidFill>
+                  <a:srgbClr val="DAEEFF"/>
+                </a:solidFill>
+                <a:effectLst/>
+                <a:latin typeface="Consolas" panose="020B0609020204030204" pitchFamily="49" charset="0"/>
+              </a:rPr>
+              <a:t>)</a:t>
+            </a:r>
+            <a:br>
+              <a:rPr kumimoji="0" lang="ru-RU" altLang="ru-RU" b="0" i="0" u="none" strike="noStrike" cap="none" normalizeH="0" baseline="0" dirty="0">
+                <a:ln>
+                  <a:noFill/>
+                </a:ln>
+                <a:solidFill>
+                  <a:srgbClr val="DAEEFF"/>
+                </a:solidFill>
+                <a:effectLst/>
+                <a:latin typeface="Consolas" panose="020B0609020204030204" pitchFamily="49" charset="0"/>
+              </a:rPr>
+            </a:br>
+            <a:r>
+              <a:rPr kumimoji="0" lang="ru-RU" altLang="ru-RU" b="0" i="0" u="none" strike="noStrike" cap="none" normalizeH="0" baseline="0" dirty="0">
+                <a:ln>
+                  <a:noFill/>
+                </a:ln>
+                <a:solidFill>
+                  <a:srgbClr val="DAEEFF"/>
+                </a:solidFill>
+                <a:effectLst/>
+                <a:latin typeface="Consolas" panose="020B0609020204030204" pitchFamily="49" charset="0"/>
+              </a:rPr>
+              <a:t>}</a:t>
+            </a:r>
+          </a:p>
+          <a:p>
+            <a:pPr marL="0" marR="0" lvl="0" indent="0" algn="l" defTabSz="914400" rtl="0" eaLnBrk="0" fontAlgn="base" latinLnBrk="0" hangingPunct="0">
+              <a:lnSpc>
+                <a:spcPct val="100000"/>
+              </a:lnSpc>
+              <a:spcBef>
+                <a:spcPct val="0"/>
+              </a:spcBef>
+              <a:spcAft>
+                <a:spcPct val="0"/>
+              </a:spcAft>
+              <a:buClrTx/>
+              <a:buSzTx/>
+              <a:buFontTx/>
+              <a:buNone/>
+              <a:tabLst/>
+            </a:pPr>
+            <a:endParaRPr kumimoji="0" lang="ru-RU" altLang="ru-RU" sz="1800" b="0" i="0" u="none" strike="noStrike" cap="none" normalizeH="0" baseline="0" dirty="0">
+              <a:ln>
+                <a:noFill/>
+              </a:ln>
+              <a:solidFill>
+                <a:schemeClr val="tx1"/>
+              </a:solidFill>
+              <a:effectLst/>
+              <a:latin typeface="Arial" panose="020B0604020202020204" pitchFamily="34" charset="0"/>
+            </a:endParaRPr>
+          </a:p>
+        </p:txBody>
+      </p:sp>
+      <p:sp>
+        <p:nvSpPr>
+          <p:cNvPr id="6" name="Rectangle 2">
+            <a:extLst>
+              <a:ext uri="{FF2B5EF4-FFF2-40B4-BE49-F238E27FC236}">
+                <a16:creationId xmlns:a16="http://schemas.microsoft.com/office/drawing/2014/main" id="{038CF5B0-3010-4523-B09A-62FFACAAB1A0}"/>
+              </a:ext>
+            </a:extLst>
+          </p:cNvPr>
+          <p:cNvSpPr>
+            <a:spLocks noChangeArrowheads="1"/>
+          </p:cNvSpPr>
+          <p:nvPr/>
+        </p:nvSpPr>
+        <p:spPr bwMode="auto">
+          <a:xfrm>
+            <a:off x="838200" y="3215055"/>
+            <a:ext cx="10189008" cy="3416320"/>
+          </a:xfrm>
+          <a:prstGeom prst="rect">
+            <a:avLst/>
+          </a:prstGeom>
+          <a:solidFill>
+            <a:srgbClr val="2B2B2B"/>
+          </a:solidFill>
+          <a:ln>
+            <a:noFill/>
+          </a:ln>
+          <a:effectLst/>
+          <a:extLst>
+            <a:ext uri="{91240B29-F687-4F45-9708-019B960494DF}">
+              <a14:hiddenLine xmlns:a14="http://schemas.microsoft.com/office/drawing/2010/main" w="9525">
+                <a:solidFill>
+                  <a:schemeClr val="tx1"/>
+                </a:solidFill>
+                <a:miter lim="800000"/>
+                <a:headEnd/>
+                <a:tailEnd/>
+              </a14:hiddenLine>
+            </a:ext>
+            <a:ext uri="{AF507438-7753-43E0-B8FC-AC1667EBCBE1}">
+              <a14:hiddenEffects xmlns:a14="http://schemas.microsoft.com/office/drawing/2010/main">
+                <a:effectLst>
+                  <a:outerShdw dist="35921" dir="2700000" algn="ctr" rotWithShape="0">
+                    <a:schemeClr val="bg2"/>
+                  </a:outerShdw>
+                </a:effectLst>
+              </a14:hiddenEffects>
+            </a:ext>
+          </a:extLst>
+        </p:spPr>
+        <p:txBody>
+          <a:bodyPr vert="horz" wrap="none" lIns="91440" tIns="45720" rIns="91440" bIns="45720" numCol="1" anchor="ctr" anchorCtr="0" compatLnSpc="1">
+            <a:prstTxWarp prst="textNoShape">
+              <a:avLst/>
+            </a:prstTxWarp>
+            <a:spAutoFit/>
+          </a:bodyPr>
+          <a:lstStyle/>
+          <a:p>
+            <a:pPr eaLnBrk="0" fontAlgn="base" hangingPunct="0">
+              <a:spcBef>
+                <a:spcPct val="0"/>
+              </a:spcBef>
+              <a:spcAft>
+                <a:spcPct val="0"/>
+              </a:spcAft>
+            </a:pPr>
+            <a:r>
+              <a:rPr lang="ru-RU" altLang="ru-RU" dirty="0" err="1">
+                <a:solidFill>
+                  <a:srgbClr val="CC7832"/>
+                </a:solidFill>
+                <a:latin typeface="Consolas" panose="020B0609020204030204" pitchFamily="49" charset="0"/>
+              </a:rPr>
+              <a:t>class</a:t>
+            </a:r>
+            <a:r>
+              <a:rPr lang="ru-RU" altLang="ru-RU" dirty="0">
+                <a:solidFill>
+                  <a:srgbClr val="CC7832"/>
+                </a:solidFill>
+                <a:latin typeface="Consolas" panose="020B0609020204030204" pitchFamily="49" charset="0"/>
+              </a:rPr>
+              <a:t> </a:t>
+            </a:r>
+            <a:r>
+              <a:rPr lang="ru-RU" altLang="ru-RU" dirty="0" err="1">
+                <a:solidFill>
+                  <a:srgbClr val="DAEEFF"/>
+                </a:solidFill>
+                <a:latin typeface="Consolas" panose="020B0609020204030204" pitchFamily="49" charset="0"/>
+              </a:rPr>
+              <a:t>Scanner</a:t>
+            </a:r>
+            <a:r>
+              <a:rPr lang="ru-RU" altLang="ru-RU" dirty="0">
+                <a:solidFill>
+                  <a:srgbClr val="DAEEFF"/>
+                </a:solidFill>
+                <a:latin typeface="Consolas" panose="020B0609020204030204" pitchFamily="49" charset="0"/>
+              </a:rPr>
+              <a:t>(</a:t>
+            </a:r>
+            <a:r>
+              <a:rPr lang="ru-RU" altLang="ru-RU" dirty="0" err="1">
+                <a:solidFill>
+                  <a:srgbClr val="A9B7C6"/>
+                </a:solidFill>
+                <a:latin typeface="Consolas" panose="020B0609020204030204" pitchFamily="49" charset="0"/>
+              </a:rPr>
+              <a:t>aScannerListener</a:t>
+            </a:r>
+            <a:r>
+              <a:rPr lang="ru-RU" altLang="ru-RU" dirty="0">
+                <a:solidFill>
+                  <a:srgbClr val="DAEEFF"/>
+                </a:solidFill>
+                <a:latin typeface="Consolas" panose="020B0609020204030204" pitchFamily="49" charset="0"/>
+              </a:rPr>
+              <a:t>: </a:t>
+            </a:r>
+            <a:r>
+              <a:rPr lang="ru-RU" altLang="ru-RU" dirty="0" err="1">
+                <a:solidFill>
+                  <a:srgbClr val="A9B7C6"/>
+                </a:solidFill>
+                <a:latin typeface="Consolas" panose="020B0609020204030204" pitchFamily="49" charset="0"/>
+              </a:rPr>
+              <a:t>IScannerListener</a:t>
+            </a:r>
+            <a:r>
+              <a:rPr lang="ru-RU" altLang="ru-RU" dirty="0">
+                <a:solidFill>
+                  <a:srgbClr val="DAEEFF"/>
+                </a:solidFill>
+                <a:latin typeface="Consolas" panose="020B0609020204030204" pitchFamily="49" charset="0"/>
+              </a:rPr>
+              <a:t>):</a:t>
+            </a:r>
+            <a:br>
+              <a:rPr lang="ru-RU" altLang="ru-RU" dirty="0">
+                <a:solidFill>
+                  <a:srgbClr val="CC7832"/>
+                </a:solidFill>
+                <a:latin typeface="Consolas" panose="020B0609020204030204" pitchFamily="49" charset="0"/>
+              </a:rPr>
+            </a:br>
+            <a:r>
+              <a:rPr lang="ru-RU" altLang="ru-RU" dirty="0">
+                <a:solidFill>
+                  <a:srgbClr val="CC7832"/>
+                </a:solidFill>
+                <a:latin typeface="Consolas" panose="020B0609020204030204" pitchFamily="49" charset="0"/>
+              </a:rPr>
+              <a:t>    </a:t>
+            </a:r>
+            <a:r>
+              <a:rPr lang="ru-RU" altLang="ru-RU" dirty="0" err="1">
+                <a:solidFill>
+                  <a:srgbClr val="A9B7C6"/>
+                </a:solidFill>
+                <a:latin typeface="Consolas" panose="020B0609020204030204" pitchFamily="49" charset="0"/>
+              </a:rPr>
+              <a:t>BarcodeReader</a:t>
+            </a:r>
+            <a:r>
+              <a:rPr lang="ru-RU" altLang="ru-RU" dirty="0" err="1">
+                <a:solidFill>
+                  <a:srgbClr val="DAEEFF"/>
+                </a:solidFill>
+                <a:latin typeface="Consolas" panose="020B0609020204030204" pitchFamily="49" charset="0"/>
+              </a:rPr>
+              <a:t>.</a:t>
+            </a:r>
+            <a:r>
+              <a:rPr lang="ru-RU" altLang="ru-RU" dirty="0" err="1">
+                <a:solidFill>
+                  <a:srgbClr val="A9B7C6"/>
+                </a:solidFill>
+                <a:latin typeface="Consolas" panose="020B0609020204030204" pitchFamily="49" charset="0"/>
+              </a:rPr>
+              <a:t>BarcodeListener</a:t>
+            </a:r>
+            <a:r>
+              <a:rPr lang="ru-RU" altLang="ru-RU" dirty="0">
+                <a:solidFill>
+                  <a:srgbClr val="A9B7C6"/>
+                </a:solidFill>
+                <a:latin typeface="Consolas" panose="020B0609020204030204" pitchFamily="49" charset="0"/>
+              </a:rPr>
+              <a:t> </a:t>
+            </a:r>
+            <a:r>
+              <a:rPr lang="ru-RU" altLang="ru-RU" dirty="0">
+                <a:solidFill>
+                  <a:srgbClr val="DAEEFF"/>
+                </a:solidFill>
+                <a:latin typeface="Consolas" panose="020B0609020204030204" pitchFamily="49" charset="0"/>
+              </a:rPr>
+              <a:t>{</a:t>
+            </a:r>
+            <a:endParaRPr lang="en-US" altLang="ru-RU" dirty="0">
+              <a:solidFill>
+                <a:srgbClr val="DAEEFF"/>
+              </a:solidFill>
+              <a:latin typeface="Consolas" panose="020B0609020204030204" pitchFamily="49" charset="0"/>
+            </a:endParaRPr>
+          </a:p>
+          <a:p>
+            <a:pPr eaLnBrk="0" fontAlgn="base" hangingPunct="0">
+              <a:spcBef>
+                <a:spcPct val="0"/>
+              </a:spcBef>
+              <a:spcAft>
+                <a:spcPct val="0"/>
+              </a:spcAft>
+            </a:pPr>
+            <a:br>
+              <a:rPr lang="ru-RU" altLang="ru-RU" dirty="0">
+                <a:solidFill>
+                  <a:srgbClr val="DAEEFF"/>
+                </a:solidFill>
+                <a:latin typeface="Consolas" panose="020B0609020204030204" pitchFamily="49" charset="0"/>
+              </a:rPr>
+            </a:br>
+            <a:r>
+              <a:rPr lang="en-US" altLang="ru-RU" dirty="0">
+                <a:solidFill>
+                  <a:srgbClr val="DAEEFF"/>
+                </a:solidFill>
+                <a:latin typeface="Consolas" panose="020B0609020204030204" pitchFamily="49" charset="0"/>
+              </a:rPr>
+              <a:t>    </a:t>
+            </a:r>
+            <a:r>
+              <a:rPr lang="ru-RU" altLang="ru-RU" dirty="0" err="1">
+                <a:solidFill>
+                  <a:srgbClr val="CC7832"/>
+                </a:solidFill>
+                <a:latin typeface="Consolas" panose="020B0609020204030204" pitchFamily="49" charset="0"/>
+              </a:rPr>
+              <a:t>protected</a:t>
+            </a:r>
+            <a:r>
+              <a:rPr lang="ru-RU" altLang="ru-RU" dirty="0">
+                <a:solidFill>
+                  <a:srgbClr val="CC7832"/>
+                </a:solidFill>
+                <a:latin typeface="Consolas" panose="020B0609020204030204" pitchFamily="49" charset="0"/>
+              </a:rPr>
+              <a:t> </a:t>
+            </a:r>
+            <a:r>
+              <a:rPr lang="ru-RU" altLang="ru-RU" dirty="0" err="1">
+                <a:solidFill>
+                  <a:srgbClr val="CC7832"/>
+                </a:solidFill>
+                <a:latin typeface="Consolas" panose="020B0609020204030204" pitchFamily="49" charset="0"/>
+              </a:rPr>
+              <a:t>var</a:t>
+            </a:r>
+            <a:r>
+              <a:rPr lang="ru-RU" altLang="ru-RU" dirty="0">
+                <a:solidFill>
+                  <a:srgbClr val="CC7832"/>
+                </a:solidFill>
+                <a:latin typeface="Consolas" panose="020B0609020204030204" pitchFamily="49" charset="0"/>
+              </a:rPr>
+              <a:t> </a:t>
+            </a:r>
+            <a:r>
+              <a:rPr lang="ru-RU" altLang="ru-RU" dirty="0" err="1">
+                <a:solidFill>
+                  <a:srgbClr val="9876AA"/>
+                </a:solidFill>
+                <a:latin typeface="Consolas" panose="020B0609020204030204" pitchFamily="49" charset="0"/>
+              </a:rPr>
+              <a:t>mScannerListener</a:t>
+            </a:r>
+            <a:r>
+              <a:rPr lang="ru-RU" altLang="ru-RU" dirty="0">
+                <a:solidFill>
+                  <a:srgbClr val="9876AA"/>
+                </a:solidFill>
+                <a:latin typeface="Consolas" panose="020B0609020204030204" pitchFamily="49" charset="0"/>
+              </a:rPr>
+              <a:t> </a:t>
+            </a:r>
+            <a:r>
+              <a:rPr lang="ru-RU" altLang="ru-RU" dirty="0">
+                <a:solidFill>
+                  <a:srgbClr val="DAEEFF"/>
+                </a:solidFill>
+                <a:latin typeface="Consolas" panose="020B0609020204030204" pitchFamily="49" charset="0"/>
+              </a:rPr>
+              <a:t>= </a:t>
+            </a:r>
+            <a:r>
+              <a:rPr lang="ru-RU" altLang="ru-RU" dirty="0" err="1">
+                <a:solidFill>
+                  <a:srgbClr val="A9B7C6"/>
+                </a:solidFill>
+                <a:latin typeface="Consolas" panose="020B0609020204030204" pitchFamily="49" charset="0"/>
+              </a:rPr>
+              <a:t>aScannerListener</a:t>
+            </a:r>
+            <a:endParaRPr lang="ru-RU" altLang="ru-RU" dirty="0">
+              <a:solidFill>
+                <a:srgbClr val="DAEEFF"/>
+              </a:solidFill>
+              <a:latin typeface="Consolas" panose="020B0609020204030204" pitchFamily="49" charset="0"/>
+            </a:endParaRPr>
+          </a:p>
+          <a:p>
+            <a:pPr eaLnBrk="0" fontAlgn="base" hangingPunct="0">
+              <a:spcBef>
+                <a:spcPct val="0"/>
+              </a:spcBef>
+              <a:spcAft>
+                <a:spcPct val="0"/>
+              </a:spcAft>
+            </a:pPr>
+            <a:endParaRPr kumimoji="0" lang="ru-RU" altLang="ru-RU" b="0" i="0" u="none" strike="noStrike" cap="none" normalizeH="0" baseline="0" dirty="0">
+              <a:ln>
+                <a:noFill/>
+              </a:ln>
+              <a:solidFill>
+                <a:srgbClr val="CC7832"/>
+              </a:solidFill>
+              <a:effectLst/>
+              <a:latin typeface="Consolas" panose="020B0609020204030204" pitchFamily="49" charset="0"/>
+            </a:endParaRPr>
+          </a:p>
+          <a:p>
+            <a:pPr marL="0" marR="0" lvl="0" indent="0" algn="l" defTabSz="914400" rtl="0" eaLnBrk="0" fontAlgn="base" latinLnBrk="0" hangingPunct="0">
+              <a:lnSpc>
+                <a:spcPct val="100000"/>
+              </a:lnSpc>
+              <a:spcBef>
+                <a:spcPct val="0"/>
+              </a:spcBef>
+              <a:spcAft>
+                <a:spcPct val="0"/>
+              </a:spcAft>
+              <a:buClrTx/>
+              <a:buSzTx/>
+              <a:buFontTx/>
+              <a:buNone/>
+              <a:tabLst/>
+            </a:pPr>
+            <a:r>
+              <a:rPr kumimoji="0" lang="en-US" altLang="ru-RU" b="0" i="0" u="none" strike="noStrike" cap="none" normalizeH="0" baseline="0" dirty="0">
+                <a:ln>
+                  <a:noFill/>
+                </a:ln>
+                <a:solidFill>
+                  <a:srgbClr val="CC7832"/>
+                </a:solidFill>
+                <a:effectLst/>
+                <a:latin typeface="Consolas" panose="020B0609020204030204" pitchFamily="49" charset="0"/>
+              </a:rPr>
+              <a:t>    </a:t>
+            </a:r>
+            <a:r>
+              <a:rPr kumimoji="0" lang="ru-RU" altLang="ru-RU" b="0" i="0" u="none" strike="noStrike" cap="none" normalizeH="0" baseline="0" dirty="0" err="1">
+                <a:ln>
+                  <a:noFill/>
+                </a:ln>
+                <a:solidFill>
+                  <a:srgbClr val="CC7832"/>
+                </a:solidFill>
+                <a:effectLst/>
+                <a:latin typeface="Consolas" panose="020B0609020204030204" pitchFamily="49" charset="0"/>
+              </a:rPr>
+              <a:t>override</a:t>
+            </a:r>
+            <a:r>
+              <a:rPr kumimoji="0" lang="ru-RU" altLang="ru-RU" b="0" i="0" u="none" strike="noStrike" cap="none" normalizeH="0" baseline="0" dirty="0">
+                <a:ln>
+                  <a:noFill/>
+                </a:ln>
+                <a:solidFill>
+                  <a:srgbClr val="CC7832"/>
+                </a:solidFill>
+                <a:effectLst/>
+                <a:latin typeface="Consolas" panose="020B0609020204030204" pitchFamily="49" charset="0"/>
+              </a:rPr>
+              <a:t> </a:t>
+            </a:r>
+            <a:r>
+              <a:rPr kumimoji="0" lang="ru-RU" altLang="ru-RU" b="0" i="0" u="none" strike="noStrike" cap="none" normalizeH="0" baseline="0" dirty="0" err="1">
+                <a:ln>
+                  <a:noFill/>
+                </a:ln>
+                <a:solidFill>
+                  <a:srgbClr val="CC7832"/>
+                </a:solidFill>
+                <a:effectLst/>
+                <a:latin typeface="Consolas" panose="020B0609020204030204" pitchFamily="49" charset="0"/>
+              </a:rPr>
+              <a:t>fun</a:t>
+            </a:r>
+            <a:r>
+              <a:rPr kumimoji="0" lang="ru-RU" altLang="ru-RU" b="0" i="0" u="none" strike="noStrike" cap="none" normalizeH="0" baseline="0" dirty="0">
+                <a:ln>
+                  <a:noFill/>
+                </a:ln>
+                <a:solidFill>
+                  <a:srgbClr val="CC7832"/>
+                </a:solidFill>
+                <a:effectLst/>
+                <a:latin typeface="Consolas" panose="020B0609020204030204" pitchFamily="49" charset="0"/>
+              </a:rPr>
+              <a:t> </a:t>
+            </a:r>
+            <a:r>
+              <a:rPr kumimoji="0" lang="ru-RU" altLang="ru-RU" b="0" i="0" u="none" strike="noStrike" cap="none" normalizeH="0" baseline="0" dirty="0" err="1">
+                <a:ln>
+                  <a:noFill/>
+                </a:ln>
+                <a:solidFill>
+                  <a:srgbClr val="FFC66D"/>
+                </a:solidFill>
+                <a:effectLst/>
+                <a:latin typeface="Consolas" panose="020B0609020204030204" pitchFamily="49" charset="0"/>
+              </a:rPr>
+              <a:t>onBarcodeEvent</a:t>
+            </a:r>
+            <a:r>
+              <a:rPr kumimoji="0" lang="ru-RU" altLang="ru-RU" b="0" i="0" u="none" strike="noStrike" cap="none" normalizeH="0" baseline="0" dirty="0">
+                <a:ln>
+                  <a:noFill/>
+                </a:ln>
+                <a:solidFill>
+                  <a:srgbClr val="DAEEFF"/>
+                </a:solidFill>
+                <a:effectLst/>
+                <a:latin typeface="Consolas" panose="020B0609020204030204" pitchFamily="49" charset="0"/>
+              </a:rPr>
+              <a:t>(</a:t>
+            </a:r>
+            <a:r>
+              <a:rPr kumimoji="0" lang="ru-RU" altLang="ru-RU" b="0" i="0" u="none" strike="noStrike" cap="none" normalizeH="0" baseline="0" dirty="0" err="1">
+                <a:ln>
+                  <a:noFill/>
+                </a:ln>
+                <a:solidFill>
+                  <a:srgbClr val="A9B7C6"/>
+                </a:solidFill>
+                <a:effectLst/>
+                <a:latin typeface="Consolas" panose="020B0609020204030204" pitchFamily="49" charset="0"/>
+              </a:rPr>
+              <a:t>event</a:t>
+            </a:r>
+            <a:r>
+              <a:rPr kumimoji="0" lang="ru-RU" altLang="ru-RU" b="0" i="0" u="none" strike="noStrike" cap="none" normalizeH="0" baseline="0" dirty="0">
+                <a:ln>
+                  <a:noFill/>
+                </a:ln>
+                <a:solidFill>
+                  <a:srgbClr val="DAEEFF"/>
+                </a:solidFill>
+                <a:effectLst/>
+                <a:latin typeface="Consolas" panose="020B0609020204030204" pitchFamily="49" charset="0"/>
+              </a:rPr>
+              <a:t>: </a:t>
+            </a:r>
+            <a:r>
+              <a:rPr kumimoji="0" lang="ru-RU" altLang="ru-RU" b="0" i="0" u="none" strike="noStrike" cap="none" normalizeH="0" baseline="0" dirty="0" err="1">
+                <a:ln>
+                  <a:noFill/>
+                </a:ln>
+                <a:solidFill>
+                  <a:srgbClr val="A9B7C6"/>
+                </a:solidFill>
+                <a:effectLst/>
+                <a:latin typeface="Consolas" panose="020B0609020204030204" pitchFamily="49" charset="0"/>
+              </a:rPr>
+              <a:t>BarcodeReadEvent</a:t>
+            </a:r>
+            <a:r>
+              <a:rPr kumimoji="0" lang="ru-RU" altLang="ru-RU" b="0" i="0" u="none" strike="noStrike" cap="none" normalizeH="0" baseline="0" dirty="0">
+                <a:ln>
+                  <a:noFill/>
+                </a:ln>
+                <a:solidFill>
+                  <a:srgbClr val="DAEEFF"/>
+                </a:solidFill>
+                <a:effectLst/>
+                <a:latin typeface="Consolas" panose="020B0609020204030204" pitchFamily="49" charset="0"/>
+              </a:rPr>
+              <a:t>?) {</a:t>
+            </a:r>
+            <a:br>
+              <a:rPr kumimoji="0" lang="ru-RU" altLang="ru-RU" b="0" i="0" u="none" strike="noStrike" cap="none" normalizeH="0" baseline="0" dirty="0">
+                <a:ln>
+                  <a:noFill/>
+                </a:ln>
+                <a:solidFill>
+                  <a:srgbClr val="DAEEFF"/>
+                </a:solidFill>
+                <a:effectLst/>
+                <a:latin typeface="Consolas" panose="020B0609020204030204" pitchFamily="49" charset="0"/>
+              </a:rPr>
+            </a:br>
+            <a:r>
+              <a:rPr kumimoji="0" lang="ru-RU" altLang="ru-RU" b="0" i="0" u="none" strike="noStrike" cap="none" normalizeH="0" baseline="0" dirty="0">
+                <a:ln>
+                  <a:noFill/>
+                </a:ln>
+                <a:solidFill>
+                  <a:srgbClr val="DAEEFF"/>
+                </a:solidFill>
+                <a:effectLst/>
+                <a:latin typeface="Consolas" panose="020B0609020204030204" pitchFamily="49" charset="0"/>
+              </a:rPr>
+              <a:t>    </a:t>
+            </a:r>
+            <a:r>
+              <a:rPr kumimoji="0" lang="en-US" altLang="ru-RU" b="0" i="0" u="none" strike="noStrike" cap="none" normalizeH="0" baseline="0" dirty="0">
+                <a:ln>
+                  <a:noFill/>
+                </a:ln>
+                <a:solidFill>
+                  <a:srgbClr val="DAEEFF"/>
+                </a:solidFill>
+                <a:effectLst/>
+                <a:latin typeface="Consolas" panose="020B0609020204030204" pitchFamily="49" charset="0"/>
+              </a:rPr>
+              <a:t>    </a:t>
+            </a:r>
+            <a:r>
+              <a:rPr kumimoji="0" lang="ru-RU" altLang="ru-RU" b="0" i="0" u="none" strike="noStrike" cap="none" normalizeH="0" baseline="0" dirty="0" err="1">
+                <a:ln>
+                  <a:noFill/>
+                </a:ln>
+                <a:solidFill>
+                  <a:srgbClr val="CC7832"/>
+                </a:solidFill>
+                <a:effectLst/>
+                <a:latin typeface="Consolas" panose="020B0609020204030204" pitchFamily="49" charset="0"/>
+              </a:rPr>
+              <a:t>if</a:t>
+            </a:r>
+            <a:r>
+              <a:rPr kumimoji="0" lang="ru-RU" altLang="ru-RU" b="0" i="0" u="none" strike="noStrike" cap="none" normalizeH="0" baseline="0" dirty="0">
+                <a:ln>
+                  <a:noFill/>
+                </a:ln>
+                <a:solidFill>
+                  <a:srgbClr val="CC7832"/>
+                </a:solidFill>
+                <a:effectLst/>
+                <a:latin typeface="Consolas" panose="020B0609020204030204" pitchFamily="49" charset="0"/>
+              </a:rPr>
+              <a:t> </a:t>
+            </a:r>
+            <a:r>
+              <a:rPr kumimoji="0" lang="ru-RU" altLang="ru-RU" b="0" i="0" u="none" strike="noStrike" cap="none" normalizeH="0" baseline="0" dirty="0">
+                <a:ln>
+                  <a:noFill/>
+                </a:ln>
+                <a:solidFill>
+                  <a:srgbClr val="DAEEFF"/>
+                </a:solidFill>
+                <a:effectLst/>
+                <a:latin typeface="Consolas" panose="020B0609020204030204" pitchFamily="49" charset="0"/>
+              </a:rPr>
+              <a:t>(</a:t>
+            </a:r>
+            <a:r>
+              <a:rPr kumimoji="0" lang="ru-RU" altLang="ru-RU" b="0" i="0" u="none" strike="noStrike" cap="none" normalizeH="0" baseline="0" dirty="0" err="1">
+                <a:ln>
+                  <a:noFill/>
+                </a:ln>
+                <a:solidFill>
+                  <a:srgbClr val="A9B7C6"/>
+                </a:solidFill>
+                <a:effectLst/>
+                <a:latin typeface="Consolas" panose="020B0609020204030204" pitchFamily="49" charset="0"/>
+              </a:rPr>
+              <a:t>event</a:t>
+            </a:r>
+            <a:r>
+              <a:rPr kumimoji="0" lang="ru-RU" altLang="ru-RU" b="0" i="0" u="none" strike="noStrike" cap="none" normalizeH="0" baseline="0" dirty="0">
+                <a:ln>
+                  <a:noFill/>
+                </a:ln>
+                <a:solidFill>
+                  <a:srgbClr val="A9B7C6"/>
+                </a:solidFill>
+                <a:effectLst/>
+                <a:latin typeface="Consolas" panose="020B0609020204030204" pitchFamily="49" charset="0"/>
+              </a:rPr>
+              <a:t> </a:t>
+            </a:r>
+            <a:r>
+              <a:rPr kumimoji="0" lang="ru-RU" altLang="ru-RU" b="0" i="0" u="none" strike="noStrike" cap="none" normalizeH="0" baseline="0" dirty="0">
+                <a:ln>
+                  <a:noFill/>
+                </a:ln>
+                <a:solidFill>
+                  <a:srgbClr val="DAEEFF"/>
+                </a:solidFill>
+                <a:effectLst/>
+                <a:latin typeface="Consolas" panose="020B0609020204030204" pitchFamily="49" charset="0"/>
+              </a:rPr>
+              <a:t>== </a:t>
+            </a:r>
+            <a:r>
+              <a:rPr kumimoji="0" lang="ru-RU" altLang="ru-RU" b="0" i="0" u="none" strike="noStrike" cap="none" normalizeH="0" baseline="0" dirty="0" err="1">
+                <a:ln>
+                  <a:noFill/>
+                </a:ln>
+                <a:solidFill>
+                  <a:srgbClr val="CC7832"/>
+                </a:solidFill>
+                <a:effectLst/>
+                <a:latin typeface="Consolas" panose="020B0609020204030204" pitchFamily="49" charset="0"/>
+              </a:rPr>
+              <a:t>null</a:t>
+            </a:r>
+            <a:r>
+              <a:rPr kumimoji="0" lang="ru-RU" altLang="ru-RU" b="0" i="0" u="none" strike="noStrike" cap="none" normalizeH="0" baseline="0" dirty="0">
+                <a:ln>
+                  <a:noFill/>
+                </a:ln>
+                <a:solidFill>
+                  <a:srgbClr val="DAEEFF"/>
+                </a:solidFill>
+                <a:effectLst/>
+                <a:latin typeface="Consolas" panose="020B0609020204030204" pitchFamily="49" charset="0"/>
+              </a:rPr>
+              <a:t>) </a:t>
+            </a:r>
+            <a:r>
+              <a:rPr kumimoji="0" lang="ru-RU" altLang="ru-RU" b="0" i="0" u="none" strike="noStrike" cap="none" normalizeH="0" baseline="0" dirty="0" err="1">
+                <a:ln>
+                  <a:noFill/>
+                </a:ln>
+                <a:solidFill>
+                  <a:srgbClr val="9876AA"/>
+                </a:solidFill>
+                <a:effectLst/>
+                <a:latin typeface="Consolas" panose="020B0609020204030204" pitchFamily="49" charset="0"/>
+              </a:rPr>
+              <a:t>mScannerListener</a:t>
+            </a:r>
+            <a:r>
+              <a:rPr kumimoji="0" lang="ru-RU" altLang="ru-RU" b="0" i="0" u="none" strike="noStrike" cap="none" normalizeH="0" baseline="0" dirty="0" err="1">
+                <a:ln>
+                  <a:noFill/>
+                </a:ln>
+                <a:solidFill>
+                  <a:srgbClr val="DAEEFF"/>
+                </a:solidFill>
+                <a:effectLst/>
+                <a:latin typeface="Consolas" panose="020B0609020204030204" pitchFamily="49" charset="0"/>
+              </a:rPr>
+              <a:t>.onScanFail</a:t>
+            </a:r>
+            <a:r>
+              <a:rPr kumimoji="0" lang="ru-RU" altLang="ru-RU" b="0" i="0" u="none" strike="noStrike" cap="none" normalizeH="0" baseline="0" dirty="0">
+                <a:ln>
+                  <a:noFill/>
+                </a:ln>
+                <a:solidFill>
+                  <a:srgbClr val="DAEEFF"/>
+                </a:solidFill>
+                <a:effectLst/>
+                <a:latin typeface="Consolas" panose="020B0609020204030204" pitchFamily="49" charset="0"/>
+              </a:rPr>
+              <a:t>(</a:t>
+            </a:r>
+            <a:r>
+              <a:rPr kumimoji="0" lang="ru-RU" altLang="ru-RU" b="0" i="0" u="none" strike="noStrike" cap="none" normalizeH="0" baseline="0" dirty="0">
+                <a:ln>
+                  <a:noFill/>
+                </a:ln>
+                <a:solidFill>
+                  <a:srgbClr val="6A8759"/>
+                </a:solidFill>
+                <a:effectLst/>
+                <a:latin typeface="Consolas" panose="020B0609020204030204" pitchFamily="49" charset="0"/>
+              </a:rPr>
+              <a:t>"</a:t>
+            </a:r>
+            <a:r>
+              <a:rPr kumimoji="0" lang="ru-RU" altLang="ru-RU" b="0" i="0" u="none" strike="noStrike" cap="none" normalizeH="0" baseline="0" dirty="0" err="1">
+                <a:ln>
+                  <a:noFill/>
+                </a:ln>
+                <a:solidFill>
+                  <a:srgbClr val="6A8759"/>
+                </a:solidFill>
+                <a:effectLst/>
+                <a:latin typeface="Consolas" panose="020B0609020204030204" pitchFamily="49" charset="0"/>
+              </a:rPr>
+              <a:t>Result</a:t>
+            </a:r>
+            <a:r>
+              <a:rPr kumimoji="0" lang="ru-RU" altLang="ru-RU" b="0" i="0" u="none" strike="noStrike" cap="none" normalizeH="0" baseline="0" dirty="0">
+                <a:ln>
+                  <a:noFill/>
+                </a:ln>
+                <a:solidFill>
+                  <a:srgbClr val="6A8759"/>
+                </a:solidFill>
+                <a:effectLst/>
+                <a:latin typeface="Consolas" panose="020B0609020204030204" pitchFamily="49" charset="0"/>
+              </a:rPr>
+              <a:t> </a:t>
+            </a:r>
+            <a:r>
+              <a:rPr kumimoji="0" lang="ru-RU" altLang="ru-RU" b="0" i="0" u="none" strike="noStrike" cap="none" normalizeH="0" baseline="0" dirty="0" err="1">
+                <a:ln>
+                  <a:noFill/>
+                </a:ln>
+                <a:solidFill>
+                  <a:srgbClr val="6A8759"/>
+                </a:solidFill>
+                <a:effectLst/>
+                <a:latin typeface="Consolas" panose="020B0609020204030204" pitchFamily="49" charset="0"/>
+              </a:rPr>
+              <a:t>event</a:t>
+            </a:r>
+            <a:r>
+              <a:rPr kumimoji="0" lang="ru-RU" altLang="ru-RU" b="0" i="0" u="none" strike="noStrike" cap="none" normalizeH="0" baseline="0" dirty="0">
+                <a:ln>
+                  <a:noFill/>
+                </a:ln>
+                <a:solidFill>
+                  <a:srgbClr val="6A8759"/>
+                </a:solidFill>
+                <a:effectLst/>
+                <a:latin typeface="Consolas" panose="020B0609020204030204" pitchFamily="49" charset="0"/>
+              </a:rPr>
+              <a:t> </a:t>
+            </a:r>
+            <a:r>
+              <a:rPr kumimoji="0" lang="ru-RU" altLang="ru-RU" b="0" i="0" u="none" strike="noStrike" cap="none" normalizeH="0" baseline="0" dirty="0" err="1">
+                <a:ln>
+                  <a:noFill/>
+                </a:ln>
+                <a:solidFill>
+                  <a:srgbClr val="6A8759"/>
+                </a:solidFill>
+                <a:effectLst/>
+                <a:latin typeface="Consolas" panose="020B0609020204030204" pitchFamily="49" charset="0"/>
+              </a:rPr>
+              <a:t>was</a:t>
+            </a:r>
+            <a:r>
+              <a:rPr kumimoji="0" lang="ru-RU" altLang="ru-RU" b="0" i="0" u="none" strike="noStrike" cap="none" normalizeH="0" baseline="0" dirty="0">
+                <a:ln>
+                  <a:noFill/>
+                </a:ln>
+                <a:solidFill>
+                  <a:srgbClr val="6A8759"/>
+                </a:solidFill>
+                <a:effectLst/>
+                <a:latin typeface="Consolas" panose="020B0609020204030204" pitchFamily="49" charset="0"/>
+              </a:rPr>
+              <a:t> </a:t>
+            </a:r>
+            <a:r>
+              <a:rPr kumimoji="0" lang="ru-RU" altLang="ru-RU" b="0" i="0" u="none" strike="noStrike" cap="none" normalizeH="0" baseline="0" dirty="0" err="1">
+                <a:ln>
+                  <a:noFill/>
+                </a:ln>
+                <a:solidFill>
+                  <a:srgbClr val="6A8759"/>
+                </a:solidFill>
+                <a:effectLst/>
+                <a:latin typeface="Consolas" panose="020B0609020204030204" pitchFamily="49" charset="0"/>
+              </a:rPr>
+              <a:t>null</a:t>
+            </a:r>
+            <a:r>
+              <a:rPr kumimoji="0" lang="ru-RU" altLang="ru-RU" b="0" i="0" u="none" strike="noStrike" cap="none" normalizeH="0" baseline="0" dirty="0">
+                <a:ln>
+                  <a:noFill/>
+                </a:ln>
+                <a:solidFill>
+                  <a:srgbClr val="6A8759"/>
+                </a:solidFill>
+                <a:effectLst/>
+                <a:latin typeface="Consolas" panose="020B0609020204030204" pitchFamily="49" charset="0"/>
+              </a:rPr>
+              <a:t>"</a:t>
+            </a:r>
+            <a:r>
+              <a:rPr kumimoji="0" lang="ru-RU" altLang="ru-RU" b="0" i="0" u="none" strike="noStrike" cap="none" normalizeH="0" baseline="0" dirty="0">
+                <a:ln>
+                  <a:noFill/>
+                </a:ln>
+                <a:solidFill>
+                  <a:srgbClr val="DAEEFF"/>
+                </a:solidFill>
+                <a:effectLst/>
+                <a:latin typeface="Consolas" panose="020B0609020204030204" pitchFamily="49" charset="0"/>
+              </a:rPr>
+              <a:t>)</a:t>
+            </a:r>
+            <a:br>
+              <a:rPr kumimoji="0" lang="ru-RU" altLang="ru-RU" b="0" i="0" u="none" strike="noStrike" cap="none" normalizeH="0" baseline="0" dirty="0">
+                <a:ln>
+                  <a:noFill/>
+                </a:ln>
+                <a:solidFill>
+                  <a:srgbClr val="DAEEFF"/>
+                </a:solidFill>
+                <a:effectLst/>
+                <a:latin typeface="Consolas" panose="020B0609020204030204" pitchFamily="49" charset="0"/>
+              </a:rPr>
+            </a:br>
+            <a:r>
+              <a:rPr kumimoji="0" lang="ru-RU" altLang="ru-RU" b="0" i="0" u="none" strike="noStrike" cap="none" normalizeH="0" baseline="0" dirty="0">
+                <a:ln>
+                  <a:noFill/>
+                </a:ln>
+                <a:solidFill>
+                  <a:srgbClr val="DAEEFF"/>
+                </a:solidFill>
+                <a:effectLst/>
+                <a:latin typeface="Consolas" panose="020B0609020204030204" pitchFamily="49" charset="0"/>
+              </a:rPr>
+              <a:t>    </a:t>
+            </a:r>
+            <a:r>
+              <a:rPr kumimoji="0" lang="en-US" altLang="ru-RU" b="0" i="0" u="none" strike="noStrike" cap="none" normalizeH="0" baseline="0" dirty="0">
+                <a:ln>
+                  <a:noFill/>
+                </a:ln>
+                <a:solidFill>
+                  <a:srgbClr val="DAEEFF"/>
+                </a:solidFill>
+                <a:effectLst/>
+                <a:latin typeface="Consolas" panose="020B0609020204030204" pitchFamily="49" charset="0"/>
+              </a:rPr>
+              <a:t>    </a:t>
+            </a:r>
+            <a:r>
+              <a:rPr kumimoji="0" lang="ru-RU" altLang="ru-RU" b="0" i="0" u="none" strike="noStrike" cap="none" normalizeH="0" baseline="0" dirty="0" err="1">
+                <a:ln>
+                  <a:noFill/>
+                </a:ln>
+                <a:solidFill>
+                  <a:srgbClr val="CC7832"/>
+                </a:solidFill>
+                <a:effectLst/>
+                <a:latin typeface="Consolas" panose="020B0609020204030204" pitchFamily="49" charset="0"/>
+              </a:rPr>
+              <a:t>else</a:t>
+            </a:r>
+            <a:r>
+              <a:rPr kumimoji="0" lang="ru-RU" altLang="ru-RU" b="0" i="0" u="none" strike="noStrike" cap="none" normalizeH="0" baseline="0" dirty="0">
+                <a:ln>
+                  <a:noFill/>
+                </a:ln>
+                <a:solidFill>
+                  <a:srgbClr val="CC7832"/>
+                </a:solidFill>
+                <a:effectLst/>
+                <a:latin typeface="Consolas" panose="020B0609020204030204" pitchFamily="49" charset="0"/>
+              </a:rPr>
+              <a:t> </a:t>
+            </a:r>
+            <a:r>
+              <a:rPr kumimoji="0" lang="ru-RU" altLang="ru-RU" b="0" i="0" u="none" strike="noStrike" cap="none" normalizeH="0" baseline="0" dirty="0" err="1">
+                <a:ln>
+                  <a:noFill/>
+                </a:ln>
+                <a:solidFill>
+                  <a:srgbClr val="9876AA"/>
+                </a:solidFill>
+                <a:effectLst/>
+                <a:latin typeface="Consolas" panose="020B0609020204030204" pitchFamily="49" charset="0"/>
+              </a:rPr>
+              <a:t>mScannerListener</a:t>
+            </a:r>
+            <a:r>
+              <a:rPr kumimoji="0" lang="ru-RU" altLang="ru-RU" b="0" i="0" u="none" strike="noStrike" cap="none" normalizeH="0" baseline="0" dirty="0" err="1">
+                <a:ln>
+                  <a:noFill/>
+                </a:ln>
+                <a:solidFill>
+                  <a:srgbClr val="DAEEFF"/>
+                </a:solidFill>
+                <a:effectLst/>
+                <a:latin typeface="Consolas" panose="020B0609020204030204" pitchFamily="49" charset="0"/>
+              </a:rPr>
+              <a:t>.onScanResult</a:t>
+            </a:r>
+            <a:r>
+              <a:rPr kumimoji="0" lang="ru-RU" altLang="ru-RU" b="0" i="0" u="none" strike="noStrike" cap="none" normalizeH="0" baseline="0" dirty="0">
+                <a:ln>
+                  <a:noFill/>
+                </a:ln>
+                <a:solidFill>
+                  <a:srgbClr val="DAEEFF"/>
+                </a:solidFill>
+                <a:effectLst/>
+                <a:latin typeface="Consolas" panose="020B0609020204030204" pitchFamily="49" charset="0"/>
+              </a:rPr>
+              <a:t>(</a:t>
+            </a:r>
+          </a:p>
+          <a:p>
+            <a:pPr marL="0" marR="0" lvl="0" indent="0" algn="l" defTabSz="914400" rtl="0" eaLnBrk="0" fontAlgn="base" latinLnBrk="0" hangingPunct="0">
+              <a:lnSpc>
+                <a:spcPct val="100000"/>
+              </a:lnSpc>
+              <a:spcBef>
+                <a:spcPct val="0"/>
+              </a:spcBef>
+              <a:spcAft>
+                <a:spcPct val="0"/>
+              </a:spcAft>
+              <a:buClrTx/>
+              <a:buSzTx/>
+              <a:buFontTx/>
+              <a:buNone/>
+              <a:tabLst/>
+            </a:pPr>
+            <a:r>
+              <a:rPr lang="ru-RU" altLang="ru-RU" dirty="0">
+                <a:solidFill>
+                  <a:srgbClr val="DAEEFF"/>
+                </a:solidFill>
+                <a:latin typeface="Consolas" panose="020B0609020204030204" pitchFamily="49" charset="0"/>
+              </a:rPr>
+              <a:t>	</a:t>
+            </a:r>
+            <a:r>
+              <a:rPr lang="en-US" altLang="ru-RU" dirty="0">
+                <a:solidFill>
+                  <a:srgbClr val="DAEEFF"/>
+                </a:solidFill>
+                <a:latin typeface="Consolas" panose="020B0609020204030204" pitchFamily="49" charset="0"/>
+              </a:rPr>
+              <a:t>    </a:t>
+            </a:r>
+            <a:r>
+              <a:rPr kumimoji="0" lang="ru-RU" altLang="ru-RU" b="0" i="0" u="none" strike="noStrike" cap="none" normalizeH="0" baseline="0" dirty="0" err="1">
+                <a:ln>
+                  <a:noFill/>
+                </a:ln>
+                <a:solidFill>
+                  <a:srgbClr val="DAEEFF"/>
+                </a:solidFill>
+                <a:effectLst/>
+                <a:latin typeface="Consolas" panose="020B0609020204030204" pitchFamily="49" charset="0"/>
+              </a:rPr>
+              <a:t>Barcode</a:t>
+            </a:r>
+            <a:r>
+              <a:rPr kumimoji="0" lang="ru-RU" altLang="ru-RU" b="0" i="0" u="none" strike="noStrike" cap="none" normalizeH="0" baseline="0" dirty="0">
+                <a:ln>
+                  <a:noFill/>
+                </a:ln>
+                <a:solidFill>
+                  <a:srgbClr val="DAEEFF"/>
+                </a:solidFill>
+                <a:effectLst/>
+                <a:latin typeface="Consolas" panose="020B0609020204030204" pitchFamily="49" charset="0"/>
+              </a:rPr>
+              <a:t>(</a:t>
+            </a:r>
+            <a:r>
+              <a:rPr kumimoji="0" lang="ru-RU" altLang="ru-RU" b="0" i="0" u="none" strike="noStrike" cap="none" normalizeH="0" baseline="0" dirty="0" err="1">
+                <a:ln>
+                  <a:noFill/>
+                </a:ln>
+                <a:solidFill>
+                  <a:srgbClr val="DAEEFF"/>
+                </a:solidFill>
+                <a:effectLst/>
+                <a:latin typeface="Consolas" panose="020B0609020204030204" pitchFamily="49" charset="0"/>
+              </a:rPr>
+              <a:t>event.</a:t>
+            </a:r>
+            <a:r>
+              <a:rPr kumimoji="0" lang="ru-RU" altLang="ru-RU" b="0" i="1" u="none" strike="noStrike" cap="none" normalizeH="0" baseline="0" dirty="0" err="1">
+                <a:ln>
+                  <a:noFill/>
+                </a:ln>
+                <a:solidFill>
+                  <a:srgbClr val="9876AA"/>
+                </a:solidFill>
+                <a:effectLst/>
+                <a:latin typeface="Consolas" panose="020B0609020204030204" pitchFamily="49" charset="0"/>
+              </a:rPr>
+              <a:t>barcodeData</a:t>
+            </a:r>
+            <a:r>
+              <a:rPr kumimoji="0" lang="ru-RU" altLang="ru-RU" b="0" i="0" u="none" strike="noStrike" cap="none" normalizeH="0" baseline="0" dirty="0">
+                <a:ln>
+                  <a:noFill/>
+                </a:ln>
+                <a:solidFill>
+                  <a:srgbClr val="CC7832"/>
+                </a:solidFill>
+                <a:effectLst/>
+                <a:latin typeface="Consolas" panose="020B0609020204030204" pitchFamily="49" charset="0"/>
+              </a:rPr>
+              <a:t>, </a:t>
+            </a:r>
+            <a:r>
+              <a:rPr kumimoji="0" lang="ru-RU" altLang="ru-RU" b="0" i="0" u="none" strike="noStrike" cap="none" normalizeH="0" baseline="0" dirty="0" err="1">
+                <a:ln>
+                  <a:noFill/>
+                </a:ln>
+                <a:solidFill>
+                  <a:srgbClr val="DAEEFF"/>
+                </a:solidFill>
+                <a:effectLst/>
+                <a:latin typeface="Consolas" panose="020B0609020204030204" pitchFamily="49" charset="0"/>
+              </a:rPr>
+              <a:t>getBarcodeType</a:t>
+            </a:r>
+            <a:r>
+              <a:rPr kumimoji="0" lang="ru-RU" altLang="ru-RU" b="0" i="0" u="none" strike="noStrike" cap="none" normalizeH="0" baseline="0" dirty="0">
+                <a:ln>
+                  <a:noFill/>
+                </a:ln>
+                <a:solidFill>
+                  <a:srgbClr val="DAEEFF"/>
+                </a:solidFill>
+                <a:effectLst/>
+                <a:latin typeface="Consolas" panose="020B0609020204030204" pitchFamily="49" charset="0"/>
+              </a:rPr>
+              <a:t>(</a:t>
+            </a:r>
+            <a:r>
+              <a:rPr kumimoji="0" lang="ru-RU" altLang="ru-RU" b="0" i="0" u="none" strike="noStrike" cap="none" normalizeH="0" baseline="0" dirty="0" err="1">
+                <a:ln>
+                  <a:noFill/>
+                </a:ln>
+                <a:solidFill>
+                  <a:srgbClr val="DAEEFF"/>
+                </a:solidFill>
+                <a:effectLst/>
+                <a:latin typeface="Consolas" panose="020B0609020204030204" pitchFamily="49" charset="0"/>
+              </a:rPr>
+              <a:t>event.</a:t>
+            </a:r>
+            <a:r>
+              <a:rPr kumimoji="0" lang="ru-RU" altLang="ru-RU" b="0" i="1" u="none" strike="noStrike" cap="none" normalizeH="0" baseline="0" dirty="0" err="1">
+                <a:ln>
+                  <a:noFill/>
+                </a:ln>
+                <a:solidFill>
+                  <a:srgbClr val="9876AA"/>
+                </a:solidFill>
+                <a:effectLst/>
+                <a:latin typeface="Consolas" panose="020B0609020204030204" pitchFamily="49" charset="0"/>
+              </a:rPr>
+              <a:t>codeId</a:t>
+            </a:r>
+            <a:r>
+              <a:rPr kumimoji="0" lang="ru-RU" altLang="ru-RU" b="0" i="0" u="none" strike="noStrike" cap="none" normalizeH="0" baseline="0" dirty="0">
+                <a:ln>
+                  <a:noFill/>
+                </a:ln>
+                <a:solidFill>
+                  <a:srgbClr val="DAEEFF"/>
+                </a:solidFill>
+                <a:effectLst/>
+                <a:latin typeface="Consolas" panose="020B0609020204030204" pitchFamily="49" charset="0"/>
+              </a:rPr>
+              <a:t>)))</a:t>
+            </a:r>
+            <a:br>
+              <a:rPr kumimoji="0" lang="ru-RU" altLang="ru-RU" b="0" i="0" u="none" strike="noStrike" cap="none" normalizeH="0" baseline="0" dirty="0">
+                <a:ln>
+                  <a:noFill/>
+                </a:ln>
+                <a:solidFill>
+                  <a:srgbClr val="DAEEFF"/>
+                </a:solidFill>
+                <a:effectLst/>
+                <a:latin typeface="Consolas" panose="020B0609020204030204" pitchFamily="49" charset="0"/>
+              </a:rPr>
+            </a:br>
+            <a:r>
+              <a:rPr kumimoji="0" lang="en-US" altLang="ru-RU" b="0" i="0" u="none" strike="noStrike" cap="none" normalizeH="0" baseline="0" dirty="0">
+                <a:ln>
+                  <a:noFill/>
+                </a:ln>
+                <a:solidFill>
+                  <a:srgbClr val="DAEEFF"/>
+                </a:solidFill>
+                <a:effectLst/>
+                <a:latin typeface="Consolas" panose="020B0609020204030204" pitchFamily="49" charset="0"/>
+              </a:rPr>
+              <a:t>    </a:t>
+            </a:r>
+            <a:r>
+              <a:rPr kumimoji="0" lang="ru-RU" altLang="ru-RU" b="0" i="0" u="none" strike="noStrike" cap="none" normalizeH="0" baseline="0" dirty="0">
+                <a:ln>
+                  <a:noFill/>
+                </a:ln>
+                <a:solidFill>
+                  <a:srgbClr val="DAEEFF"/>
+                </a:solidFill>
+                <a:effectLst/>
+                <a:latin typeface="Consolas" panose="020B0609020204030204" pitchFamily="49" charset="0"/>
+              </a:rPr>
+              <a:t>}</a:t>
+            </a:r>
+            <a:endParaRPr kumimoji="0" lang="en-US" altLang="ru-RU" b="0" i="0" u="none" strike="noStrike" cap="none" normalizeH="0" baseline="0" dirty="0">
+              <a:ln>
+                <a:noFill/>
+              </a:ln>
+              <a:solidFill>
+                <a:srgbClr val="DAEEFF"/>
+              </a:solidFill>
+              <a:effectLst/>
+              <a:latin typeface="Consolas" panose="020B0609020204030204" pitchFamily="49" charset="0"/>
+            </a:endParaRPr>
+          </a:p>
+          <a:p>
+            <a:pPr marL="0" marR="0" lvl="0" indent="0" algn="l" defTabSz="914400" rtl="0" eaLnBrk="0" fontAlgn="base" latinLnBrk="0" hangingPunct="0">
+              <a:lnSpc>
+                <a:spcPct val="100000"/>
+              </a:lnSpc>
+              <a:spcBef>
+                <a:spcPct val="0"/>
+              </a:spcBef>
+              <a:spcAft>
+                <a:spcPct val="0"/>
+              </a:spcAft>
+              <a:buClrTx/>
+              <a:buSzTx/>
+              <a:buFontTx/>
+              <a:buNone/>
+              <a:tabLst/>
+            </a:pPr>
+            <a:r>
+              <a:rPr lang="en-US" altLang="ru-RU" dirty="0">
+                <a:solidFill>
+                  <a:srgbClr val="DAEEFF"/>
+                </a:solidFill>
+                <a:latin typeface="Consolas" panose="020B0609020204030204" pitchFamily="49" charset="0"/>
+              </a:rPr>
+              <a:t>    ...</a:t>
+            </a:r>
+            <a:endParaRPr kumimoji="0" lang="ru-RU" altLang="ru-RU" b="0" i="0" u="none" strike="noStrike" cap="none" normalizeH="0" baseline="0" dirty="0">
+              <a:ln>
+                <a:noFill/>
+              </a:ln>
+              <a:solidFill>
+                <a:srgbClr val="DAEEFF"/>
+              </a:solidFill>
+              <a:effectLst/>
+              <a:latin typeface="Consolas" panose="020B0609020204030204" pitchFamily="49" charset="0"/>
+            </a:endParaRPr>
+          </a:p>
+          <a:p>
+            <a:pPr marL="0" marR="0" lvl="0" indent="0" algn="l" defTabSz="914400" rtl="0" eaLnBrk="0" fontAlgn="base" latinLnBrk="0" hangingPunct="0">
+              <a:lnSpc>
+                <a:spcPct val="100000"/>
+              </a:lnSpc>
+              <a:spcBef>
+                <a:spcPct val="0"/>
+              </a:spcBef>
+              <a:spcAft>
+                <a:spcPct val="0"/>
+              </a:spcAft>
+              <a:buClrTx/>
+              <a:buSzTx/>
+              <a:buFontTx/>
+              <a:buNone/>
+              <a:tabLst/>
+            </a:pPr>
+            <a:r>
+              <a:rPr kumimoji="0" lang="en-US" altLang="ru-RU" b="0" i="0" u="none" strike="noStrike" cap="none" normalizeH="0" baseline="0" dirty="0">
+                <a:ln>
+                  <a:noFill/>
+                </a:ln>
+                <a:solidFill>
+                  <a:srgbClr val="DAEEFF"/>
+                </a:solidFill>
+                <a:effectLst/>
+                <a:latin typeface="Consolas" panose="020B0609020204030204" pitchFamily="49" charset="0"/>
+              </a:rPr>
+              <a:t>}</a:t>
+            </a:r>
+            <a:endParaRPr kumimoji="0" lang="ru-RU" altLang="ru-RU" b="0" i="0" u="none" strike="noStrike" cap="none" normalizeH="0" baseline="0" dirty="0">
+              <a:ln>
+                <a:noFill/>
+              </a:ln>
+              <a:solidFill>
+                <a:schemeClr val="tx1"/>
+              </a:solidFill>
+              <a:effectLst/>
+              <a:latin typeface="Arial" panose="020B0604020202020204" pitchFamily="34" charset="0"/>
+            </a:endParaRPr>
+          </a:p>
+        </p:txBody>
+      </p:sp>
+    </p:spTree>
+    <p:extLst>
+      <p:ext uri="{BB962C8B-B14F-4D97-AF65-F5344CB8AC3E}">
+        <p14:creationId xmlns:p14="http://schemas.microsoft.com/office/powerpoint/2010/main" val="2785759974"/>
+      </p:ext>
+    </p:extLst>
+  </p:cSld>
+  <p:clrMapOvr>
+    <a:masterClrMapping/>
+  </p:clrMapOvr>
+</p:sld>
+</file>
+
+<file path=ppt/slides/slide15.xml><?xml version="1.0" encoding="utf-8"?>
+<p:sld xmlns:a="http://schemas.openxmlformats.org/drawingml/2006/main" xmlns:r="http://schemas.openxmlformats.org/officeDocument/2006/relationships" xmlns:p="http://schemas.openxmlformats.org/presentationml/2006/main">
+  <p:cSld>
+    <p:spTree>
+      <p:nvGrpSpPr>
+        <p:cNvPr id="1" name=""/>
+        <p:cNvGrpSpPr/>
+        <p:nvPr/>
+      </p:nvGrpSpPr>
+      <p:grpSpPr>
+        <a:xfrm>
+          <a:off x="0" y="0"/>
+          <a:ext cx="0" cy="0"/>
+          <a:chOff x="0" y="0"/>
+          <a:chExt cx="0" cy="0"/>
+        </a:xfrm>
+      </p:grpSpPr>
+      <p:sp>
+        <p:nvSpPr>
+          <p:cNvPr id="2" name="Заголовок 1">
+            <a:extLst>
+              <a:ext uri="{FF2B5EF4-FFF2-40B4-BE49-F238E27FC236}">
+                <a16:creationId xmlns:a16="http://schemas.microsoft.com/office/drawing/2014/main" id="{000191C6-0ADB-45FA-8214-146E74551985}"/>
+              </a:ext>
+            </a:extLst>
+          </p:cNvPr>
+          <p:cNvSpPr>
+            <a:spLocks noGrp="1"/>
+          </p:cNvSpPr>
+          <p:nvPr>
+            <p:ph type="title"/>
+          </p:nvPr>
+        </p:nvSpPr>
+        <p:spPr>
+          <a:xfrm>
+            <a:off x="838200" y="365125"/>
+            <a:ext cx="10646328" cy="1325563"/>
+          </a:xfrm>
+        </p:spPr>
+        <p:txBody>
+          <a:bodyPr>
+            <a:normAutofit/>
+          </a:bodyPr>
+          <a:lstStyle/>
+          <a:p>
+            <a:r>
+              <a:rPr lang="en-US" sz="4000" b="1" dirty="0"/>
+              <a:t>Async</a:t>
+            </a:r>
+            <a:r>
+              <a:rPr lang="ru-RU" sz="4000" dirty="0"/>
+              <a:t>, </a:t>
+            </a:r>
+            <a:r>
+              <a:rPr lang="en-US" sz="4000" b="1" dirty="0"/>
+              <a:t>Await</a:t>
+            </a:r>
+            <a:r>
+              <a:rPr lang="ru-RU" sz="4000" dirty="0"/>
+              <a:t> и </a:t>
+            </a:r>
+            <a:r>
+              <a:rPr lang="en-US" sz="4000" b="1" dirty="0"/>
+              <a:t>Future</a:t>
+            </a:r>
+            <a:r>
+              <a:rPr lang="ru-RU" sz="4000" b="1" dirty="0"/>
+              <a:t>/</a:t>
+            </a:r>
+            <a:r>
+              <a:rPr lang="en-US" sz="4000" b="1" dirty="0"/>
+              <a:t>Promise</a:t>
+            </a:r>
+            <a:r>
+              <a:rPr lang="ru-RU" sz="4000" b="1" dirty="0"/>
+              <a:t>/</a:t>
+            </a:r>
+            <a:r>
+              <a:rPr lang="en-US" sz="4000" b="1" dirty="0"/>
+              <a:t>Delay</a:t>
+            </a:r>
+            <a:r>
+              <a:rPr lang="ru-RU" sz="4000" b="1" dirty="0"/>
+              <a:t>/</a:t>
+            </a:r>
+            <a:r>
+              <a:rPr lang="en-US" sz="4000" b="1" dirty="0"/>
+              <a:t>Deferred/Task</a:t>
+            </a:r>
+            <a:endParaRPr lang="ru-RU" sz="4000" dirty="0"/>
+          </a:p>
+        </p:txBody>
+      </p:sp>
+      <p:sp>
+        <p:nvSpPr>
+          <p:cNvPr id="3" name="Объект 2">
+            <a:extLst>
+              <a:ext uri="{FF2B5EF4-FFF2-40B4-BE49-F238E27FC236}">
+                <a16:creationId xmlns:a16="http://schemas.microsoft.com/office/drawing/2014/main" id="{0247FED1-BEA5-41B1-9B61-30B170DDB9F7}"/>
+              </a:ext>
+            </a:extLst>
+          </p:cNvPr>
+          <p:cNvSpPr>
+            <a:spLocks noGrp="1"/>
+          </p:cNvSpPr>
+          <p:nvPr>
+            <p:ph idx="1"/>
+          </p:nvPr>
+        </p:nvSpPr>
+        <p:spPr/>
+        <p:txBody>
+          <a:bodyPr>
+            <a:normAutofit fontScale="92500" lnSpcReduction="20000"/>
+          </a:bodyPr>
+          <a:lstStyle/>
+          <a:p>
+            <a:pPr marL="0" indent="0">
+              <a:buNone/>
+            </a:pPr>
+            <a:r>
+              <a:rPr lang="ru-RU" dirty="0"/>
+              <a:t>Применяется когда необходимо получить и обработать результат от нескольких асинхронных задач, или начать выполнение какой-либо задачи заранее.</a:t>
+            </a:r>
+          </a:p>
+          <a:p>
+            <a:pPr marL="0" indent="0">
+              <a:buNone/>
+            </a:pPr>
+            <a:r>
+              <a:rPr lang="en-US" b="1" dirty="0"/>
+              <a:t>Async</a:t>
+            </a:r>
+            <a:r>
+              <a:rPr lang="ru-RU" dirty="0"/>
+              <a:t> (запуск асинхронной задачи)</a:t>
+            </a:r>
+          </a:p>
+          <a:p>
+            <a:pPr marL="0" indent="0">
+              <a:buNone/>
+            </a:pPr>
+            <a:r>
+              <a:rPr lang="en-US" b="1" dirty="0"/>
+              <a:t>Await</a:t>
+            </a:r>
+            <a:r>
+              <a:rPr lang="ru-RU" dirty="0"/>
+              <a:t> (ожидание результата)</a:t>
+            </a:r>
+          </a:p>
+          <a:p>
+            <a:pPr marL="0" indent="0">
+              <a:buNone/>
+            </a:pPr>
+            <a:r>
+              <a:rPr lang="en-US" b="1" dirty="0"/>
+              <a:t>Future</a:t>
+            </a:r>
+            <a:r>
+              <a:rPr lang="ru-RU" b="1" dirty="0"/>
+              <a:t>/</a:t>
+            </a:r>
+            <a:r>
+              <a:rPr lang="en-US" b="1" dirty="0"/>
+              <a:t>Promise</a:t>
+            </a:r>
+            <a:r>
+              <a:rPr lang="ru-RU" b="1" dirty="0"/>
+              <a:t>/</a:t>
+            </a:r>
+            <a:r>
+              <a:rPr lang="en-US" b="1" dirty="0"/>
+              <a:t>Delay</a:t>
+            </a:r>
+            <a:r>
+              <a:rPr lang="ru-RU" b="1" dirty="0"/>
+              <a:t>/</a:t>
+            </a:r>
+            <a:r>
+              <a:rPr lang="en-US" b="1" dirty="0"/>
+              <a:t>Deferred/Task</a:t>
+            </a:r>
+            <a:r>
+              <a:rPr lang="ru-RU" dirty="0"/>
+              <a:t> (отложенный результат)</a:t>
+            </a:r>
+          </a:p>
+          <a:p>
+            <a:pPr marL="0" indent="0">
+              <a:buNone/>
+            </a:pPr>
+            <a:r>
+              <a:rPr lang="ru-RU" dirty="0"/>
+              <a:t>Плюсы: </a:t>
+            </a:r>
+          </a:p>
+          <a:p>
+            <a:r>
+              <a:rPr lang="ru-RU" dirty="0"/>
+              <a:t>хорошая читаемость кода</a:t>
+            </a:r>
+          </a:p>
+          <a:p>
+            <a:r>
+              <a:rPr lang="ru-RU" dirty="0"/>
+              <a:t>обработка результата происходит в основном потоке</a:t>
+            </a:r>
+          </a:p>
+          <a:p>
+            <a:pPr marL="0" indent="0">
+              <a:buNone/>
+            </a:pPr>
+            <a:r>
+              <a:rPr lang="ru-RU" dirty="0"/>
+              <a:t>Минусы: </a:t>
+            </a:r>
+          </a:p>
+          <a:p>
+            <a:r>
+              <a:rPr lang="ru-RU" dirty="0"/>
+              <a:t>блокируется основной поток</a:t>
+            </a:r>
+            <a:endParaRPr lang="en-US" b="1" dirty="0"/>
+          </a:p>
+          <a:p>
+            <a:endParaRPr lang="ru-RU" dirty="0"/>
+          </a:p>
+        </p:txBody>
+      </p:sp>
+      <p:pic>
+        <p:nvPicPr>
+          <p:cNvPr id="7170" name="Picture 2">
+            <a:extLst>
+              <a:ext uri="{FF2B5EF4-FFF2-40B4-BE49-F238E27FC236}">
+                <a16:creationId xmlns:a16="http://schemas.microsoft.com/office/drawing/2014/main" id="{D8728153-A53A-4C6A-9A2C-4F7E1913DE37}"/>
+              </a:ext>
+            </a:extLst>
+          </p:cNvPr>
+          <p:cNvPicPr>
+            <a:picLocks noChangeAspect="1" noChangeArrowheads="1"/>
+          </p:cNvPicPr>
+          <p:nvPr/>
+        </p:nvPicPr>
+        <p:blipFill>
+          <a:blip r:embed="rId2">
+            <a:extLst>
+              <a:ext uri="{28A0092B-C50C-407E-A947-70E740481C1C}">
+                <a14:useLocalDpi xmlns:a14="http://schemas.microsoft.com/office/drawing/2010/main" val="0"/>
+              </a:ext>
+            </a:extLst>
+          </a:blip>
+          <a:srcRect/>
+          <a:stretch>
+            <a:fillRect/>
+          </a:stretch>
+        </p:blipFill>
+        <p:spPr bwMode="auto">
+          <a:xfrm>
+            <a:off x="8778584" y="3917659"/>
+            <a:ext cx="2575215" cy="2575215"/>
+          </a:xfrm>
+          <a:prstGeom prst="rect">
+            <a:avLst/>
+          </a:prstGeom>
+          <a:noFill/>
+          <a:extLst>
+            <a:ext uri="{909E8E84-426E-40DD-AFC4-6F175D3DCCD1}">
+              <a14:hiddenFill xmlns:a14="http://schemas.microsoft.com/office/drawing/2010/main">
+                <a:solidFill>
+                  <a:srgbClr val="FFFFFF"/>
+                </a:solidFill>
+              </a14:hiddenFill>
+            </a:ext>
+          </a:extLst>
+        </p:spPr>
+      </p:pic>
+    </p:spTree>
+    <p:extLst>
+      <p:ext uri="{BB962C8B-B14F-4D97-AF65-F5344CB8AC3E}">
+        <p14:creationId xmlns:p14="http://schemas.microsoft.com/office/powerpoint/2010/main" val="1794254964"/>
+      </p:ext>
+    </p:extLst>
+  </p:cSld>
+  <p:clrMapOvr>
+    <a:masterClrMapping/>
+  </p:clrMapOvr>
+</p:sld>
+</file>
+
+<file path=ppt/slides/slide16.xml><?xml version="1.0" encoding="utf-8"?>
+<p:sld xmlns:a="http://schemas.openxmlformats.org/drawingml/2006/main" xmlns:r="http://schemas.openxmlformats.org/officeDocument/2006/relationships" xmlns:p="http://schemas.openxmlformats.org/presentationml/2006/main">
+  <p:cSld>
+    <p:bg>
+      <p:bgPr>
+        <a:noFill/>
+        <a:effectLst/>
+      </p:bgPr>
+    </p:bg>
+    <p:spTree>
+      <p:nvGrpSpPr>
+        <p:cNvPr id="1" name=""/>
+        <p:cNvGrpSpPr/>
+        <p:nvPr/>
+      </p:nvGrpSpPr>
+      <p:grpSpPr>
+        <a:xfrm>
+          <a:off x="0" y="0"/>
+          <a:ext cx="0" cy="0"/>
+          <a:chOff x="0" y="0"/>
+          <a:chExt cx="0" cy="0"/>
+        </a:xfrm>
+      </p:grpSpPr>
+      <p:sp>
+        <p:nvSpPr>
+          <p:cNvPr id="2" name="Заголовок 1">
+            <a:extLst>
+              <a:ext uri="{FF2B5EF4-FFF2-40B4-BE49-F238E27FC236}">
+                <a16:creationId xmlns:a16="http://schemas.microsoft.com/office/drawing/2014/main" id="{C3A284F2-4449-4562-9F2F-A3B8A45C9A14}"/>
+              </a:ext>
+            </a:extLst>
+          </p:cNvPr>
+          <p:cNvSpPr>
+            <a:spLocks noGrp="1"/>
+          </p:cNvSpPr>
+          <p:nvPr>
+            <p:ph type="title"/>
+          </p:nvPr>
+        </p:nvSpPr>
+        <p:spPr/>
+        <p:txBody>
+          <a:bodyPr/>
+          <a:lstStyle/>
+          <a:p>
+            <a:r>
+              <a:rPr lang="ru-RU" dirty="0"/>
+              <a:t>Пример использования </a:t>
+            </a:r>
+            <a:r>
+              <a:rPr lang="en-US" b="1" dirty="0"/>
+              <a:t>Async</a:t>
+            </a:r>
+            <a:r>
+              <a:rPr lang="ru-RU" dirty="0"/>
+              <a:t>, </a:t>
+            </a:r>
+            <a:r>
+              <a:rPr lang="en-US" b="1" dirty="0"/>
+              <a:t>Await</a:t>
+            </a:r>
+            <a:r>
+              <a:rPr lang="ru-RU" dirty="0"/>
+              <a:t> </a:t>
+            </a:r>
+          </a:p>
+        </p:txBody>
+      </p:sp>
+      <p:sp>
+        <p:nvSpPr>
+          <p:cNvPr id="9" name="Прямоугольник 8">
+            <a:extLst>
+              <a:ext uri="{FF2B5EF4-FFF2-40B4-BE49-F238E27FC236}">
+                <a16:creationId xmlns:a16="http://schemas.microsoft.com/office/drawing/2014/main" id="{E3BC0D03-58EC-43EA-B0C2-DA37D923C4EA}"/>
+              </a:ext>
+            </a:extLst>
+          </p:cNvPr>
+          <p:cNvSpPr/>
+          <p:nvPr/>
+        </p:nvSpPr>
+        <p:spPr>
+          <a:xfrm>
+            <a:off x="838200" y="1691561"/>
+            <a:ext cx="10515600" cy="4801314"/>
+          </a:xfrm>
+          <a:prstGeom prst="rect">
+            <a:avLst/>
+          </a:prstGeom>
+        </p:spPr>
+        <p:txBody>
+          <a:bodyPr wrap="square">
+            <a:spAutoFit/>
+          </a:bodyPr>
+          <a:lstStyle/>
+          <a:p>
+            <a:r>
+              <a:rPr lang="en-US" dirty="0">
+                <a:solidFill>
+                  <a:srgbClr val="000000"/>
+                </a:solidFill>
+                <a:latin typeface="Consolas" panose="020B0609020204030204" pitchFamily="49" charset="0"/>
+              </a:rPr>
+              <a:t> </a:t>
+            </a:r>
+            <a:r>
+              <a:rPr lang="ru-RU" dirty="0">
+                <a:solidFill>
+                  <a:srgbClr val="000000"/>
+                </a:solidFill>
+                <a:latin typeface="Consolas" panose="020B0609020204030204" pitchFamily="49" charset="0"/>
+              </a:rPr>
+              <a:t>	</a:t>
+            </a:r>
+            <a:r>
+              <a:rPr lang="en-US" dirty="0">
+                <a:solidFill>
+                  <a:srgbClr val="0000FF"/>
+                </a:solidFill>
+                <a:latin typeface="Consolas" panose="020B0609020204030204" pitchFamily="49" charset="0"/>
+              </a:rPr>
+              <a:t>static</a:t>
+            </a:r>
+            <a:r>
+              <a:rPr lang="en-US" dirty="0">
+                <a:solidFill>
+                  <a:srgbClr val="000000"/>
+                </a:solidFill>
+                <a:latin typeface="Consolas" panose="020B0609020204030204" pitchFamily="49" charset="0"/>
+              </a:rPr>
+              <a:t> </a:t>
+            </a:r>
+            <a:r>
+              <a:rPr lang="en-US" dirty="0">
+                <a:solidFill>
+                  <a:srgbClr val="0000FF"/>
+                </a:solidFill>
+                <a:latin typeface="Consolas" panose="020B0609020204030204" pitchFamily="49" charset="0"/>
+              </a:rPr>
+              <a:t>void</a:t>
+            </a:r>
+            <a:r>
+              <a:rPr lang="en-US" dirty="0">
+                <a:solidFill>
+                  <a:srgbClr val="000000"/>
+                </a:solidFill>
+                <a:latin typeface="Consolas" panose="020B0609020204030204" pitchFamily="49" charset="0"/>
+              </a:rPr>
+              <a:t> Factorial(</a:t>
+            </a:r>
+            <a:r>
+              <a:rPr lang="en-US" dirty="0">
+                <a:solidFill>
+                  <a:srgbClr val="0000FF"/>
+                </a:solidFill>
+                <a:latin typeface="Consolas" panose="020B0609020204030204" pitchFamily="49" charset="0"/>
+              </a:rPr>
+              <a:t>int</a:t>
+            </a:r>
+            <a:r>
+              <a:rPr lang="en-US" dirty="0">
+                <a:solidFill>
+                  <a:srgbClr val="000000"/>
+                </a:solidFill>
+                <a:latin typeface="Consolas" panose="020B0609020204030204" pitchFamily="49" charset="0"/>
+              </a:rPr>
+              <a:t> n)</a:t>
+            </a:r>
+          </a:p>
+          <a:p>
+            <a:r>
+              <a:rPr lang="ru-RU" dirty="0">
+                <a:solidFill>
+                  <a:srgbClr val="000000"/>
+                </a:solidFill>
+                <a:latin typeface="Consolas" panose="020B0609020204030204" pitchFamily="49" charset="0"/>
+              </a:rPr>
+              <a:t>        {</a:t>
+            </a:r>
+          </a:p>
+          <a:p>
+            <a:r>
+              <a:rPr lang="en-US" dirty="0">
+                <a:solidFill>
+                  <a:srgbClr val="000000"/>
+                </a:solidFill>
+                <a:latin typeface="Consolas" panose="020B0609020204030204" pitchFamily="49" charset="0"/>
+              </a:rPr>
+              <a:t>            </a:t>
+            </a:r>
+            <a:r>
+              <a:rPr lang="en-US" dirty="0">
+                <a:solidFill>
+                  <a:srgbClr val="0000FF"/>
+                </a:solidFill>
+                <a:latin typeface="Consolas" panose="020B0609020204030204" pitchFamily="49" charset="0"/>
+              </a:rPr>
+              <a:t>int</a:t>
+            </a:r>
+            <a:r>
+              <a:rPr lang="en-US" dirty="0">
+                <a:solidFill>
+                  <a:srgbClr val="000000"/>
+                </a:solidFill>
+                <a:latin typeface="Consolas" panose="020B0609020204030204" pitchFamily="49" charset="0"/>
+              </a:rPr>
+              <a:t> result = 1;</a:t>
+            </a:r>
+          </a:p>
+          <a:p>
+            <a:r>
+              <a:rPr lang="nn-NO" dirty="0">
+                <a:solidFill>
+                  <a:srgbClr val="000000"/>
+                </a:solidFill>
+                <a:latin typeface="Consolas" panose="020B0609020204030204" pitchFamily="49" charset="0"/>
+              </a:rPr>
+              <a:t>            </a:t>
+            </a:r>
+            <a:r>
+              <a:rPr lang="nn-NO" dirty="0">
+                <a:solidFill>
+                  <a:srgbClr val="0000FF"/>
+                </a:solidFill>
+                <a:latin typeface="Consolas" panose="020B0609020204030204" pitchFamily="49" charset="0"/>
+              </a:rPr>
+              <a:t>for</a:t>
+            </a:r>
+            <a:r>
+              <a:rPr lang="nn-NO" dirty="0">
+                <a:solidFill>
+                  <a:srgbClr val="000000"/>
+                </a:solidFill>
+                <a:latin typeface="Consolas" panose="020B0609020204030204" pitchFamily="49" charset="0"/>
+              </a:rPr>
+              <a:t> (</a:t>
+            </a:r>
+            <a:r>
+              <a:rPr lang="nn-NO" dirty="0">
+                <a:solidFill>
+                  <a:srgbClr val="0000FF"/>
+                </a:solidFill>
+                <a:latin typeface="Consolas" panose="020B0609020204030204" pitchFamily="49" charset="0"/>
+              </a:rPr>
+              <a:t>int</a:t>
+            </a:r>
+            <a:r>
+              <a:rPr lang="nn-NO" dirty="0">
+                <a:solidFill>
+                  <a:srgbClr val="000000"/>
+                </a:solidFill>
+                <a:latin typeface="Consolas" panose="020B0609020204030204" pitchFamily="49" charset="0"/>
+              </a:rPr>
+              <a:t> i = 1; i &lt;= n; ++i)</a:t>
+            </a:r>
+          </a:p>
+          <a:p>
+            <a:r>
+              <a:rPr lang="ru-RU" dirty="0">
+                <a:solidFill>
+                  <a:srgbClr val="000000"/>
+                </a:solidFill>
+                <a:latin typeface="Consolas" panose="020B0609020204030204" pitchFamily="49" charset="0"/>
+              </a:rPr>
+              <a:t>            {</a:t>
+            </a:r>
+          </a:p>
+          <a:p>
+            <a:r>
+              <a:rPr lang="en-US" dirty="0">
+                <a:solidFill>
+                  <a:srgbClr val="000000"/>
+                </a:solidFill>
+                <a:latin typeface="Consolas" panose="020B0609020204030204" pitchFamily="49" charset="0"/>
+              </a:rPr>
+              <a:t>                result *= </a:t>
+            </a:r>
+            <a:r>
+              <a:rPr lang="en-US" dirty="0" err="1">
+                <a:solidFill>
+                  <a:srgbClr val="000000"/>
+                </a:solidFill>
+                <a:latin typeface="Consolas" panose="020B0609020204030204" pitchFamily="49" charset="0"/>
+              </a:rPr>
+              <a:t>i</a:t>
+            </a:r>
+            <a:r>
+              <a:rPr lang="en-US" dirty="0">
+                <a:solidFill>
+                  <a:srgbClr val="000000"/>
+                </a:solidFill>
+                <a:latin typeface="Consolas" panose="020B0609020204030204" pitchFamily="49" charset="0"/>
+              </a:rPr>
+              <a:t>;</a:t>
+            </a:r>
+          </a:p>
+          <a:p>
+            <a:r>
+              <a:rPr lang="ru-RU" dirty="0">
+                <a:solidFill>
+                  <a:srgbClr val="000000"/>
+                </a:solidFill>
+                <a:latin typeface="Consolas" panose="020B0609020204030204" pitchFamily="49" charset="0"/>
+              </a:rPr>
+              <a:t>            }</a:t>
+            </a:r>
+          </a:p>
+          <a:p>
+            <a:r>
+              <a:rPr lang="en-US" dirty="0">
+                <a:solidFill>
+                  <a:srgbClr val="000000"/>
+                </a:solidFill>
+                <a:latin typeface="Consolas" panose="020B0609020204030204" pitchFamily="49" charset="0"/>
+              </a:rPr>
+              <a:t>            </a:t>
+            </a:r>
+            <a:r>
+              <a:rPr lang="en-US" dirty="0" err="1">
+                <a:solidFill>
+                  <a:srgbClr val="000000"/>
+                </a:solidFill>
+                <a:latin typeface="Consolas" panose="020B0609020204030204" pitchFamily="49" charset="0"/>
+              </a:rPr>
+              <a:t>Console.WriteLine</a:t>
+            </a:r>
+            <a:r>
+              <a:rPr lang="en-US" dirty="0">
+                <a:solidFill>
+                  <a:srgbClr val="000000"/>
+                </a:solidFill>
+                <a:latin typeface="Consolas" panose="020B0609020204030204" pitchFamily="49" charset="0"/>
+              </a:rPr>
+              <a:t>(</a:t>
+            </a:r>
+            <a:r>
+              <a:rPr lang="en-US" dirty="0">
+                <a:solidFill>
+                  <a:srgbClr val="A31515"/>
+                </a:solidFill>
+                <a:latin typeface="Consolas" panose="020B0609020204030204" pitchFamily="49" charset="0"/>
+              </a:rPr>
+              <a:t>$"</a:t>
+            </a:r>
+            <a:r>
+              <a:rPr lang="ru-RU" dirty="0">
+                <a:solidFill>
+                  <a:srgbClr val="A31515"/>
+                </a:solidFill>
+                <a:latin typeface="Consolas" panose="020B0609020204030204" pitchFamily="49" charset="0"/>
+              </a:rPr>
+              <a:t>Факториал числа </a:t>
+            </a:r>
+            <a:r>
+              <a:rPr lang="ru-RU" dirty="0">
+                <a:solidFill>
+                  <a:srgbClr val="000000"/>
+                </a:solidFill>
+                <a:latin typeface="Consolas" panose="020B0609020204030204" pitchFamily="49" charset="0"/>
+              </a:rPr>
+              <a:t>{</a:t>
+            </a:r>
+            <a:r>
+              <a:rPr lang="en-US" dirty="0">
+                <a:solidFill>
+                  <a:srgbClr val="000000"/>
+                </a:solidFill>
+                <a:latin typeface="Consolas" panose="020B0609020204030204" pitchFamily="49" charset="0"/>
+              </a:rPr>
+              <a:t>n}</a:t>
+            </a:r>
+            <a:r>
+              <a:rPr lang="en-US" dirty="0">
+                <a:solidFill>
+                  <a:srgbClr val="A31515"/>
+                </a:solidFill>
+                <a:latin typeface="Consolas" panose="020B0609020204030204" pitchFamily="49" charset="0"/>
+              </a:rPr>
+              <a:t> </a:t>
+            </a:r>
+            <a:r>
+              <a:rPr lang="ru-RU" dirty="0">
+                <a:solidFill>
+                  <a:srgbClr val="A31515"/>
+                </a:solidFill>
+                <a:latin typeface="Consolas" panose="020B0609020204030204" pitchFamily="49" charset="0"/>
+              </a:rPr>
+              <a:t>равен </a:t>
+            </a:r>
+            <a:r>
+              <a:rPr lang="ru-RU" dirty="0">
+                <a:solidFill>
+                  <a:srgbClr val="000000"/>
+                </a:solidFill>
+                <a:latin typeface="Consolas" panose="020B0609020204030204" pitchFamily="49" charset="0"/>
+              </a:rPr>
+              <a:t>{</a:t>
+            </a:r>
+            <a:r>
+              <a:rPr lang="en-US" dirty="0">
+                <a:solidFill>
+                  <a:srgbClr val="000000"/>
+                </a:solidFill>
+                <a:latin typeface="Consolas" panose="020B0609020204030204" pitchFamily="49" charset="0"/>
+              </a:rPr>
+              <a:t>result}</a:t>
+            </a:r>
+            <a:r>
+              <a:rPr lang="en-US" dirty="0">
+                <a:solidFill>
+                  <a:srgbClr val="A31515"/>
+                </a:solidFill>
+                <a:latin typeface="Consolas" panose="020B0609020204030204" pitchFamily="49" charset="0"/>
+              </a:rPr>
+              <a:t>"</a:t>
+            </a:r>
+            <a:r>
+              <a:rPr lang="en-US" dirty="0">
+                <a:solidFill>
+                  <a:srgbClr val="000000"/>
+                </a:solidFill>
+                <a:latin typeface="Consolas" panose="020B0609020204030204" pitchFamily="49" charset="0"/>
+              </a:rPr>
+              <a:t>);</a:t>
+            </a:r>
+          </a:p>
+          <a:p>
+            <a:r>
+              <a:rPr lang="ru-RU" dirty="0">
+                <a:solidFill>
+                  <a:srgbClr val="000000"/>
+                </a:solidFill>
+                <a:latin typeface="Consolas" panose="020B0609020204030204" pitchFamily="49" charset="0"/>
+              </a:rPr>
+              <a:t>        }</a:t>
+            </a:r>
+          </a:p>
+          <a:p>
+            <a:endParaRPr lang="ru-RU" dirty="0">
+              <a:solidFill>
+                <a:srgbClr val="000000"/>
+              </a:solidFill>
+              <a:latin typeface="Consolas" panose="020B0609020204030204" pitchFamily="49" charset="0"/>
+            </a:endParaRPr>
+          </a:p>
+          <a:p>
+            <a:r>
+              <a:rPr lang="en-US" dirty="0">
+                <a:solidFill>
+                  <a:srgbClr val="000000"/>
+                </a:solidFill>
+                <a:latin typeface="Consolas" panose="020B0609020204030204" pitchFamily="49" charset="0"/>
+              </a:rPr>
+              <a:t>        </a:t>
+            </a:r>
+            <a:r>
+              <a:rPr lang="en-US" dirty="0">
+                <a:solidFill>
+                  <a:srgbClr val="0000FF"/>
+                </a:solidFill>
+                <a:latin typeface="Consolas" panose="020B0609020204030204" pitchFamily="49" charset="0"/>
+              </a:rPr>
+              <a:t>static</a:t>
+            </a:r>
+            <a:r>
+              <a:rPr lang="en-US" dirty="0">
+                <a:solidFill>
+                  <a:srgbClr val="000000"/>
+                </a:solidFill>
+                <a:latin typeface="Consolas" panose="020B0609020204030204" pitchFamily="49" charset="0"/>
+              </a:rPr>
+              <a:t> </a:t>
+            </a:r>
+            <a:r>
+              <a:rPr lang="en-US" dirty="0">
+                <a:solidFill>
+                  <a:srgbClr val="0000FF"/>
+                </a:solidFill>
+                <a:latin typeface="Consolas" panose="020B0609020204030204" pitchFamily="49" charset="0"/>
+              </a:rPr>
+              <a:t>async</a:t>
+            </a:r>
+            <a:r>
+              <a:rPr lang="en-US" dirty="0">
+                <a:solidFill>
+                  <a:srgbClr val="000000"/>
+                </a:solidFill>
+                <a:latin typeface="Consolas" panose="020B0609020204030204" pitchFamily="49" charset="0"/>
+              </a:rPr>
+              <a:t> </a:t>
+            </a:r>
+            <a:r>
+              <a:rPr lang="en-US" dirty="0">
+                <a:solidFill>
+                  <a:srgbClr val="0000FF"/>
+                </a:solidFill>
+                <a:latin typeface="Consolas" panose="020B0609020204030204" pitchFamily="49" charset="0"/>
+              </a:rPr>
+              <a:t>void</a:t>
+            </a:r>
+            <a:r>
+              <a:rPr lang="en-US" dirty="0">
+                <a:solidFill>
+                  <a:srgbClr val="000000"/>
+                </a:solidFill>
+                <a:latin typeface="Consolas" panose="020B0609020204030204" pitchFamily="49" charset="0"/>
+              </a:rPr>
+              <a:t> </a:t>
+            </a:r>
+            <a:r>
+              <a:rPr lang="en-US" dirty="0" err="1">
+                <a:solidFill>
+                  <a:srgbClr val="000000"/>
+                </a:solidFill>
+                <a:latin typeface="Consolas" panose="020B0609020204030204" pitchFamily="49" charset="0"/>
+              </a:rPr>
+              <a:t>FactorialAsync</a:t>
+            </a:r>
+            <a:r>
+              <a:rPr lang="en-US" dirty="0">
+                <a:solidFill>
+                  <a:srgbClr val="000000"/>
+                </a:solidFill>
+                <a:latin typeface="Consolas" panose="020B0609020204030204" pitchFamily="49" charset="0"/>
+              </a:rPr>
+              <a:t>()</a:t>
+            </a:r>
+          </a:p>
+          <a:p>
+            <a:r>
+              <a:rPr lang="ru-RU" dirty="0">
+                <a:solidFill>
+                  <a:srgbClr val="000000"/>
+                </a:solidFill>
+                <a:latin typeface="Consolas" panose="020B0609020204030204" pitchFamily="49" charset="0"/>
+              </a:rPr>
+              <a:t>        {</a:t>
+            </a:r>
+          </a:p>
+          <a:p>
+            <a:r>
+              <a:rPr lang="en-US" dirty="0">
+                <a:solidFill>
+                  <a:srgbClr val="000000"/>
+                </a:solidFill>
+                <a:latin typeface="Consolas" panose="020B0609020204030204" pitchFamily="49" charset="0"/>
+              </a:rPr>
+              <a:t>            Task t1 = </a:t>
+            </a:r>
+            <a:r>
+              <a:rPr lang="en-US" dirty="0" err="1">
+                <a:solidFill>
+                  <a:srgbClr val="000000"/>
+                </a:solidFill>
+                <a:latin typeface="Consolas" panose="020B0609020204030204" pitchFamily="49" charset="0"/>
+              </a:rPr>
+              <a:t>Task.Run</a:t>
+            </a:r>
+            <a:r>
+              <a:rPr lang="en-US" dirty="0">
+                <a:solidFill>
+                  <a:srgbClr val="000000"/>
+                </a:solidFill>
+                <a:latin typeface="Consolas" panose="020B0609020204030204" pitchFamily="49" charset="0"/>
+              </a:rPr>
+              <a:t>(() =&gt; Factorial(4));</a:t>
+            </a:r>
+          </a:p>
+          <a:p>
+            <a:r>
+              <a:rPr lang="en-US" dirty="0">
+                <a:solidFill>
+                  <a:srgbClr val="000000"/>
+                </a:solidFill>
+                <a:latin typeface="Consolas" panose="020B0609020204030204" pitchFamily="49" charset="0"/>
+              </a:rPr>
+              <a:t>            Task t2 = </a:t>
+            </a:r>
+            <a:r>
+              <a:rPr lang="en-US" dirty="0" err="1">
+                <a:solidFill>
+                  <a:srgbClr val="000000"/>
+                </a:solidFill>
+                <a:latin typeface="Consolas" panose="020B0609020204030204" pitchFamily="49" charset="0"/>
+              </a:rPr>
+              <a:t>Task.Run</a:t>
+            </a:r>
+            <a:r>
+              <a:rPr lang="en-US" dirty="0">
+                <a:solidFill>
+                  <a:srgbClr val="000000"/>
+                </a:solidFill>
+                <a:latin typeface="Consolas" panose="020B0609020204030204" pitchFamily="49" charset="0"/>
+              </a:rPr>
+              <a:t>(() =&gt; Factorial(3));</a:t>
+            </a:r>
+          </a:p>
+          <a:p>
+            <a:r>
+              <a:rPr lang="en-US" dirty="0">
+                <a:solidFill>
+                  <a:srgbClr val="000000"/>
+                </a:solidFill>
+                <a:latin typeface="Consolas" panose="020B0609020204030204" pitchFamily="49" charset="0"/>
+              </a:rPr>
+              <a:t>            Task t3 = </a:t>
+            </a:r>
+            <a:r>
+              <a:rPr lang="en-US" dirty="0" err="1">
+                <a:solidFill>
+                  <a:srgbClr val="000000"/>
+                </a:solidFill>
+                <a:latin typeface="Consolas" panose="020B0609020204030204" pitchFamily="49" charset="0"/>
+              </a:rPr>
+              <a:t>Task.Run</a:t>
+            </a:r>
+            <a:r>
+              <a:rPr lang="en-US" dirty="0">
+                <a:solidFill>
+                  <a:srgbClr val="000000"/>
+                </a:solidFill>
+                <a:latin typeface="Consolas" panose="020B0609020204030204" pitchFamily="49" charset="0"/>
+              </a:rPr>
+              <a:t>(() =&gt; Factorial(5));</a:t>
+            </a:r>
+          </a:p>
+          <a:p>
+            <a:r>
+              <a:rPr lang="fr-FR" dirty="0">
+                <a:solidFill>
+                  <a:srgbClr val="000000"/>
+                </a:solidFill>
+                <a:latin typeface="Consolas" panose="020B0609020204030204" pitchFamily="49" charset="0"/>
+              </a:rPr>
+              <a:t>            </a:t>
+            </a:r>
+            <a:r>
+              <a:rPr lang="fr-FR" dirty="0">
+                <a:solidFill>
+                  <a:srgbClr val="0000FF"/>
+                </a:solidFill>
+                <a:latin typeface="Consolas" panose="020B0609020204030204" pitchFamily="49" charset="0"/>
+              </a:rPr>
+              <a:t>await</a:t>
+            </a:r>
+            <a:r>
+              <a:rPr lang="fr-FR" dirty="0">
+                <a:solidFill>
+                  <a:srgbClr val="000000"/>
+                </a:solidFill>
+                <a:latin typeface="Consolas" panose="020B0609020204030204" pitchFamily="49" charset="0"/>
+              </a:rPr>
+              <a:t> Task.WhenAll(</a:t>
+            </a:r>
+            <a:r>
+              <a:rPr lang="fr-FR" dirty="0">
+                <a:solidFill>
+                  <a:srgbClr val="0000FF"/>
+                </a:solidFill>
+                <a:latin typeface="Consolas" panose="020B0609020204030204" pitchFamily="49" charset="0"/>
+              </a:rPr>
+              <a:t>new</a:t>
+            </a:r>
+            <a:r>
+              <a:rPr lang="fr-FR" dirty="0">
+                <a:solidFill>
+                  <a:srgbClr val="000000"/>
+                </a:solidFill>
+                <a:latin typeface="Consolas" panose="020B0609020204030204" pitchFamily="49" charset="0"/>
+              </a:rPr>
+              <a:t>[] { t1, t2, t3 });</a:t>
+            </a:r>
+          </a:p>
+          <a:p>
+            <a:r>
+              <a:rPr lang="ru-RU" dirty="0">
+                <a:solidFill>
+                  <a:srgbClr val="000000"/>
+                </a:solidFill>
+                <a:latin typeface="Consolas" panose="020B0609020204030204" pitchFamily="49" charset="0"/>
+              </a:rPr>
+              <a:t>        }</a:t>
+            </a:r>
+            <a:endParaRPr lang="ru-RU" dirty="0"/>
+          </a:p>
+        </p:txBody>
+      </p:sp>
+    </p:spTree>
+    <p:extLst>
+      <p:ext uri="{BB962C8B-B14F-4D97-AF65-F5344CB8AC3E}">
+        <p14:creationId xmlns:p14="http://schemas.microsoft.com/office/powerpoint/2010/main" val="2993955161"/>
+      </p:ext>
+    </p:extLst>
+  </p:cSld>
+  <p:clrMapOvr>
+    <a:masterClrMapping/>
+  </p:clrMapOvr>
+</p:sld>
+</file>
+
+<file path=ppt/slides/slide17.xml><?xml version="1.0" encoding="utf-8"?>
+<p:sld xmlns:a="http://schemas.openxmlformats.org/drawingml/2006/main" xmlns:r="http://schemas.openxmlformats.org/officeDocument/2006/relationships" xmlns:p="http://schemas.openxmlformats.org/presentationml/2006/main">
+  <p:cSld>
+    <p:spTree>
+      <p:nvGrpSpPr>
+        <p:cNvPr id="1" name=""/>
+        <p:cNvGrpSpPr/>
+        <p:nvPr/>
+      </p:nvGrpSpPr>
+      <p:grpSpPr>
+        <a:xfrm>
+          <a:off x="0" y="0"/>
+          <a:ext cx="0" cy="0"/>
+          <a:chOff x="0" y="0"/>
+          <a:chExt cx="0" cy="0"/>
+        </a:xfrm>
+      </p:grpSpPr>
+      <p:sp>
+        <p:nvSpPr>
+          <p:cNvPr id="2" name="Заголовок 1">
+            <a:extLst>
+              <a:ext uri="{FF2B5EF4-FFF2-40B4-BE49-F238E27FC236}">
                 <a16:creationId xmlns:a16="http://schemas.microsoft.com/office/drawing/2014/main" id="{5BCF1AC9-D66C-497E-BDE5-F4D3DEF0F860}"/>
               </a:ext>
             </a:extLst>
@@ -3655,215 +9071,7 @@
 </p:sld>
 </file>
 
-<file path=ppt/slides/slide11.xml><?xml version="1.0" encoding="utf-8"?>
-<p:sld xmlns:a="http://schemas.openxmlformats.org/drawingml/2006/main" xmlns:r="http://schemas.openxmlformats.org/officeDocument/2006/relationships" xmlns:p="http://schemas.openxmlformats.org/presentationml/2006/main">
-  <p:cSld>
-    <p:spTree>
-      <p:nvGrpSpPr>
-        <p:cNvPr id="1" name=""/>
-        <p:cNvGrpSpPr/>
-        <p:nvPr/>
-      </p:nvGrpSpPr>
-      <p:grpSpPr>
-        <a:xfrm>
-          <a:off x="0" y="0"/>
-          <a:ext cx="0" cy="0"/>
-          <a:chOff x="0" y="0"/>
-          <a:chExt cx="0" cy="0"/>
-        </a:xfrm>
-      </p:grpSpPr>
-      <p:sp>
-        <p:nvSpPr>
-          <p:cNvPr id="2" name="Заголовок 1">
-            <a:extLst>
-              <a:ext uri="{FF2B5EF4-FFF2-40B4-BE49-F238E27FC236}">
-                <a16:creationId xmlns:a16="http://schemas.microsoft.com/office/drawing/2014/main" id="{5C0FB15B-F016-4EF5-B721-15FD019DA750}"/>
-              </a:ext>
-            </a:extLst>
-          </p:cNvPr>
-          <p:cNvSpPr>
-            <a:spLocks noGrp="1"/>
-          </p:cNvSpPr>
-          <p:nvPr>
-            <p:ph type="title"/>
-          </p:nvPr>
-        </p:nvSpPr>
-        <p:spPr>
-          <a:xfrm>
-            <a:off x="662730" y="365125"/>
-            <a:ext cx="10788242" cy="1325563"/>
-          </a:xfrm>
-        </p:spPr>
-        <p:txBody>
-          <a:bodyPr>
-            <a:normAutofit/>
-          </a:bodyPr>
-          <a:lstStyle/>
-          <a:p>
-            <a:r>
-              <a:rPr lang="ru-RU" dirty="0"/>
-              <a:t>Ошибки при написании параллельного кода</a:t>
-            </a:r>
-          </a:p>
-        </p:txBody>
-      </p:sp>
-      <p:sp>
-        <p:nvSpPr>
-          <p:cNvPr id="3" name="Объект 2">
-            <a:extLst>
-              <a:ext uri="{FF2B5EF4-FFF2-40B4-BE49-F238E27FC236}">
-                <a16:creationId xmlns:a16="http://schemas.microsoft.com/office/drawing/2014/main" id="{DFBE174D-02BB-452A-90B7-F2599221F91F}"/>
-              </a:ext>
-            </a:extLst>
-          </p:cNvPr>
-          <p:cNvSpPr>
-            <a:spLocks noGrp="1"/>
-          </p:cNvSpPr>
-          <p:nvPr>
-            <p:ph idx="1"/>
-          </p:nvPr>
-        </p:nvSpPr>
-        <p:spPr/>
-        <p:txBody>
-          <a:bodyPr/>
-          <a:lstStyle/>
-          <a:p>
-            <a:r>
-              <a:rPr lang="ru-RU" dirty="0"/>
-              <a:t>Состояние гонки</a:t>
-            </a:r>
-            <a:r>
-              <a:rPr lang="en-US" dirty="0"/>
-              <a:t> (Race Condition)</a:t>
-            </a:r>
-            <a:endParaRPr lang="ru-RU" dirty="0"/>
-          </a:p>
-          <a:p>
-            <a:r>
-              <a:rPr lang="ru-RU" dirty="0"/>
-              <a:t>Взаимная блокировка</a:t>
-            </a:r>
-            <a:r>
-              <a:rPr lang="en-US" dirty="0"/>
-              <a:t> (Deadlock)</a:t>
-            </a:r>
-          </a:p>
-          <a:p>
-            <a:r>
-              <a:rPr lang="ru-RU" dirty="0"/>
-              <a:t>Голодание </a:t>
-            </a:r>
-            <a:r>
-              <a:rPr lang="en-US" dirty="0"/>
-              <a:t>(Starvation) </a:t>
-            </a:r>
-            <a:br>
-              <a:rPr lang="en-US" dirty="0"/>
-            </a:br>
-            <a:r>
-              <a:rPr lang="en-US" dirty="0"/>
-              <a:t>- </a:t>
-            </a:r>
-            <a:r>
-              <a:rPr lang="ru-RU" dirty="0"/>
-              <a:t>бесконечное ожидание разделяемого ресурса</a:t>
-            </a:r>
-            <a:br>
-              <a:rPr lang="en-US" dirty="0"/>
-            </a:br>
-            <a:r>
-              <a:rPr lang="ru-RU" dirty="0"/>
-              <a:t>(проблема алгоритма планирования)</a:t>
-            </a:r>
-          </a:p>
-          <a:p>
-            <a:r>
-              <a:rPr lang="ru-RU" dirty="0"/>
-              <a:t>Ожидание занятости (</a:t>
-            </a:r>
-            <a:r>
-              <a:rPr lang="en-US" dirty="0"/>
-              <a:t>spinning</a:t>
-            </a:r>
-            <a:r>
-              <a:rPr lang="ru-RU" dirty="0"/>
-              <a:t>) </a:t>
-            </a:r>
-            <a:br>
-              <a:rPr lang="en-US" dirty="0"/>
-            </a:br>
-            <a:r>
-              <a:rPr lang="en-US" dirty="0"/>
-              <a:t>-</a:t>
-            </a:r>
-            <a:r>
-              <a:rPr lang="ru-RU" dirty="0"/>
-              <a:t> частый опрос доступности ресурса</a:t>
-            </a:r>
-          </a:p>
-        </p:txBody>
-      </p:sp>
-      <p:pic>
-        <p:nvPicPr>
-          <p:cNvPr id="5122" name="Picture 2">
-            <a:extLst>
-              <a:ext uri="{FF2B5EF4-FFF2-40B4-BE49-F238E27FC236}">
-                <a16:creationId xmlns:a16="http://schemas.microsoft.com/office/drawing/2014/main" id="{5B7058CB-8145-4231-B3C5-FDBCB5CE4C1C}"/>
-              </a:ext>
-            </a:extLst>
-          </p:cNvPr>
-          <p:cNvPicPr>
-            <a:picLocks noChangeAspect="1" noChangeArrowheads="1"/>
-          </p:cNvPicPr>
-          <p:nvPr/>
-        </p:nvPicPr>
-        <p:blipFill>
-          <a:blip r:embed="rId2">
-            <a:extLst>
-              <a:ext uri="{28A0092B-C50C-407E-A947-70E740481C1C}">
-                <a14:useLocalDpi xmlns:a14="http://schemas.microsoft.com/office/drawing/2010/main" val="0"/>
-              </a:ext>
-            </a:extLst>
-          </a:blip>
-          <a:srcRect/>
-          <a:stretch>
-            <a:fillRect/>
-          </a:stretch>
-        </p:blipFill>
-        <p:spPr bwMode="auto">
-          <a:xfrm>
-            <a:off x="8665828" y="3804903"/>
-            <a:ext cx="2687972" cy="2687972"/>
-          </a:xfrm>
-          <a:prstGeom prst="rect">
-            <a:avLst/>
-          </a:prstGeom>
-          <a:noFill/>
-          <a:extLst>
-            <a:ext uri="{909E8E84-426E-40DD-AFC4-6F175D3DCCD1}">
-              <a14:hiddenFill xmlns:a14="http://schemas.microsoft.com/office/drawing/2010/main">
-                <a:solidFill>
-                  <a:srgbClr val="FFFFFF"/>
-                </a:solidFill>
-              </a14:hiddenFill>
-            </a:ext>
-          </a:extLst>
-        </p:spPr>
-      </p:pic>
-    </p:spTree>
-    <p:extLst>
-      <p:ext uri="{BB962C8B-B14F-4D97-AF65-F5344CB8AC3E}">
-        <p14:creationId xmlns:p14="http://schemas.microsoft.com/office/powerpoint/2010/main" val="2915392498"/>
-      </p:ext>
-    </p:extLst>
-  </p:cSld>
-  <p:clrMapOvr>
-    <a:masterClrMapping/>
-  </p:clrMapOvr>
-</p:sld>
-</file>
-
-<file path=ppt/slides/slide12.xml><?xml version="1.0" encoding="utf-8"?>
+<file path=ppt/slides/slide18.xml><?xml version="1.0" encoding="utf-8"?>
 <p:sld xmlns:a="http://schemas.openxmlformats.org/drawingml/2006/main" xmlns:r="http://schemas.openxmlformats.org/officeDocument/2006/relationships" xmlns:p="http://schemas.openxmlformats.org/presentationml/2006/main">
   <p:cSld>
     <p:spTree>
@@ -3903,7 +9111,7 @@
           <a:p>
             <a:r>
               <a:rPr lang="ru-RU" dirty="0"/>
-              <a:t>Источники</a:t>
+              <a:t>Литература</a:t>
             </a:r>
           </a:p>
         </p:txBody>
@@ -3924,9 +9132,16 @@
             <p:ph idx="1"/>
           </p:nvPr>
         </p:nvSpPr>
-        <p:spPr/>
+        <p:spPr>
+          <a:xfrm>
+            <a:off x="838200" y="1825625"/>
+            <a:ext cx="10679884" cy="4351338"/>
+          </a:xfrm>
+        </p:spPr>
         <p:txBody>
-          <a:bodyPr/>
+          <a:bodyPr>
+            <a:normAutofit/>
+          </a:bodyPr>
           <a:lstStyle/>
           <a:p>
             <a:pPr marL="514350" indent="-514350">
@@ -3934,27 +9149,27 @@
               <a:buAutoNum type="arabicPeriod"/>
             </a:pPr>
             <a:r>
-              <a:rPr lang="en-US" dirty="0" err="1"/>
+              <a:rPr lang="en-US" sz="2400" dirty="0" err="1"/>
               <a:t>Rabaey</a:t>
             </a:r>
             <a:r>
-              <a:rPr lang="en-US" dirty="0"/>
+              <a:rPr lang="en-US" sz="2400" dirty="0"/>
               <a:t>, Jan M. </a:t>
             </a:r>
             <a:r>
-              <a:rPr lang="en-US" i="1" dirty="0"/>
+              <a:rPr lang="en-US" sz="2400" i="1" dirty="0"/>
               <a:t>Digital integrated circuits : a design perspective</a:t>
             </a:r>
             <a:r>
-              <a:rPr lang="en-US" dirty="0"/>
+              <a:rPr lang="en-US" sz="2400" dirty="0"/>
               <a:t>.</a:t>
             </a:r>
             <a:r>
-              <a:rPr lang="pt-BR" dirty="0"/>
+              <a:rPr lang="pt-BR" sz="2400" dirty="0"/>
               <a:t> 2nd edition</a:t>
             </a:r>
             <a:r>
-              <a:rPr lang="en-US" dirty="0"/>
+              <a:rPr lang="en-US" sz="2400" dirty="0"/>
               <a:t> (1999), Upper Saddle River, N.J.: Prentice-Hall. p.175</a:t>
             </a:r>
           </a:p>
@@ -3964,20 +9179,73 @@
               <a:buAutoNum type="arabicPeriod"/>
             </a:pPr>
             <a:r>
-              <a:rPr lang="ru-RU" dirty="0" err="1"/>
-              <a:t>Ахо</a:t>
-            </a:r>
-            <a:r>
-              <a:rPr lang="ru-RU" dirty="0"/>
-              <a:t> А.В., Лам М.С., Сети Р., Ульман Д.Д. Компиляторы: принципы, технологии и инструментарий. 2 изд. // Москва, Вильямс, 2018г. </a:t>
-            </a:r>
+              <a:rPr lang="ru-RU" sz="2400" dirty="0"/>
+              <a:t>Курс ННГУ ЦСТ Высокопроизводительные вычисления для многопроцессорных многоядерных систем</a:t>
+            </a:r>
+            <a:endParaRPr lang="en-US" sz="2400" dirty="0"/>
           </a:p>
           <a:p>
             <a:pPr marL="514350" indent="-514350">
               <a:buFont typeface="+mj-lt"/>
               <a:buAutoNum type="arabicPeriod"/>
             </a:pPr>
-            <a:endParaRPr lang="ru-RU" dirty="0"/>
+            <a:r>
+              <a:rPr lang="ru-RU" sz="2400" dirty="0" err="1"/>
+              <a:t>Ахо</a:t>
+            </a:r>
+            <a:r>
+              <a:rPr lang="ru-RU" sz="2400" dirty="0"/>
+              <a:t> А.В., Лам М.С., Сети Р., Ульман Д.Д. Компиляторы: принципы, технологии и инструментарий. 2 изд. // Москва, Вильямс, 2018г. </a:t>
+            </a:r>
+            <a:endParaRPr lang="en-US" sz="2400" dirty="0"/>
+          </a:p>
+          <a:p>
+            <a:pPr marL="514350" indent="-514350">
+              <a:buFont typeface="+mj-lt"/>
+              <a:buAutoNum type="arabicPeriod"/>
+            </a:pPr>
+            <a:r>
+              <a:rPr lang="ru-RU" sz="2400" dirty="0"/>
+              <a:t>Блог </a:t>
+            </a:r>
+            <a:r>
+              <a:rPr lang="en-US" sz="2400" dirty="0"/>
+              <a:t>PVS-Studio</a:t>
+            </a:r>
+            <a:r>
+              <a:rPr lang="ru-RU" sz="2400" dirty="0"/>
+              <a:t>: </a:t>
+            </a:r>
+            <a:r>
+              <a:rPr lang="en-US" sz="2400" dirty="0">
+                <a:hlinkClick r:id="rId2"/>
+              </a:rPr>
+              <a:t>https://www.viva64.com/ru/b/</a:t>
+            </a:r>
+            <a:endParaRPr lang="ru-RU" sz="2400" dirty="0">
+              <a:hlinkClick r:id="rId3"/>
+            </a:endParaRPr>
+          </a:p>
+          <a:p>
+            <a:pPr marL="514350" indent="-514350">
+              <a:buFont typeface="+mj-lt"/>
+              <a:buAutoNum type="arabicPeriod"/>
+            </a:pPr>
+            <a:r>
+              <a:rPr lang="en-US" sz="2400"/>
+              <a:t>Professor Web, </a:t>
+            </a:r>
+            <a:r>
+              <a:rPr lang="ru-RU" sz="2400" dirty="0"/>
+              <a:t>Потоки и файлы: </a:t>
+            </a:r>
+            <a:r>
+              <a:rPr lang="en-US" sz="2400" dirty="0">
+                <a:hlinkClick r:id="rId4"/>
+              </a:rPr>
+              <a:t>https://professorweb.ru/my/csharp/thread_and_files/1/thread_index.php</a:t>
+            </a:r>
+            <a:endParaRPr lang="ru-RU" sz="2400" dirty="0"/>
           </a:p>
         </p:txBody>
       </p:sp>
@@ -3994,7 +9262,7 @@
 </p:sld>
 </file>
 
-<file path=ppt/slides/slide13.xml><?xml version="1.0" encoding="utf-8"?>
+<file path=ppt/slides/slide19.xml><?xml version="1.0" encoding="utf-8"?>
 <p:sld xmlns:a="http://schemas.openxmlformats.org/drawingml/2006/main" xmlns:r="http://schemas.openxmlformats.org/officeDocument/2006/relationships" xmlns:p="http://schemas.openxmlformats.org/presentationml/2006/main">
   <p:cSld>
     <p:spTree>
@@ -4062,8 +9330,8 @@
         </p:nvSpPr>
         <p:spPr>
           <a:xfrm>
-            <a:off x="4871126" y="1825625"/>
-            <a:ext cx="6482673" cy="4351338"/>
+            <a:off x="4949505" y="1825625"/>
+            <a:ext cx="6404294" cy="4351338"/>
           </a:xfrm>
         </p:spPr>
         <p:txBody>
@@ -4211,7 +9479,7 @@
         </p:spPr>
         <p:txBody>
           <a:bodyPr>
-            <a:normAutofit fontScale="92500" lnSpcReduction="20000"/>
+            <a:normAutofit fontScale="85000" lnSpcReduction="10000"/>
           </a:bodyPr>
           <a:lstStyle/>
           <a:p>
@@ -4241,15 +9509,23 @@
           <a:p>
             <a:r>
               <a:rPr lang="ru-RU" sz="2400" dirty="0"/>
-              <a:t>Ускорение работы (уменьшаются затраты ресурсов на переключение контекста, одновременное выполнение нескольких задач (</a:t>
+              <a:t>Ускорение работы (уменьшаются затраты ресурсов на переключение контекста, одновременное выполнение нескольких задач (больше </a:t>
             </a:r>
             <a:r>
               <a:rPr lang="en-US" sz="2400" dirty="0"/>
-              <a:t>Parallelism </a:t>
+              <a:t>Parallelism</a:t>
             </a:r>
             <a:r>
               <a:rPr lang="ru-RU" sz="2400" dirty="0"/>
-              <a:t>вместо </a:t>
+              <a:t>,</a:t>
+            </a:r>
+            <a:r>
+              <a:rPr lang="en-US" sz="2400" dirty="0"/>
+              <a:t> </a:t>
+            </a:r>
+            <a:r>
+              <a:rPr lang="ru-RU" sz="2400" dirty="0"/>
+              <a:t>меньше </a:t>
             </a:r>
             <a:r>
               <a:rPr lang="en-US" sz="2400" dirty="0"/>
@@ -4275,6 +9551,109 @@
               <a:rPr lang="ru-RU" sz="2400" dirty="0"/>
               <a:t>Физические ограничения</a:t>
             </a:r>
+            <a:r>
+              <a:rPr lang="en-US" sz="2400" dirty="0"/>
+              <a:t> (</a:t>
+            </a:r>
+            <a:r>
+              <a:rPr lang="ru-RU" sz="2400" dirty="0"/>
+              <a:t>количество тепла, которое возможно отвести с чипа, ограничено;</a:t>
+            </a:r>
+            <a:br>
+              <a:rPr lang="ru-RU" sz="2400" dirty="0"/>
+            </a:br>
+            <a:r>
+              <a:rPr lang="ru-RU" sz="2400" dirty="0"/>
+              <a:t>размер электрических компонентов нельзя уменьшать бесконечно;</a:t>
+            </a:r>
+            <a:br>
+              <a:rPr lang="ru-RU" sz="2400" dirty="0"/>
+            </a:br>
+            <a:r>
+              <a:rPr lang="ru-RU" sz="2400" dirty="0"/>
+              <a:t>площадь кристалла нельзя увеличивать бесконечно</a:t>
+            </a:r>
+            <a:r>
+              <a:rPr lang="en-US" sz="2400" dirty="0"/>
+              <a:t>)</a:t>
+            </a:r>
+            <a:br>
+              <a:rPr lang="ru-RU" sz="2400" dirty="0"/>
+            </a:br>
+            <a:r>
+              <a:rPr lang="ru-RU" sz="2400" dirty="0"/>
+              <a:t>Потребляемую мощность</a:t>
+            </a:r>
+            <a:r>
+              <a:rPr lang="en-US" sz="2400" dirty="0"/>
+              <a:t> </a:t>
+            </a:r>
+            <a:r>
+              <a:rPr lang="ru-RU" sz="2400" dirty="0"/>
+              <a:t>чипа можно оценить как</a:t>
+            </a:r>
+            <a:r>
+              <a:rPr lang="en-US" sz="2400" dirty="0"/>
+              <a:t> P = C * V^2 * F, </a:t>
+            </a:r>
+            <a:br>
+              <a:rPr lang="ru-RU" sz="2400" dirty="0"/>
+            </a:br>
+            <a:r>
+              <a:rPr lang="ru-RU" sz="2400" b="1" dirty="0"/>
+              <a:t>С</a:t>
+            </a:r>
+            <a:r>
+              <a:rPr lang="ru-RU" sz="2400" dirty="0"/>
+              <a:t> – электрическая ёмкость чипа,</a:t>
+            </a:r>
+            <a:r>
+              <a:rPr lang="en-US" sz="2400" dirty="0"/>
+              <a:t> </a:t>
+            </a:r>
+            <a:r>
+              <a:rPr lang="en-US" sz="2400" b="1" dirty="0"/>
+              <a:t>V</a:t>
+            </a:r>
+            <a:r>
+              <a:rPr lang="en-US" sz="2400" dirty="0"/>
+              <a:t> – </a:t>
+            </a:r>
+            <a:r>
+              <a:rPr lang="ru-RU" sz="2400" dirty="0"/>
+              <a:t>напряжение,</a:t>
+            </a:r>
+            <a:r>
+              <a:rPr lang="en-US" sz="2400" dirty="0"/>
+              <a:t> </a:t>
+            </a:r>
+            <a:r>
+              <a:rPr lang="en-US" sz="2400" b="1" dirty="0"/>
+              <a:t>F</a:t>
+            </a:r>
+            <a:r>
+              <a:rPr lang="en-US" sz="2400" dirty="0"/>
+              <a:t> – </a:t>
+            </a:r>
+            <a:r>
+              <a:rPr lang="ru-RU" sz="2400" dirty="0"/>
+              <a:t>тактовая частота </a:t>
+            </a:r>
+            <a:r>
+              <a:rPr lang="en-US" sz="2400" dirty="0"/>
+              <a:t>[1]</a:t>
+            </a:r>
+            <a:r>
+              <a:rPr lang="ru-RU" sz="2400" dirty="0"/>
+              <a:t>.</a:t>
+            </a:r>
+            <a:br>
+              <a:rPr lang="ru-RU" sz="2400" dirty="0"/>
+            </a:br>
+            <a:r>
+              <a:rPr lang="ru-RU" sz="2400" dirty="0"/>
+              <a:t>Повышение частоты требует повышения напряжения (степенная зависимость).</a:t>
+            </a:r>
           </a:p>
           <a:p>
             <a:r>
@@ -4293,90 +9672,6 @@
               <a:rPr lang="ru-RU" sz="2400" dirty="0"/>
               <a:t>Меньше площадь чипа - ниже себестоимость (меньший процент брака, проще техпроцесс)</a:t>
             </a:r>
-          </a:p>
-          <a:p>
-            <a:endParaRPr lang="ru-RU" sz="2400" dirty="0"/>
-          </a:p>
-          <a:p>
-            <a:pPr marL="0" indent="0">
-              <a:buNone/>
-            </a:pPr>
-            <a:r>
-              <a:rPr lang="ru-RU" sz="2400" dirty="0"/>
-              <a:t>Потребляемую мощность</a:t>
-            </a:r>
-            <a:r>
-              <a:rPr lang="en-US" sz="2400" dirty="0"/>
-              <a:t> </a:t>
-            </a:r>
-            <a:r>
-              <a:rPr lang="ru-RU" sz="2400" dirty="0"/>
-              <a:t>чипа можно оценить как</a:t>
-            </a:r>
-            <a:r>
-              <a:rPr lang="en-US" sz="2400" dirty="0"/>
-              <a:t> P = C * V^2 * F, </a:t>
-            </a:r>
-            <a:endParaRPr lang="ru-RU" sz="2400" dirty="0"/>
-          </a:p>
-          <a:p>
-            <a:pPr marL="0" indent="0">
-              <a:buNone/>
-            </a:pPr>
-            <a:r>
-              <a:rPr lang="ru-RU" sz="2400" b="1" dirty="0"/>
-              <a:t>С</a:t>
-            </a:r>
-            <a:r>
-              <a:rPr lang="ru-RU" sz="2400" dirty="0"/>
-              <a:t> – электрическая ёмкость чипа,</a:t>
-            </a:r>
-            <a:r>
-              <a:rPr lang="en-US" sz="2400" dirty="0"/>
-              <a:t> </a:t>
-            </a:r>
-            <a:r>
-              <a:rPr lang="en-US" sz="2400" b="1" dirty="0"/>
-              <a:t>V</a:t>
-            </a:r>
-            <a:r>
-              <a:rPr lang="en-US" sz="2400" dirty="0"/>
-              <a:t> – </a:t>
-            </a:r>
-            <a:r>
-              <a:rPr lang="ru-RU" sz="2400" dirty="0"/>
-              <a:t>напряжение,</a:t>
-            </a:r>
-            <a:r>
-              <a:rPr lang="en-US" sz="2400" dirty="0"/>
-              <a:t> </a:t>
-            </a:r>
-            <a:r>
-              <a:rPr lang="en-US" sz="2400" b="1" dirty="0"/>
-              <a:t>F</a:t>
-            </a:r>
-            <a:r>
-              <a:rPr lang="en-US" sz="2400" dirty="0"/>
-              <a:t> – </a:t>
-            </a:r>
-            <a:r>
-              <a:rPr lang="ru-RU" sz="2400" dirty="0"/>
-              <a:t>тактовая частота </a:t>
-            </a:r>
-            <a:r>
-              <a:rPr lang="en-US" sz="2400" dirty="0"/>
-              <a:t>[1]</a:t>
-            </a:r>
-            <a:r>
-              <a:rPr lang="ru-RU" sz="2400" dirty="0"/>
-              <a:t>.</a:t>
-            </a:r>
-          </a:p>
-          <a:p>
-            <a:pPr marL="0" indent="0">
-              <a:buNone/>
-            </a:pPr>
-            <a:endParaRPr lang="en-US" sz="2400" dirty="0"/>
           </a:p>
         </p:txBody>
       </p:sp>
@@ -4464,8 +9759,110 @@
         </p:blipFill>
         <p:spPr>
           <a:xfrm>
-            <a:off x="1004887" y="1967525"/>
+            <a:off x="1004887" y="1531297"/>
             <a:ext cx="10182225" cy="2419350"/>
+          </a:xfrm>
+          <a:prstGeom prst="rect">
+            <a:avLst/>
+          </a:prstGeom>
+        </p:spPr>
+      </p:pic>
+      <p:sp>
+        <p:nvSpPr>
+          <p:cNvPr id="2" name="TextBox 1">
+            <a:extLst>
+              <a:ext uri="{FF2B5EF4-FFF2-40B4-BE49-F238E27FC236}">
+                <a16:creationId xmlns:a16="http://schemas.microsoft.com/office/drawing/2014/main" id="{DBFE3E62-1EE5-4D96-87D7-3A6578A58E9E}"/>
+              </a:ext>
+            </a:extLst>
+          </p:cNvPr>
+          <p:cNvSpPr txBox="1"/>
+          <p:nvPr/>
+        </p:nvSpPr>
+        <p:spPr>
+          <a:xfrm>
+            <a:off x="3917659" y="2782939"/>
+            <a:ext cx="792205" cy="369332"/>
+          </a:xfrm>
+          <a:prstGeom prst="rect">
+            <a:avLst/>
+          </a:prstGeom>
+          <a:noFill/>
+        </p:spPr>
+        <p:txBody>
+          <a:bodyPr wrap="none" rtlCol="0">
+            <a:spAutoFit/>
+          </a:bodyPr>
+          <a:lstStyle/>
+          <a:p>
+            <a:r>
+              <a:rPr lang="en-US" dirty="0"/>
+              <a:t>[2,3,4]</a:t>
+            </a:r>
+            <a:endParaRPr lang="ru-RU" dirty="0"/>
+          </a:p>
+        </p:txBody>
+      </p:sp>
+      <p:sp>
+        <p:nvSpPr>
+          <p:cNvPr id="3" name="TextBox 2">
+            <a:extLst>
+              <a:ext uri="{FF2B5EF4-FFF2-40B4-BE49-F238E27FC236}">
+                <a16:creationId xmlns:a16="http://schemas.microsoft.com/office/drawing/2014/main" id="{E912D303-C586-418A-9E52-D30BFDD4934F}"/>
+              </a:ext>
+            </a:extLst>
+          </p:cNvPr>
+          <p:cNvSpPr txBox="1"/>
+          <p:nvPr/>
+        </p:nvSpPr>
+        <p:spPr>
+          <a:xfrm>
+            <a:off x="8212823" y="3053592"/>
+            <a:ext cx="617477" cy="369332"/>
+          </a:xfrm>
+          <a:prstGeom prst="rect">
+            <a:avLst/>
+          </a:prstGeom>
+          <a:noFill/>
+        </p:spPr>
+        <p:txBody>
+          <a:bodyPr wrap="none" rtlCol="0">
+            <a:spAutoFit/>
+          </a:bodyPr>
+          <a:lstStyle/>
+          <a:p>
+            <a:r>
+              <a:rPr lang="en-US" dirty="0"/>
+              <a:t>[2,5]</a:t>
+            </a:r>
+            <a:endParaRPr lang="ru-RU" dirty="0"/>
+          </a:p>
+        </p:txBody>
+      </p:sp>
+      <p:pic>
+        <p:nvPicPr>
+          <p:cNvPr id="5" name="Рисунок 4">
+            <a:extLst>
+              <a:ext uri="{FF2B5EF4-FFF2-40B4-BE49-F238E27FC236}">
+                <a16:creationId xmlns:a16="http://schemas.microsoft.com/office/drawing/2014/main" id="{674DBED3-C872-41EC-9258-98963C5D2526}"/>
+              </a:ext>
+            </a:extLst>
+          </p:cNvPr>
+          <p:cNvPicPr>
+            <a:picLocks noChangeAspect="1"/>
+          </p:cNvPicPr>
+          <p:nvPr/>
+        </p:nvPicPr>
+        <p:blipFill>
+          <a:blip r:embed="rId3"/>
+          <a:stretch>
+            <a:fillRect/>
+          </a:stretch>
+        </p:blipFill>
+        <p:spPr>
+          <a:xfrm>
+            <a:off x="6095999" y="3683375"/>
+            <a:ext cx="4007598" cy="1727523"/>
           </a:xfrm>
           <a:prstGeom prst="rect">
             <a:avLst/>
@@ -4507,7 +9904,7 @@
           <p:cNvPr id="2" name="Заголовок 1">
             <a:extLst>
               <a:ext uri="{FF2B5EF4-FFF2-40B4-BE49-F238E27FC236}">
-                <a16:creationId xmlns:a16="http://schemas.microsoft.com/office/drawing/2014/main" id="{30712BBB-A532-4666-B74A-6FAC374864BB}"/>
+                <a16:creationId xmlns:a16="http://schemas.microsoft.com/office/drawing/2014/main" id="{F3DD30ED-3B2E-4CEA-BD10-9C7E39307C6A}"/>
               </a:ext>
             </a:extLst>
           </p:cNvPr>
@@ -4520,13 +9917,28 @@
         </p:nvSpPr>
         <p:spPr/>
         <p:txBody>
-          <a:bodyPr/>
+          <a:bodyPr>
+            <a:normAutofit/>
+          </a:bodyPr>
           <a:lstStyle/>
           <a:p>
             <a:r>
-              <a:rPr lang="ru-RU" dirty="0"/>
-              <a:t>Параллелизм задач</a:t>
-            </a:r>
+              <a:rPr lang="ru-RU" sz="4000" dirty="0"/>
+              <a:t>Синхронизованный</a:t>
+            </a:r>
+            <a:r>
+              <a:rPr lang="en-US" sz="4000" dirty="0"/>
+              <a:t> (Synchronous) </a:t>
+            </a:r>
+            <a:r>
+              <a:rPr lang="ru-RU" sz="4000" dirty="0"/>
+              <a:t>параллелизм</a:t>
+            </a:r>
+            <a:r>
+              <a:rPr lang="en-US" sz="4000" dirty="0"/>
+              <a:t> </a:t>
+            </a:r>
+            <a:endParaRPr lang="ru-RU" sz="4000" dirty="0"/>
           </a:p>
         </p:txBody>
       </p:sp>
@@ -4535,7 +9947,7 @@
           <p:cNvPr id="3" name="Объект 2">
             <a:extLst>
               <a:ext uri="{FF2B5EF4-FFF2-40B4-BE49-F238E27FC236}">
-                <a16:creationId xmlns:a16="http://schemas.microsoft.com/office/drawing/2014/main" id="{898DA7E2-7505-4BC4-AFE5-794DAD99BF7B}"/>
+                <a16:creationId xmlns:a16="http://schemas.microsoft.com/office/drawing/2014/main" id="{7C26FCAA-9EF7-4CA8-8B9A-E1C9770F7B5F}"/>
               </a:ext>
             </a:extLst>
           </p:cNvPr>
@@ -4551,76 +9963,1101 @@
           <a:bodyPr/>
           <a:lstStyle/>
           <a:p>
+            <a:pPr marL="0" indent="0">
+              <a:buNone/>
+            </a:pPr>
             <a:r>
               <a:rPr lang="ru-RU" dirty="0"/>
-              <a:t>Синхронизованный / асинхронный</a:t>
+              <a:t>Параллельное выполнение нескольких программ на одном вычислителе.</a:t>
             </a:r>
           </a:p>
           <a:p>
             <a:r>
               <a:rPr lang="ru-RU" dirty="0"/>
-              <a:t>Процесс / поток (нить) / задача (волокно)</a:t>
-            </a:r>
-          </a:p>
-          <a:p>
+              <a:t>Сопрограммы (</a:t>
+            </a:r>
+            <a:r>
+              <a:rPr lang="en-US" dirty="0"/>
+              <a:t>Coroutine</a:t>
+            </a:r>
             <a:r>
               <a:rPr lang="ru-RU" dirty="0"/>
-              <a:t>Степень зернистости</a:t>
-            </a:r>
+              <a:t>)</a:t>
+            </a:r>
+          </a:p>
+          <a:p>
+            <a:pPr marL="0" indent="0">
+              <a:buNone/>
+            </a:pPr>
+            <a:r>
+              <a:rPr lang="ru-RU" b="1" dirty="0"/>
+              <a:t>Примеры</a:t>
+            </a:r>
+            <a:r>
+              <a:rPr lang="ru-RU" dirty="0"/>
+              <a:t>: генераторы в </a:t>
+            </a:r>
+            <a:r>
+              <a:rPr lang="en-US" dirty="0"/>
+              <a:t>Python</a:t>
+            </a:r>
+            <a:r>
+              <a:rPr lang="ru-RU" dirty="0"/>
+              <a:t>, </a:t>
+            </a:r>
+            <a:r>
+              <a:rPr lang="en-US" dirty="0" err="1"/>
+              <a:t>IEnumerator</a:t>
+            </a:r>
+            <a:r>
+              <a:rPr lang="ru-RU" dirty="0"/>
+              <a:t> в </a:t>
+            </a:r>
+            <a:r>
+              <a:rPr lang="en-US" dirty="0"/>
+              <a:t>C#</a:t>
+            </a:r>
+            <a:endParaRPr lang="ru-RU" dirty="0"/>
+          </a:p>
+          <a:p>
+            <a:pPr marL="0" indent="0">
+              <a:buNone/>
+            </a:pPr>
+            <a:endParaRPr lang="ru-RU" dirty="0"/>
           </a:p>
         </p:txBody>
       </p:sp>
-      <p:pic>
-        <p:nvPicPr>
-          <p:cNvPr id="1026" name="Picture 2">
+      <p:sp>
+        <p:nvSpPr>
+          <p:cNvPr id="7" name="Rectangle 4">
             <a:extLst>
               <a:ext uri="{FF2B5EF4-FFF2-40B4-BE49-F238E27FC236}">
-                <a16:creationId xmlns:a16="http://schemas.microsoft.com/office/drawing/2014/main" id="{12A2B4AF-D94E-41A0-83E2-93E5A9B5A98A}"/>
+                <a16:creationId xmlns:a16="http://schemas.microsoft.com/office/drawing/2014/main" id="{0A5491E5-EED2-4DD1-990C-A8636D1D490C}"/>
               </a:ext>
             </a:extLst>
           </p:cNvPr>
-          <p:cNvPicPr>
-            <a:picLocks noChangeAspect="1" noChangeArrowheads="1"/>
-          </p:cNvPicPr>
+          <p:cNvSpPr>
+            <a:spLocks noChangeArrowheads="1"/>
+          </p:cNvSpPr>
           <p:nvPr/>
-        </p:nvPicPr>
-        <p:blipFill>
-          <a:blip r:embed="rId2">
-            <a:extLst>
-              <a:ext uri="{28A0092B-C50C-407E-A947-70E740481C1C}">
-                <a14:useLocalDpi xmlns:a14="http://schemas.microsoft.com/office/drawing/2010/main" val="0"/>
-              </a:ext>
-            </a:extLst>
-          </a:blip>
-          <a:srcRect/>
-          <a:stretch>
-            <a:fillRect/>
-          </a:stretch>
-        </p:blipFill>
+        </p:nvSpPr>
         <p:spPr bwMode="auto">
           <a:xfrm>
-            <a:off x="6096000" y="3005435"/>
-            <a:ext cx="5257800" cy="3487439"/>
+            <a:off x="0" y="151658"/>
+            <a:ext cx="65" cy="153888"/>
           </a:xfrm>
           <a:prstGeom prst="rect">
             <a:avLst/>
           </a:prstGeom>
-          <a:noFill/>
+          <a:solidFill>
+            <a:srgbClr val="F8F8F8"/>
+          </a:solidFill>
+          <a:ln>
+            <a:noFill/>
+          </a:ln>
+          <a:effectLst/>
           <a:extLst>
-            <a:ext uri="{909E8E84-426E-40DD-AFC4-6F175D3DCCD1}">
-              <a14:hiddenFill xmlns:a14="http://schemas.microsoft.com/office/drawing/2010/main">
-                <a:solidFill>
-                  <a:srgbClr val="FFFFFF"/>
-                </a:solidFill>
-              </a14:hiddenFill>
+            <a:ext uri="{91240B29-F687-4F45-9708-019B960494DF}">
+              <a14:hiddenLine xmlns:a14="http://schemas.microsoft.com/office/drawing/2010/main" w="9525">
+                <a:solidFill>
+                  <a:schemeClr val="tx1"/>
+                </a:solidFill>
+                <a:miter lim="800000"/>
+                <a:headEnd/>
+                <a:tailEnd/>
+              </a14:hiddenLine>
+            </a:ext>
+            <a:ext uri="{AF507438-7753-43E0-B8FC-AC1667EBCBE1}">
+              <a14:hiddenEffects xmlns:a14="http://schemas.microsoft.com/office/drawing/2010/main">
+                <a:effectLst>
+                  <a:outerShdw dist="35921" dir="2700000" algn="ctr" rotWithShape="0">
+                    <a:schemeClr val="bg2"/>
+                  </a:outerShdw>
+                </a:effectLst>
+              </a14:hiddenEffects>
             </a:ext>
           </a:extLst>
         </p:spPr>
-      </p:pic>
+        <p:txBody>
+          <a:bodyPr vert="horz" wrap="none" lIns="0" tIns="0" rIns="0" bIns="0" numCol="1" anchor="ctr" anchorCtr="0" compatLnSpc="1">
+            <a:prstTxWarp prst="textNoShape">
+              <a:avLst/>
+            </a:prstTxWarp>
+            <a:spAutoFit/>
+          </a:bodyPr>
+          <a:lstStyle/>
+          <a:p>
+            <a:pPr marL="0" marR="0" lvl="0" indent="0" algn="l" defTabSz="914400" rtl="0" eaLnBrk="0" fontAlgn="base" latinLnBrk="0" hangingPunct="0">
+              <a:lnSpc>
+                <a:spcPct val="100000"/>
+              </a:lnSpc>
+              <a:spcBef>
+                <a:spcPct val="0"/>
+              </a:spcBef>
+              <a:spcAft>
+                <a:spcPct val="0"/>
+              </a:spcAft>
+              <a:buClrTx/>
+              <a:buSzTx/>
+              <a:buFontTx/>
+              <a:buNone/>
+              <a:tabLst/>
+            </a:pPr>
+            <a:endParaRPr kumimoji="0" lang="en-US" altLang="ru-RU" sz="1000" b="1" i="0" u="none" strike="noStrike" cap="none" normalizeH="0" baseline="0" dirty="0">
+              <a:ln>
+                <a:noFill/>
+              </a:ln>
+              <a:solidFill>
+                <a:srgbClr val="FF7700"/>
+              </a:solidFill>
+              <a:effectLst/>
+              <a:latin typeface="Courier New" panose="02070309020205020404" pitchFamily="49" charset="0"/>
+            </a:endParaRPr>
+          </a:p>
+        </p:txBody>
+      </p:sp>
+      <p:sp>
+        <p:nvSpPr>
+          <p:cNvPr id="8" name="Прямоугольник 7">
+            <a:extLst>
+              <a:ext uri="{FF2B5EF4-FFF2-40B4-BE49-F238E27FC236}">
+                <a16:creationId xmlns:a16="http://schemas.microsoft.com/office/drawing/2014/main" id="{9AA1BCE3-7813-4107-995D-3CCA22296FDF}"/>
+              </a:ext>
+            </a:extLst>
+          </p:cNvPr>
+          <p:cNvSpPr/>
+          <p:nvPr/>
+        </p:nvSpPr>
+        <p:spPr>
+          <a:xfrm>
+            <a:off x="5537674" y="4734182"/>
+            <a:ext cx="1902152" cy="1754326"/>
+          </a:xfrm>
+          <a:prstGeom prst="rect">
+            <a:avLst/>
+          </a:prstGeom>
+        </p:spPr>
+        <p:txBody>
+          <a:bodyPr wrap="square">
+            <a:spAutoFit/>
+          </a:bodyPr>
+          <a:lstStyle/>
+          <a:p>
+            <a:pPr lvl="0" eaLnBrk="0" fontAlgn="base" hangingPunct="0">
+              <a:spcBef>
+                <a:spcPct val="0"/>
+              </a:spcBef>
+              <a:spcAft>
+                <a:spcPct val="0"/>
+              </a:spcAft>
+            </a:pPr>
+            <a:r>
+              <a:rPr lang="ru-RU" altLang="ru-RU" b="1" dirty="0" err="1">
+                <a:solidFill>
+                  <a:srgbClr val="FF7700"/>
+                </a:solidFill>
+                <a:latin typeface="Courier New" panose="02070309020205020404" pitchFamily="49" charset="0"/>
+              </a:rPr>
+              <a:t>for</a:t>
+            </a:r>
+            <a:r>
+              <a:rPr lang="ru-RU" altLang="ru-RU" dirty="0">
+                <a:solidFill>
+                  <a:srgbClr val="222222"/>
+                </a:solidFill>
+                <a:latin typeface="Courier New" panose="02070309020205020404" pitchFamily="49" charset="0"/>
+              </a:rPr>
+              <a:t> i </a:t>
+            </a:r>
+            <a:r>
+              <a:rPr lang="ru-RU" altLang="ru-RU" b="1" dirty="0" err="1">
+                <a:solidFill>
+                  <a:srgbClr val="FF7700"/>
+                </a:solidFill>
+                <a:latin typeface="Courier New" panose="02070309020205020404" pitchFamily="49" charset="0"/>
+              </a:rPr>
+              <a:t>in</a:t>
+            </a:r>
+            <a:r>
+              <a:rPr lang="ru-RU" altLang="ru-RU" dirty="0">
+                <a:solidFill>
+                  <a:srgbClr val="222222"/>
+                </a:solidFill>
+                <a:latin typeface="Courier New" panose="02070309020205020404" pitchFamily="49" charset="0"/>
+              </a:rPr>
+              <a:t> a:</a:t>
+            </a:r>
+            <a:endParaRPr lang="en-US" altLang="ru-RU" dirty="0">
+              <a:solidFill>
+                <a:srgbClr val="222222"/>
+              </a:solidFill>
+              <a:latin typeface="Courier New" panose="02070309020205020404" pitchFamily="49" charset="0"/>
+            </a:endParaRPr>
+          </a:p>
+          <a:p>
+            <a:pPr lvl="0" eaLnBrk="0" fontAlgn="base" hangingPunct="0">
+              <a:spcBef>
+                <a:spcPct val="0"/>
+              </a:spcBef>
+              <a:spcAft>
+                <a:spcPct val="0"/>
+              </a:spcAft>
+            </a:pPr>
+            <a:r>
+              <a:rPr lang="en-US" altLang="ru-RU" dirty="0">
+                <a:solidFill>
+                  <a:srgbClr val="222222"/>
+                </a:solidFill>
+                <a:latin typeface="Courier New" panose="02070309020205020404" pitchFamily="49" charset="0"/>
+              </a:rPr>
+              <a:t>    </a:t>
+            </a:r>
+            <a:r>
+              <a:rPr lang="ru-RU" altLang="ru-RU" b="1" dirty="0" err="1">
+                <a:solidFill>
+                  <a:srgbClr val="FF7700"/>
+                </a:solidFill>
+                <a:latin typeface="Courier New" panose="02070309020205020404" pitchFamily="49" charset="0"/>
+              </a:rPr>
+              <a:t>print</a:t>
+            </a:r>
+            <a:r>
+              <a:rPr lang="ru-RU" altLang="ru-RU" dirty="0">
+                <a:solidFill>
+                  <a:srgbClr val="000000"/>
+                </a:solidFill>
+                <a:latin typeface="Courier New" panose="02070309020205020404" pitchFamily="49" charset="0"/>
+              </a:rPr>
+              <a:t>(</a:t>
+            </a:r>
+            <a:r>
+              <a:rPr lang="ru-RU" altLang="ru-RU" dirty="0">
+                <a:solidFill>
+                  <a:srgbClr val="222222"/>
+                </a:solidFill>
+                <a:latin typeface="Courier New" panose="02070309020205020404" pitchFamily="49" charset="0"/>
+              </a:rPr>
+              <a:t>i</a:t>
+            </a:r>
+            <a:r>
+              <a:rPr lang="ru-RU" altLang="ru-RU" dirty="0">
+                <a:solidFill>
+                  <a:srgbClr val="000000"/>
+                </a:solidFill>
+                <a:latin typeface="Courier New" panose="02070309020205020404" pitchFamily="49" charset="0"/>
+              </a:rPr>
+              <a:t>)</a:t>
+            </a:r>
+            <a:endParaRPr lang="en-US" altLang="ru-RU" dirty="0">
+              <a:solidFill>
+                <a:srgbClr val="000000"/>
+              </a:solidFill>
+              <a:latin typeface="Courier New" panose="02070309020205020404" pitchFamily="49" charset="0"/>
+            </a:endParaRPr>
+          </a:p>
+          <a:p>
+            <a:pPr lvl="0" eaLnBrk="0" fontAlgn="base" hangingPunct="0">
+              <a:spcBef>
+                <a:spcPct val="0"/>
+              </a:spcBef>
+              <a:spcAft>
+                <a:spcPct val="0"/>
+              </a:spcAft>
+            </a:pPr>
+            <a:endParaRPr lang="en-US" altLang="ru-RU" dirty="0">
+              <a:solidFill>
+                <a:srgbClr val="000000"/>
+              </a:solidFill>
+              <a:latin typeface="Courier New" panose="02070309020205020404" pitchFamily="49" charset="0"/>
+            </a:endParaRPr>
+          </a:p>
+          <a:p>
+            <a:pPr lvl="0" eaLnBrk="0" fontAlgn="base" hangingPunct="0">
+              <a:spcBef>
+                <a:spcPct val="0"/>
+              </a:spcBef>
+              <a:spcAft>
+                <a:spcPct val="0"/>
+              </a:spcAft>
+            </a:pPr>
+            <a:r>
+              <a:rPr lang="ru-RU" altLang="ru-RU" dirty="0">
+                <a:solidFill>
+                  <a:srgbClr val="FF4500"/>
+                </a:solidFill>
+                <a:latin typeface="Courier New" panose="02070309020205020404" pitchFamily="49" charset="0"/>
+              </a:rPr>
+              <a:t>0.33</a:t>
+            </a:r>
+            <a:endParaRPr lang="en-US" altLang="ru-RU" dirty="0">
+              <a:solidFill>
+                <a:srgbClr val="FF4500"/>
+              </a:solidFill>
+              <a:latin typeface="Courier New" panose="02070309020205020404" pitchFamily="49" charset="0"/>
+            </a:endParaRPr>
+          </a:p>
+          <a:p>
+            <a:pPr lvl="0" eaLnBrk="0" fontAlgn="base" hangingPunct="0">
+              <a:spcBef>
+                <a:spcPct val="0"/>
+              </a:spcBef>
+              <a:spcAft>
+                <a:spcPct val="0"/>
+              </a:spcAft>
+            </a:pPr>
+            <a:r>
+              <a:rPr lang="ru-RU" altLang="ru-RU" dirty="0">
+                <a:solidFill>
+                  <a:srgbClr val="FF4500"/>
+                </a:solidFill>
+                <a:latin typeface="Courier New" panose="02070309020205020404" pitchFamily="49" charset="0"/>
+              </a:rPr>
+              <a:t>0.66</a:t>
+            </a:r>
+            <a:endParaRPr lang="en-US" altLang="ru-RU" dirty="0">
+              <a:solidFill>
+                <a:srgbClr val="FF4500"/>
+              </a:solidFill>
+              <a:latin typeface="Courier New" panose="02070309020205020404" pitchFamily="49" charset="0"/>
+            </a:endParaRPr>
+          </a:p>
+          <a:p>
+            <a:pPr lvl="0" eaLnBrk="0" fontAlgn="base" hangingPunct="0">
+              <a:spcBef>
+                <a:spcPct val="0"/>
+              </a:spcBef>
+              <a:spcAft>
+                <a:spcPct val="0"/>
+              </a:spcAft>
+            </a:pPr>
+            <a:r>
+              <a:rPr lang="ru-RU" altLang="ru-RU" dirty="0">
+                <a:solidFill>
+                  <a:srgbClr val="FF4500"/>
+                </a:solidFill>
+                <a:latin typeface="Courier New" panose="02070309020205020404" pitchFamily="49" charset="0"/>
+              </a:rPr>
+              <a:t>0.99</a:t>
+            </a:r>
+            <a:r>
+              <a:rPr lang="ru-RU" altLang="ru-RU" sz="1400" dirty="0"/>
+              <a:t> </a:t>
+            </a:r>
+            <a:endParaRPr lang="ru-RU" altLang="ru-RU" sz="4000" dirty="0">
+              <a:latin typeface="Arial" panose="020B0604020202020204" pitchFamily="34" charset="0"/>
+            </a:endParaRPr>
+          </a:p>
+        </p:txBody>
+      </p:sp>
+      <p:sp>
+        <p:nvSpPr>
+          <p:cNvPr id="9" name="Прямоугольник 8">
+            <a:extLst>
+              <a:ext uri="{FF2B5EF4-FFF2-40B4-BE49-F238E27FC236}">
+                <a16:creationId xmlns:a16="http://schemas.microsoft.com/office/drawing/2014/main" id="{8DA75ED9-18D0-4D1E-8227-B7EAAD771530}"/>
+              </a:ext>
+            </a:extLst>
+          </p:cNvPr>
+          <p:cNvSpPr/>
+          <p:nvPr/>
+        </p:nvSpPr>
+        <p:spPr>
+          <a:xfrm>
+            <a:off x="838200" y="4001294"/>
+            <a:ext cx="4002280" cy="1754326"/>
+          </a:xfrm>
+          <a:prstGeom prst="rect">
+            <a:avLst/>
+          </a:prstGeom>
+        </p:spPr>
+        <p:txBody>
+          <a:bodyPr wrap="square">
+            <a:spAutoFit/>
+          </a:bodyPr>
+          <a:lstStyle/>
+          <a:p>
+            <a:pPr lvl="0" eaLnBrk="0" fontAlgn="base" hangingPunct="0">
+              <a:spcBef>
+                <a:spcPct val="0"/>
+              </a:spcBef>
+              <a:spcAft>
+                <a:spcPct val="0"/>
+              </a:spcAft>
+            </a:pPr>
+            <a:r>
+              <a:rPr lang="ru-RU" altLang="ru-RU" b="1" dirty="0" err="1">
+                <a:solidFill>
+                  <a:srgbClr val="FF7700"/>
+                </a:solidFill>
+                <a:latin typeface="Courier New" panose="02070309020205020404" pitchFamily="49" charset="0"/>
+              </a:rPr>
+              <a:t>def</a:t>
+            </a:r>
+            <a:r>
+              <a:rPr lang="ru-RU" altLang="ru-RU" dirty="0">
+                <a:solidFill>
+                  <a:srgbClr val="222222"/>
+                </a:solidFill>
+                <a:latin typeface="Courier New" panose="02070309020205020404" pitchFamily="49" charset="0"/>
+              </a:rPr>
+              <a:t> </a:t>
+            </a:r>
+            <a:r>
+              <a:rPr lang="ru-RU" altLang="ru-RU" dirty="0" err="1">
+                <a:solidFill>
+                  <a:srgbClr val="222222"/>
+                </a:solidFill>
+                <a:latin typeface="Courier New" panose="02070309020205020404" pitchFamily="49" charset="0"/>
+              </a:rPr>
+              <a:t>func</a:t>
+            </a:r>
+            <a:r>
+              <a:rPr lang="ru-RU" altLang="ru-RU" dirty="0">
+                <a:solidFill>
+                  <a:srgbClr val="000000"/>
+                </a:solidFill>
+                <a:latin typeface="Courier New" panose="02070309020205020404" pitchFamily="49" charset="0"/>
+              </a:rPr>
+              <a:t>(</a:t>
+            </a:r>
+            <a:r>
+              <a:rPr lang="ru-RU" altLang="ru-RU" dirty="0" err="1">
+                <a:solidFill>
+                  <a:srgbClr val="222222"/>
+                </a:solidFill>
+                <a:latin typeface="Courier New" panose="02070309020205020404" pitchFamily="49" charset="0"/>
+              </a:rPr>
+              <a:t>start</a:t>
+            </a:r>
+            <a:r>
+              <a:rPr lang="ru-RU" altLang="ru-RU" dirty="0">
+                <a:solidFill>
+                  <a:srgbClr val="66CC66"/>
+                </a:solidFill>
+                <a:latin typeface="Courier New" panose="02070309020205020404" pitchFamily="49" charset="0"/>
+              </a:rPr>
+              <a:t>,</a:t>
+            </a:r>
+            <a:r>
+              <a:rPr lang="ru-RU" altLang="ru-RU" dirty="0">
+                <a:solidFill>
+                  <a:srgbClr val="222222"/>
+                </a:solidFill>
+                <a:latin typeface="Courier New" panose="02070309020205020404" pitchFamily="49" charset="0"/>
+              </a:rPr>
+              <a:t> </a:t>
+            </a:r>
+            <a:r>
+              <a:rPr lang="ru-RU" altLang="ru-RU" dirty="0" err="1">
+                <a:solidFill>
+                  <a:srgbClr val="222222"/>
+                </a:solidFill>
+                <a:latin typeface="Courier New" panose="02070309020205020404" pitchFamily="49" charset="0"/>
+              </a:rPr>
+              <a:t>finish</a:t>
+            </a:r>
+            <a:r>
+              <a:rPr lang="ru-RU" altLang="ru-RU" dirty="0">
+                <a:solidFill>
+                  <a:srgbClr val="000000"/>
+                </a:solidFill>
+                <a:latin typeface="Courier New" panose="02070309020205020404" pitchFamily="49" charset="0"/>
+              </a:rPr>
+              <a:t>)</a:t>
+            </a:r>
+            <a:r>
+              <a:rPr lang="ru-RU" altLang="ru-RU" dirty="0">
+                <a:solidFill>
+                  <a:srgbClr val="222222"/>
+                </a:solidFill>
+                <a:latin typeface="Courier New" panose="02070309020205020404" pitchFamily="49" charset="0"/>
+              </a:rPr>
+              <a:t>:</a:t>
+            </a:r>
+          </a:p>
+          <a:p>
+            <a:pPr lvl="0" eaLnBrk="0" fontAlgn="base" hangingPunct="0">
+              <a:spcBef>
+                <a:spcPct val="0"/>
+              </a:spcBef>
+              <a:spcAft>
+                <a:spcPct val="0"/>
+              </a:spcAft>
+            </a:pPr>
+            <a:r>
+              <a:rPr lang="ru-RU" altLang="ru-RU" dirty="0">
+                <a:solidFill>
+                  <a:srgbClr val="222222"/>
+                </a:solidFill>
+                <a:latin typeface="Courier New" panose="02070309020205020404" pitchFamily="49" charset="0"/>
+              </a:rPr>
+              <a:t>    </a:t>
+            </a:r>
+            <a:r>
+              <a:rPr lang="ru-RU" altLang="ru-RU" b="1" dirty="0" err="1">
+                <a:solidFill>
+                  <a:srgbClr val="FF7700"/>
+                </a:solidFill>
+                <a:latin typeface="Courier New" panose="02070309020205020404" pitchFamily="49" charset="0"/>
+              </a:rPr>
+              <a:t>while</a:t>
+            </a:r>
+            <a:r>
+              <a:rPr lang="ru-RU" altLang="ru-RU" dirty="0">
+                <a:solidFill>
+                  <a:srgbClr val="222222"/>
+                </a:solidFill>
+                <a:latin typeface="Courier New" panose="02070309020205020404" pitchFamily="49" charset="0"/>
+              </a:rPr>
+              <a:t> </a:t>
+            </a:r>
+            <a:r>
+              <a:rPr lang="ru-RU" altLang="ru-RU" dirty="0" err="1">
+                <a:solidFill>
+                  <a:srgbClr val="222222"/>
+                </a:solidFill>
+                <a:latin typeface="Courier New" panose="02070309020205020404" pitchFamily="49" charset="0"/>
+              </a:rPr>
+              <a:t>start</a:t>
+            </a:r>
+            <a:r>
+              <a:rPr lang="ru-RU" altLang="ru-RU" dirty="0">
+                <a:solidFill>
+                  <a:srgbClr val="222222"/>
+                </a:solidFill>
+                <a:latin typeface="Courier New" panose="02070309020205020404" pitchFamily="49" charset="0"/>
+              </a:rPr>
+              <a:t> </a:t>
+            </a:r>
+            <a:r>
+              <a:rPr lang="ru-RU" altLang="ru-RU" dirty="0">
+                <a:solidFill>
+                  <a:srgbClr val="66CC66"/>
+                </a:solidFill>
+                <a:latin typeface="Courier New" panose="02070309020205020404" pitchFamily="49" charset="0"/>
+              </a:rPr>
+              <a:t>&lt;</a:t>
+            </a:r>
+            <a:r>
+              <a:rPr lang="ru-RU" altLang="ru-RU" dirty="0">
+                <a:solidFill>
+                  <a:srgbClr val="222222"/>
+                </a:solidFill>
+                <a:latin typeface="Courier New" panose="02070309020205020404" pitchFamily="49" charset="0"/>
+              </a:rPr>
+              <a:t> </a:t>
+            </a:r>
+            <a:r>
+              <a:rPr lang="ru-RU" altLang="ru-RU" dirty="0" err="1">
+                <a:solidFill>
+                  <a:srgbClr val="222222"/>
+                </a:solidFill>
+                <a:latin typeface="Courier New" panose="02070309020205020404" pitchFamily="49" charset="0"/>
+              </a:rPr>
+              <a:t>finish</a:t>
+            </a:r>
+            <a:r>
+              <a:rPr lang="ru-RU" altLang="ru-RU" dirty="0">
+                <a:solidFill>
+                  <a:srgbClr val="222222"/>
+                </a:solidFill>
+                <a:latin typeface="Courier New" panose="02070309020205020404" pitchFamily="49" charset="0"/>
+              </a:rPr>
+              <a:t>:</a:t>
+            </a:r>
+          </a:p>
+          <a:p>
+            <a:pPr lvl="0" eaLnBrk="0" fontAlgn="base" hangingPunct="0">
+              <a:spcBef>
+                <a:spcPct val="0"/>
+              </a:spcBef>
+              <a:spcAft>
+                <a:spcPct val="0"/>
+              </a:spcAft>
+            </a:pPr>
+            <a:r>
+              <a:rPr lang="ru-RU" altLang="ru-RU" dirty="0">
+                <a:solidFill>
+                  <a:srgbClr val="222222"/>
+                </a:solidFill>
+                <a:latin typeface="Courier New" panose="02070309020205020404" pitchFamily="49" charset="0"/>
+              </a:rPr>
+              <a:t>        </a:t>
+            </a:r>
+            <a:r>
+              <a:rPr lang="ru-RU" altLang="ru-RU" b="1" dirty="0" err="1">
+                <a:solidFill>
+                  <a:srgbClr val="FF7700"/>
+                </a:solidFill>
+                <a:latin typeface="Courier New" panose="02070309020205020404" pitchFamily="49" charset="0"/>
+              </a:rPr>
+              <a:t>yield</a:t>
+            </a:r>
+            <a:r>
+              <a:rPr lang="ru-RU" altLang="ru-RU" dirty="0">
+                <a:solidFill>
+                  <a:srgbClr val="222222"/>
+                </a:solidFill>
+                <a:latin typeface="Courier New" panose="02070309020205020404" pitchFamily="49" charset="0"/>
+              </a:rPr>
+              <a:t> </a:t>
+            </a:r>
+            <a:r>
+              <a:rPr lang="ru-RU" altLang="ru-RU" dirty="0" err="1">
+                <a:solidFill>
+                  <a:srgbClr val="222222"/>
+                </a:solidFill>
+                <a:latin typeface="Courier New" panose="02070309020205020404" pitchFamily="49" charset="0"/>
+              </a:rPr>
+              <a:t>start</a:t>
+            </a:r>
+            <a:r>
+              <a:rPr lang="ru-RU" altLang="ru-RU" dirty="0">
+                <a:solidFill>
+                  <a:srgbClr val="222222"/>
+                </a:solidFill>
+                <a:latin typeface="Courier New" panose="02070309020205020404" pitchFamily="49" charset="0"/>
+              </a:rPr>
+              <a:t> * </a:t>
+            </a:r>
+            <a:r>
+              <a:rPr lang="ru-RU" altLang="ru-RU" dirty="0">
+                <a:solidFill>
+                  <a:srgbClr val="FF4500"/>
+                </a:solidFill>
+                <a:latin typeface="Courier New" panose="02070309020205020404" pitchFamily="49" charset="0"/>
+              </a:rPr>
+              <a:t>0.33</a:t>
+            </a:r>
+          </a:p>
+          <a:p>
+            <a:pPr lvl="0" eaLnBrk="0" fontAlgn="base" hangingPunct="0">
+              <a:spcBef>
+                <a:spcPct val="0"/>
+              </a:spcBef>
+              <a:spcAft>
+                <a:spcPct val="0"/>
+              </a:spcAft>
+            </a:pPr>
+            <a:r>
+              <a:rPr lang="ru-RU" altLang="ru-RU" dirty="0">
+                <a:solidFill>
+                  <a:srgbClr val="FF4500"/>
+                </a:solidFill>
+                <a:latin typeface="Courier New" panose="02070309020205020404" pitchFamily="49" charset="0"/>
+              </a:rPr>
+              <a:t>        </a:t>
+            </a:r>
+            <a:r>
+              <a:rPr lang="ru-RU" altLang="ru-RU" dirty="0" err="1">
+                <a:solidFill>
+                  <a:srgbClr val="000000"/>
+                </a:solidFill>
+                <a:latin typeface="Courier New" panose="02070309020205020404" pitchFamily="49" charset="0"/>
+              </a:rPr>
+              <a:t>start</a:t>
+            </a:r>
+            <a:r>
+              <a:rPr lang="ru-RU" altLang="ru-RU" dirty="0">
+                <a:solidFill>
+                  <a:srgbClr val="222222"/>
+                </a:solidFill>
+                <a:latin typeface="Courier New" panose="02070309020205020404" pitchFamily="49" charset="0"/>
+              </a:rPr>
+              <a:t> +</a:t>
+            </a:r>
+            <a:r>
+              <a:rPr lang="ru-RU" altLang="ru-RU" dirty="0">
+                <a:solidFill>
+                  <a:srgbClr val="66CC66"/>
+                </a:solidFill>
+                <a:latin typeface="Courier New" panose="02070309020205020404" pitchFamily="49" charset="0"/>
+              </a:rPr>
+              <a:t>=</a:t>
+            </a:r>
+            <a:r>
+              <a:rPr lang="ru-RU" altLang="ru-RU" dirty="0">
+                <a:solidFill>
+                  <a:srgbClr val="222222"/>
+                </a:solidFill>
+                <a:latin typeface="Courier New" panose="02070309020205020404" pitchFamily="49" charset="0"/>
+              </a:rPr>
+              <a:t> </a:t>
+            </a:r>
+            <a:r>
+              <a:rPr lang="ru-RU" altLang="ru-RU" dirty="0">
+                <a:solidFill>
+                  <a:srgbClr val="FF4500"/>
+                </a:solidFill>
+                <a:latin typeface="Courier New" panose="02070309020205020404" pitchFamily="49" charset="0"/>
+              </a:rPr>
+              <a:t>1</a:t>
+            </a:r>
+          </a:p>
+          <a:p>
+            <a:pPr lvl="0" eaLnBrk="0" fontAlgn="base" hangingPunct="0">
+              <a:spcBef>
+                <a:spcPct val="0"/>
+              </a:spcBef>
+              <a:spcAft>
+                <a:spcPct val="0"/>
+              </a:spcAft>
+            </a:pPr>
+            <a:endParaRPr lang="ru-RU" altLang="ru-RU" dirty="0">
+              <a:solidFill>
+                <a:srgbClr val="222222"/>
+              </a:solidFill>
+              <a:latin typeface="Courier New" panose="02070309020205020404" pitchFamily="49" charset="0"/>
+            </a:endParaRPr>
+          </a:p>
+          <a:p>
+            <a:pPr lvl="0" eaLnBrk="0" fontAlgn="base" hangingPunct="0">
+              <a:spcBef>
+                <a:spcPct val="0"/>
+              </a:spcBef>
+              <a:spcAft>
+                <a:spcPct val="0"/>
+              </a:spcAft>
+            </a:pPr>
+            <a:r>
+              <a:rPr lang="ru-RU" altLang="ru-RU" dirty="0">
+                <a:solidFill>
+                  <a:srgbClr val="222222"/>
+                </a:solidFill>
+                <a:latin typeface="Courier New" panose="02070309020205020404" pitchFamily="49" charset="0"/>
+              </a:rPr>
+              <a:t>a </a:t>
+            </a:r>
+            <a:r>
+              <a:rPr lang="ru-RU" altLang="ru-RU" dirty="0">
+                <a:solidFill>
+                  <a:srgbClr val="66CC66"/>
+                </a:solidFill>
+                <a:latin typeface="Courier New" panose="02070309020205020404" pitchFamily="49" charset="0"/>
+              </a:rPr>
+              <a:t>=</a:t>
+            </a:r>
+            <a:r>
+              <a:rPr lang="ru-RU" altLang="ru-RU" dirty="0">
+                <a:solidFill>
+                  <a:srgbClr val="222222"/>
+                </a:solidFill>
+                <a:latin typeface="Courier New" panose="02070309020205020404" pitchFamily="49" charset="0"/>
+              </a:rPr>
+              <a:t> </a:t>
+            </a:r>
+            <a:r>
+              <a:rPr lang="ru-RU" altLang="ru-RU" dirty="0" err="1">
+                <a:solidFill>
+                  <a:srgbClr val="222222"/>
+                </a:solidFill>
+                <a:latin typeface="Courier New" panose="02070309020205020404" pitchFamily="49" charset="0"/>
+              </a:rPr>
+              <a:t>func</a:t>
+            </a:r>
+            <a:r>
+              <a:rPr lang="ru-RU" altLang="ru-RU" dirty="0">
+                <a:solidFill>
+                  <a:srgbClr val="000000"/>
+                </a:solidFill>
+                <a:latin typeface="Courier New" panose="02070309020205020404" pitchFamily="49" charset="0"/>
+              </a:rPr>
+              <a:t>(</a:t>
+            </a:r>
+            <a:r>
+              <a:rPr lang="ru-RU" altLang="ru-RU" dirty="0">
+                <a:solidFill>
+                  <a:srgbClr val="FF4500"/>
+                </a:solidFill>
+                <a:latin typeface="Courier New" panose="02070309020205020404" pitchFamily="49" charset="0"/>
+              </a:rPr>
+              <a:t>1</a:t>
+            </a:r>
+            <a:r>
+              <a:rPr lang="ru-RU" altLang="ru-RU" dirty="0">
+                <a:solidFill>
+                  <a:srgbClr val="66CC66"/>
+                </a:solidFill>
+                <a:latin typeface="Courier New" panose="02070309020205020404" pitchFamily="49" charset="0"/>
+              </a:rPr>
+              <a:t>,</a:t>
+            </a:r>
+            <a:r>
+              <a:rPr lang="ru-RU" altLang="ru-RU" dirty="0">
+                <a:solidFill>
+                  <a:srgbClr val="222222"/>
+                </a:solidFill>
+                <a:latin typeface="Courier New" panose="02070309020205020404" pitchFamily="49" charset="0"/>
+              </a:rPr>
+              <a:t> </a:t>
+            </a:r>
+            <a:r>
+              <a:rPr lang="ru-RU" altLang="ru-RU" dirty="0">
+                <a:solidFill>
+                  <a:srgbClr val="FF4500"/>
+                </a:solidFill>
+                <a:latin typeface="Courier New" panose="02070309020205020404" pitchFamily="49" charset="0"/>
+              </a:rPr>
+              <a:t>4</a:t>
+            </a:r>
+            <a:r>
+              <a:rPr lang="ru-RU" altLang="ru-RU" dirty="0">
+                <a:solidFill>
+                  <a:srgbClr val="000000"/>
+                </a:solidFill>
+                <a:latin typeface="Courier New" panose="02070309020205020404" pitchFamily="49" charset="0"/>
+              </a:rPr>
+              <a:t>)</a:t>
+            </a:r>
+          </a:p>
+        </p:txBody>
+      </p:sp>
+      <p:sp>
+        <p:nvSpPr>
+          <p:cNvPr id="10" name="Прямоугольник 9">
+            <a:extLst>
+              <a:ext uri="{FF2B5EF4-FFF2-40B4-BE49-F238E27FC236}">
+                <a16:creationId xmlns:a16="http://schemas.microsoft.com/office/drawing/2014/main" id="{915FEC9F-F308-4E67-877A-799C21562772}"/>
+              </a:ext>
+            </a:extLst>
+          </p:cNvPr>
+          <p:cNvSpPr/>
+          <p:nvPr/>
+        </p:nvSpPr>
+        <p:spPr>
+          <a:xfrm>
+            <a:off x="5537674" y="3957281"/>
+            <a:ext cx="5816125" cy="646331"/>
+          </a:xfrm>
+          <a:prstGeom prst="rect">
+            <a:avLst/>
+          </a:prstGeom>
+        </p:spPr>
+        <p:txBody>
+          <a:bodyPr wrap="square">
+            <a:spAutoFit/>
+          </a:bodyPr>
+          <a:lstStyle/>
+          <a:p>
+            <a:pPr lvl="0" eaLnBrk="0" fontAlgn="base" hangingPunct="0">
+              <a:spcBef>
+                <a:spcPct val="0"/>
+              </a:spcBef>
+              <a:spcAft>
+                <a:spcPct val="0"/>
+              </a:spcAft>
+            </a:pPr>
+            <a:r>
+              <a:rPr lang="en-US" altLang="ru-RU" dirty="0">
+                <a:solidFill>
+                  <a:srgbClr val="222222"/>
+                </a:solidFill>
+                <a:latin typeface="Courier New" panose="02070309020205020404" pitchFamily="49" charset="0"/>
+              </a:rPr>
+              <a:t>print(</a:t>
+            </a:r>
+            <a:r>
+              <a:rPr lang="ru-RU" altLang="ru-RU" dirty="0">
+                <a:solidFill>
+                  <a:srgbClr val="222222"/>
+                </a:solidFill>
+                <a:latin typeface="Courier New" panose="02070309020205020404" pitchFamily="49" charset="0"/>
+              </a:rPr>
+              <a:t>a</a:t>
+            </a:r>
+            <a:r>
+              <a:rPr lang="en-US" altLang="ru-RU" dirty="0">
+                <a:solidFill>
+                  <a:srgbClr val="222222"/>
+                </a:solidFill>
+                <a:latin typeface="Courier New" panose="02070309020205020404" pitchFamily="49" charset="0"/>
+              </a:rPr>
+              <a:t>)</a:t>
+            </a:r>
+            <a:endParaRPr lang="ru-RU" altLang="ru-RU" dirty="0">
+              <a:solidFill>
+                <a:srgbClr val="222222"/>
+              </a:solidFill>
+              <a:latin typeface="Courier New" panose="02070309020205020404" pitchFamily="49" charset="0"/>
+            </a:endParaRPr>
+          </a:p>
+          <a:p>
+            <a:pPr lvl="0" eaLnBrk="0" fontAlgn="base" hangingPunct="0">
+              <a:spcBef>
+                <a:spcPct val="0"/>
+              </a:spcBef>
+              <a:spcAft>
+                <a:spcPct val="0"/>
+              </a:spcAft>
+            </a:pPr>
+            <a:r>
+              <a:rPr lang="ru-RU" altLang="ru-RU" dirty="0">
+                <a:solidFill>
+                  <a:srgbClr val="66CC66"/>
+                </a:solidFill>
+                <a:latin typeface="Courier New" panose="02070309020205020404" pitchFamily="49" charset="0"/>
+              </a:rPr>
+              <a:t>&lt;</a:t>
+            </a:r>
+            <a:r>
+              <a:rPr lang="ru-RU" altLang="ru-RU" dirty="0" err="1">
+                <a:solidFill>
+                  <a:srgbClr val="222222"/>
+                </a:solidFill>
+                <a:latin typeface="Courier New" panose="02070309020205020404" pitchFamily="49" charset="0"/>
+              </a:rPr>
+              <a:t>generator</a:t>
+            </a:r>
+            <a:r>
+              <a:rPr lang="ru-RU" altLang="ru-RU" dirty="0">
+                <a:solidFill>
+                  <a:srgbClr val="222222"/>
+                </a:solidFill>
+                <a:latin typeface="Courier New" panose="02070309020205020404" pitchFamily="49" charset="0"/>
+              </a:rPr>
+              <a:t> </a:t>
+            </a:r>
+            <a:r>
+              <a:rPr lang="ru-RU" altLang="ru-RU" dirty="0" err="1">
+                <a:solidFill>
+                  <a:srgbClr val="008000"/>
+                </a:solidFill>
+                <a:latin typeface="Courier New" panose="02070309020205020404" pitchFamily="49" charset="0"/>
+              </a:rPr>
+              <a:t>object</a:t>
+            </a:r>
+            <a:r>
+              <a:rPr lang="ru-RU" altLang="ru-RU" dirty="0">
+                <a:solidFill>
+                  <a:srgbClr val="222222"/>
+                </a:solidFill>
+                <a:latin typeface="Courier New" panose="02070309020205020404" pitchFamily="49" charset="0"/>
+              </a:rPr>
+              <a:t> </a:t>
+            </a:r>
+            <a:r>
+              <a:rPr lang="ru-RU" altLang="ru-RU" dirty="0" err="1">
+                <a:solidFill>
+                  <a:srgbClr val="222222"/>
+                </a:solidFill>
+                <a:latin typeface="Courier New" panose="02070309020205020404" pitchFamily="49" charset="0"/>
+              </a:rPr>
+              <a:t>func</a:t>
+            </a:r>
+            <a:r>
+              <a:rPr lang="ru-RU" altLang="ru-RU" dirty="0">
+                <a:solidFill>
+                  <a:srgbClr val="222222"/>
+                </a:solidFill>
+                <a:latin typeface="Courier New" panose="02070309020205020404" pitchFamily="49" charset="0"/>
+              </a:rPr>
+              <a:t> at </a:t>
+            </a:r>
+            <a:r>
+              <a:rPr lang="ru-RU" altLang="ru-RU" dirty="0">
+                <a:solidFill>
+                  <a:srgbClr val="FF4500"/>
+                </a:solidFill>
+                <a:latin typeface="Courier New" panose="02070309020205020404" pitchFamily="49" charset="0"/>
+              </a:rPr>
+              <a:t>0x7efc88787a50</a:t>
+            </a:r>
+            <a:r>
+              <a:rPr lang="ru-RU" altLang="ru-RU" dirty="0">
+                <a:solidFill>
+                  <a:srgbClr val="66CC66"/>
+                </a:solidFill>
+                <a:latin typeface="Courier New" panose="02070309020205020404" pitchFamily="49" charset="0"/>
+              </a:rPr>
+              <a:t>&gt;</a:t>
+            </a:r>
+            <a:endParaRPr lang="en-US" altLang="ru-RU" dirty="0">
+              <a:solidFill>
+                <a:srgbClr val="66CC66"/>
+              </a:solidFill>
+              <a:latin typeface="Courier New" panose="02070309020205020404" pitchFamily="49" charset="0"/>
+            </a:endParaRPr>
+          </a:p>
+        </p:txBody>
+      </p:sp>
+      <p:cxnSp>
+        <p:nvCxnSpPr>
+          <p:cNvPr id="12" name="Прямая соединительная линия 11">
+            <a:extLst>
+              <a:ext uri="{FF2B5EF4-FFF2-40B4-BE49-F238E27FC236}">
+                <a16:creationId xmlns:a16="http://schemas.microsoft.com/office/drawing/2014/main" id="{5A0C5167-21F2-4A46-926B-58D8DCA71E42}"/>
+              </a:ext>
+            </a:extLst>
+          </p:cNvPr>
+          <p:cNvCxnSpPr>
+            <a:cxnSpLocks/>
+          </p:cNvCxnSpPr>
+          <p:nvPr/>
+        </p:nvCxnSpPr>
+        <p:spPr>
+          <a:xfrm>
+            <a:off x="5042019" y="3879791"/>
+            <a:ext cx="0" cy="2608717"/>
+          </a:xfrm>
+          <a:prstGeom prst="line">
+            <a:avLst/>
+          </a:prstGeom>
+        </p:spPr>
+        <p:style>
+          <a:lnRef idx="1">
+            <a:schemeClr val="dk1"/>
+          </a:lnRef>
+          <a:fillRef idx="0">
+            <a:schemeClr val="dk1"/>
+          </a:fillRef>
+          <a:effectRef idx="0">
+            <a:schemeClr val="dk1"/>
+          </a:effectRef>
+          <a:fontRef idx="minor">
+            <a:schemeClr val="tx1"/>
+          </a:fontRef>
+        </p:style>
+      </p:cxnSp>
+      <p:cxnSp>
+        <p:nvCxnSpPr>
+          <p:cNvPr id="15" name="Прямая соединительная линия 14">
+            <a:extLst>
+              <a:ext uri="{FF2B5EF4-FFF2-40B4-BE49-F238E27FC236}">
+                <a16:creationId xmlns:a16="http://schemas.microsoft.com/office/drawing/2014/main" id="{6FE0B1EB-8A0D-459A-82BB-A9EE96C29FC0}"/>
+              </a:ext>
+            </a:extLst>
+          </p:cNvPr>
+          <p:cNvCxnSpPr/>
+          <p:nvPr/>
+        </p:nvCxnSpPr>
+        <p:spPr>
+          <a:xfrm>
+            <a:off x="5042019" y="4603612"/>
+            <a:ext cx="6460620" cy="0"/>
+          </a:xfrm>
+          <a:prstGeom prst="line">
+            <a:avLst/>
+          </a:prstGeom>
+        </p:spPr>
+        <p:style>
+          <a:lnRef idx="1">
+            <a:schemeClr val="dk1"/>
+          </a:lnRef>
+          <a:fillRef idx="0">
+            <a:schemeClr val="dk1"/>
+          </a:fillRef>
+          <a:effectRef idx="0">
+            <a:schemeClr val="dk1"/>
+          </a:effectRef>
+          <a:fontRef idx="minor">
+            <a:schemeClr val="tx1"/>
+          </a:fontRef>
+        </p:style>
+      </p:cxnSp>
     </p:spTree>
     <p:extLst>
       <p:ext uri="{BB962C8B-B14F-4D97-AF65-F5344CB8AC3E}">
-        <p14:creationId xmlns:p14="http://schemas.microsoft.com/office/powerpoint/2010/main" val="3103166455"/>
+        <p14:creationId xmlns:p14="http://schemas.microsoft.com/office/powerpoint/2010/main" val="1326299821"/>
       </p:ext>
     </p:extLst>
   </p:cSld>
@@ -4649,10 +11086,227 @@
       </p:grpSpPr>
       <p:sp>
         <p:nvSpPr>
+          <p:cNvPr id="10" name="Заголовок 9">
+            <a:extLst>
+              <a:ext uri="{FF2B5EF4-FFF2-40B4-BE49-F238E27FC236}">
+                <a16:creationId xmlns:a16="http://schemas.microsoft.com/office/drawing/2014/main" id="{0EF07135-04C6-4E8C-9208-5E88AAE1675A}"/>
+              </a:ext>
+            </a:extLst>
+          </p:cNvPr>
+          <p:cNvSpPr>
+            <a:spLocks noGrp="1"/>
+          </p:cNvSpPr>
+          <p:nvPr>
+            <p:ph type="title"/>
+          </p:nvPr>
+        </p:nvSpPr>
+        <p:spPr>
+          <a:xfrm>
+            <a:off x="838199" y="591627"/>
+            <a:ext cx="10515599" cy="834501"/>
+          </a:xfrm>
+        </p:spPr>
+        <p:txBody>
+          <a:bodyPr/>
+          <a:lstStyle/>
+          <a:p>
+            <a:r>
+              <a:rPr lang="ru-RU" dirty="0"/>
+              <a:t>Асинхронный </a:t>
+            </a:r>
+            <a:r>
+              <a:rPr lang="en-US" dirty="0"/>
+              <a:t>(Asynchronous) </a:t>
+            </a:r>
+            <a:r>
+              <a:rPr lang="ru-RU" dirty="0"/>
+              <a:t>параллелизм</a:t>
+            </a:r>
+          </a:p>
+        </p:txBody>
+      </p:sp>
+      <p:sp>
+        <p:nvSpPr>
+          <p:cNvPr id="5" name="Объект 2">
+            <a:extLst>
+              <a:ext uri="{FF2B5EF4-FFF2-40B4-BE49-F238E27FC236}">
+                <a16:creationId xmlns:a16="http://schemas.microsoft.com/office/drawing/2014/main" id="{D9AE239F-D76F-4864-B257-02422C608FF7}"/>
+              </a:ext>
+            </a:extLst>
+          </p:cNvPr>
+          <p:cNvSpPr>
+            <a:spLocks noGrp="1"/>
+          </p:cNvSpPr>
+          <p:nvPr>
+            <p:ph idx="1"/>
+          </p:nvPr>
+        </p:nvSpPr>
+        <p:spPr>
+          <a:xfrm>
+            <a:off x="838200" y="2474751"/>
+            <a:ext cx="10515600" cy="3702211"/>
+          </a:xfrm>
+        </p:spPr>
+        <p:txBody>
+          <a:bodyPr>
+            <a:normAutofit/>
+          </a:bodyPr>
+          <a:lstStyle/>
+          <a:p>
+            <a:r>
+              <a:rPr lang="ru-RU" dirty="0"/>
+              <a:t>Процесс</a:t>
+            </a:r>
+            <a:r>
+              <a:rPr lang="en-US" dirty="0"/>
+              <a:t> (</a:t>
+            </a:r>
+            <a:r>
+              <a:rPr lang="ru-RU" dirty="0"/>
+              <a:t>служба</a:t>
+            </a:r>
+            <a:r>
+              <a:rPr lang="en-US" dirty="0"/>
+              <a:t>) </a:t>
+            </a:r>
+            <a:r>
+              <a:rPr lang="ru-RU" dirty="0"/>
+              <a:t>/ поток (нить) / задача (волокно)</a:t>
+            </a:r>
+            <a:br>
+              <a:rPr lang="en-US" dirty="0"/>
+            </a:br>
+            <a:r>
+              <a:rPr lang="ru-RU" dirty="0"/>
+              <a:t>   </a:t>
+            </a:r>
+            <a:r>
+              <a:rPr lang="en-US" dirty="0"/>
+              <a:t>Process (service) / </a:t>
+            </a:r>
+            <a:r>
+              <a:rPr lang="ru-RU" dirty="0"/>
+              <a:t>      </a:t>
+            </a:r>
+            <a:r>
+              <a:rPr lang="en-US" dirty="0"/>
+              <a:t>thread </a:t>
+            </a:r>
+            <a:r>
+              <a:rPr lang="ru-RU" dirty="0"/>
+              <a:t>     </a:t>
+            </a:r>
+            <a:r>
+              <a:rPr lang="en-US" dirty="0"/>
+              <a:t>/</a:t>
+            </a:r>
+            <a:r>
+              <a:rPr lang="ru-RU" dirty="0"/>
+              <a:t> </a:t>
+            </a:r>
+            <a:r>
+              <a:rPr lang="en-US" dirty="0"/>
+              <a:t>task</a:t>
+            </a:r>
+            <a:r>
+              <a:rPr lang="ru-RU" dirty="0"/>
+              <a:t> (</a:t>
+            </a:r>
+            <a:r>
+              <a:rPr lang="en-US" dirty="0"/>
+              <a:t>fiber</a:t>
+            </a:r>
+            <a:r>
+              <a:rPr lang="ru-RU" dirty="0"/>
+              <a:t>)</a:t>
+            </a:r>
+          </a:p>
+          <a:p>
+            <a:r>
+              <a:rPr lang="ru-RU" dirty="0"/>
+              <a:t>Степень зернистости (</a:t>
+            </a:r>
+            <a:r>
+              <a:rPr lang="en-US" dirty="0"/>
+              <a:t>Granularity</a:t>
+            </a:r>
+            <a:r>
+              <a:rPr lang="ru-RU" dirty="0"/>
+              <a:t>)</a:t>
+            </a:r>
+            <a:endParaRPr lang="en-US" dirty="0"/>
+          </a:p>
+          <a:p>
+            <a:r>
+              <a:rPr lang="en-US" dirty="0"/>
+              <a:t>Concurrency</a:t>
+            </a:r>
+            <a:r>
+              <a:rPr lang="ru-RU" dirty="0"/>
+              <a:t> / </a:t>
+            </a:r>
+            <a:r>
+              <a:rPr lang="en-US" dirty="0"/>
+              <a:t>Parallelism</a:t>
+            </a:r>
+            <a:r>
+              <a:rPr lang="ru-RU" dirty="0"/>
+              <a:t> </a:t>
+            </a:r>
+            <a:br>
+              <a:rPr lang="en-US" dirty="0"/>
+            </a:br>
+            <a:r>
+              <a:rPr lang="en-US" dirty="0"/>
+              <a:t>(</a:t>
+            </a:r>
+            <a:r>
+              <a:rPr lang="ru-RU" dirty="0"/>
+              <a:t>используют разделяемые ресурсы или нет</a:t>
+            </a:r>
+            <a:r>
+              <a:rPr lang="en-US" dirty="0"/>
+              <a:t>)</a:t>
+            </a:r>
+          </a:p>
+        </p:txBody>
+      </p:sp>
+    </p:spTree>
+    <p:extLst>
+      <p:ext uri="{BB962C8B-B14F-4D97-AF65-F5344CB8AC3E}">
+        <p14:creationId xmlns:p14="http://schemas.microsoft.com/office/powerpoint/2010/main" val="3797102991"/>
+      </p:ext>
+    </p:extLst>
+  </p:cSld>
+  <p:clrMapOvr>
+    <a:masterClrMapping/>
+  </p:clrMapOvr>
+</p:sld>
+</file>
+
+<file path=ppt/slides/slide6.xml><?xml version="1.0" encoding="utf-8"?>
+<p:sld xmlns:a="http://schemas.openxmlformats.org/drawingml/2006/main" xmlns:r="http://schemas.openxmlformats.org/officeDocument/2006/relationships" xmlns:p="http://schemas.openxmlformats.org/presentationml/2006/main">
+  <p:cSld>
+    <p:spTree>
+      <p:nvGrpSpPr>
+        <p:cNvPr id="1" name=""/>
+        <p:cNvGrpSpPr/>
+        <p:nvPr/>
+      </p:nvGrpSpPr>
+      <p:grpSpPr>
+        <a:xfrm>
+          <a:off x="0" y="0"/>
+          <a:ext cx="0" cy="0"/>
+          <a:chOff x="0" y="0"/>
+          <a:chExt cx="0" cy="0"/>
+        </a:xfrm>
+      </p:grpSpPr>
+      <p:sp>
+        <p:nvSpPr>
           <p:cNvPr id="2" name="Заголовок 1">
             <a:extLst>
               <a:ext uri="{FF2B5EF4-FFF2-40B4-BE49-F238E27FC236}">
-                <a16:creationId xmlns:a16="http://schemas.microsoft.com/office/drawing/2014/main" id="{F3DD30ED-3B2E-4CEA-BD10-9C7E39307C6A}"/>
+                <a16:creationId xmlns:a16="http://schemas.microsoft.com/office/drawing/2014/main" id="{914181A7-D9FB-4468-8FEE-A2E62D05F6A8}"/>
               </a:ext>
             </a:extLst>
           </p:cNvPr>
@@ -4670,7 +11324,7 @@
           <a:p>
             <a:r>
               <a:rPr lang="ru-RU" dirty="0"/>
-              <a:t>Синхронизованный параллелизм</a:t>
+              <a:t>Замедление</a:t>
             </a:r>
           </a:p>
         </p:txBody>
@@ -4680,7 +11334,7 @@
           <p:cNvPr id="3" name="Объект 2">
             <a:extLst>
               <a:ext uri="{FF2B5EF4-FFF2-40B4-BE49-F238E27FC236}">
-                <a16:creationId xmlns:a16="http://schemas.microsoft.com/office/drawing/2014/main" id="{7C26FCAA-9EF7-4CA8-8B9A-E1C9770F7B5F}"/>
+                <a16:creationId xmlns:a16="http://schemas.microsoft.com/office/drawing/2014/main" id="{9B3D3A57-952B-4B2B-9FF9-4D4ECB507837}"/>
               </a:ext>
             </a:extLst>
           </p:cNvPr>
@@ -4691,64 +11345,95 @@
             <p:ph idx="1"/>
           </p:nvPr>
         </p:nvSpPr>
-        <p:spPr/>
+        <p:spPr>
+          <a:xfrm>
+            <a:off x="7793372" y="1825625"/>
+            <a:ext cx="4060272" cy="4351338"/>
+          </a:xfrm>
+        </p:spPr>
         <p:txBody>
-          <a:bodyPr/>
+          <a:bodyPr>
+            <a:noAutofit/>
+          </a:bodyPr>
           <a:lstStyle/>
-          <a:p>
-            <a:r>
-              <a:rPr lang="ru-RU" dirty="0"/>
-              <a:t>Сопрограммы (</a:t>
-            </a:r>
-            <a:r>
-              <a:rPr lang="en-US" dirty="0"/>
-              <a:t>Coroutine</a:t>
-            </a:r>
-            <a:r>
-              <a:rPr lang="ru-RU" dirty="0"/>
-              <a:t>)</a:t>
-            </a:r>
-          </a:p>
           <a:p>
             <a:pPr marL="0" indent="0">
               <a:buNone/>
             </a:pPr>
             <a:r>
-              <a:rPr lang="ru-RU" b="1" dirty="0"/>
-              <a:t>Примеры</a:t>
-            </a:r>
-            <a:r>
               <a:rPr lang="ru-RU" dirty="0"/>
-              <a:t>: генераторы в </a:t>
-            </a:r>
-            <a:r>
-              <a:rPr lang="en-US" dirty="0"/>
-              <a:t>Python</a:t>
-            </a:r>
-            <a:r>
+              <a:t>При увеличении количества подзадач,</a:t>
+            </a:r>
+            <a:br>
               <a:rPr lang="ru-RU" dirty="0"/>
-              <a:t>, </a:t>
-            </a:r>
-            <a:r>
-              <a:rPr lang="en-US" dirty="0" err="1"/>
-              <a:t>IEnumerator</a:t>
-            </a:r>
+            </a:br>
             <a:r>
               <a:rPr lang="ru-RU" dirty="0"/>
-              <a:t> в </a:t>
-            </a:r>
-            <a:r>
-              <a:rPr lang="en-US" dirty="0"/>
-              <a:t>C#</a:t>
-            </a:r>
-            <a:endParaRPr lang="ru-RU" dirty="0"/>
+              <a:t>на которые распараллеливается алгоритм, увеличиваются накладные расходы на управление задачами.</a:t>
+            </a:r>
+          </a:p>
+          <a:p>
+            <a:pPr marL="0" indent="0">
+              <a:buNone/>
+            </a:pPr>
+            <a:r>
+              <a:rPr lang="ru-RU" dirty="0"/>
+              <a:t>В определённый момент будет получено замедление вычислений вместо ускорения.</a:t>
+            </a:r>
           </a:p>
         </p:txBody>
       </p:sp>
+      <p:pic>
+        <p:nvPicPr>
+          <p:cNvPr id="4" name="Picture 2">
+            <a:extLst>
+              <a:ext uri="{FF2B5EF4-FFF2-40B4-BE49-F238E27FC236}">
+                <a16:creationId xmlns:a16="http://schemas.microsoft.com/office/drawing/2014/main" id="{CB1F502B-CE34-423D-AAE4-9774741C694B}"/>
+              </a:ext>
+            </a:extLst>
+          </p:cNvPr>
+          <p:cNvPicPr>
+            <a:picLocks noChangeAspect="1" noChangeArrowheads="1"/>
+          </p:cNvPicPr>
+          <p:nvPr/>
+        </p:nvPicPr>
+        <p:blipFill>
+          <a:blip r:embed="rId2">
+            <a:extLst>
+              <a:ext uri="{28A0092B-C50C-407E-A947-70E740481C1C}">
+                <a14:useLocalDpi xmlns:a14="http://schemas.microsoft.com/office/drawing/2010/main" val="0"/>
+              </a:ext>
+            </a:extLst>
+          </a:blip>
+          <a:srcRect/>
+          <a:stretch>
+            <a:fillRect/>
+          </a:stretch>
+        </p:blipFill>
+        <p:spPr bwMode="auto">
+          <a:xfrm>
+            <a:off x="838200" y="1825625"/>
+            <a:ext cx="6560248" cy="4351338"/>
+          </a:xfrm>
+          <a:prstGeom prst="rect">
+            <a:avLst/>
+          </a:prstGeom>
+          <a:noFill/>
+          <a:extLst>
+            <a:ext uri="{909E8E84-426E-40DD-AFC4-6F175D3DCCD1}">
+              <a14:hiddenFill xmlns:a14="http://schemas.microsoft.com/office/drawing/2010/main">
+                <a:solidFill>
+                  <a:srgbClr val="FFFFFF"/>
+                </a:solidFill>
+              </a14:hiddenFill>
+            </a:ext>
+          </a:extLst>
+        </p:spPr>
+      </p:pic>
     </p:spTree>
     <p:extLst>
       <p:ext uri="{BB962C8B-B14F-4D97-AF65-F5344CB8AC3E}">
-        <p14:creationId xmlns:p14="http://schemas.microsoft.com/office/powerpoint/2010/main" val="1326299821"/>
+        <p14:creationId xmlns:p14="http://schemas.microsoft.com/office/powerpoint/2010/main" val="310449465"/>
       </p:ext>
     </p:extLst>
   </p:cSld>
@@ -4758,7 +11443,7 @@
 </p:sld>
 </file>
 
-<file path=ppt/slides/slide6.xml><?xml version="1.0" encoding="utf-8"?>
+<file path=ppt/slides/slide7.xml><?xml version="1.0" encoding="utf-8"?>
 <p:sld xmlns:a="http://schemas.openxmlformats.org/drawingml/2006/main" xmlns:r="http://schemas.openxmlformats.org/officeDocument/2006/relationships" xmlns:p="http://schemas.openxmlformats.org/presentationml/2006/main">
   <p:cSld>
     <p:spTree>
@@ -4790,14 +11475,14 @@
           <p:nvPr>
             <p:extLst>
               <p:ext uri="{D42A27DB-BD31-4B8C-83A1-F6EECF244321}">
-                <p14:modId xmlns:p14="http://schemas.microsoft.com/office/powerpoint/2010/main" val="3707254902"/>
+                <p14:modId xmlns:p14="http://schemas.microsoft.com/office/powerpoint/2010/main" val="475705508"/>
               </p:ext>
             </p:extLst>
           </p:nvPr>
         </p:nvGraphicFramePr>
         <p:xfrm>
-          <a:off x="838201" y="1392572"/>
-          <a:ext cx="10515600" cy="4317864"/>
+          <a:off x="496867" y="1438508"/>
+          <a:ext cx="11198255" cy="5174533"/>
         </p:xfrm>
         <a:graphic>
           <a:graphicData uri="http://schemas.openxmlformats.org/drawingml/2006/table">
@@ -4806,14 +11491,14 @@
                 <a:tableStyleId>{5C22544A-7EE6-4342-B048-85BDC9FD1C3A}</a:tableStyleId>
               </a:tblPr>
               <a:tblGrid>
-                <a:gridCol w="2525784">
+                <a:gridCol w="2582551">
                   <a:extLst>
                     <a:ext uri="{9D8B030D-6E8A-4147-A177-3AD203B41FA5}">
                       <a16:colId xmlns:a16="http://schemas.microsoft.com/office/drawing/2014/main" val="3182628359"/>
                     </a:ext>
                   </a:extLst>
                 </a:gridCol>
-                <a:gridCol w="7989816">
+                <a:gridCol w="8615704">
                   <a:extLst>
                     <a:ext uri="{9D8B030D-6E8A-4147-A177-3AD203B41FA5}">
                       <a16:colId xmlns:a16="http://schemas.microsoft.com/office/drawing/2014/main" val="3452425742"/>
@@ -4871,7 +11556,7 @@
                   </a:ext>
                 </a:extLst>
               </a:tr>
-              <a:tr h="1378676">
+              <a:tr h="1215345">
                 <a:tc>
                   <a:txBody>
                     <a:bodyPr/>
@@ -4915,6 +11600,46 @@
                         <a:rPr lang="ru-RU" dirty="0"/>
                         <a:t>Блокировки</a:t>
                       </a:r>
+                      <a:r>
+                        <a:rPr lang="en-US" dirty="0"/>
+                        <a:t> (</a:t>
+                      </a:r>
+                      <a:r>
+                        <a:rPr lang="en-US" b="1" dirty="0"/>
+                        <a:t>Mutex</a:t>
+                      </a:r>
+                      <a:r>
+                        <a:rPr lang="en-US" dirty="0"/>
+                        <a:t>, </a:t>
+                      </a:r>
+                      <a:r>
+                        <a:rPr lang="en-US" b="1" dirty="0"/>
+                        <a:t>Semaphore</a:t>
+                      </a:r>
+                      <a:r>
+                        <a:rPr lang="en-US" dirty="0"/>
+                        <a:t>, </a:t>
+                      </a:r>
+                      <a:r>
+                        <a:rPr lang="en-US" b="1" dirty="0"/>
+                        <a:t>Monitor</a:t>
+                      </a:r>
+                      <a:r>
+                        <a:rPr lang="en-US" dirty="0"/>
+                        <a:t>, </a:t>
+                      </a:r>
+                      <a:r>
+                        <a:rPr lang="en-US" b="1" dirty="0"/>
+                        <a:t>Lock</a:t>
+                      </a:r>
+                      <a:r>
+                        <a:rPr lang="en-US" dirty="0"/>
+                        <a:t>)</a:t>
+                      </a:r>
+                      <a:r>
+                        <a:rPr lang="ru-RU" dirty="0"/>
+                        <a:t> (критическая секция)</a:t>
+                      </a:r>
                     </a:p>
                     <a:p>
                       <a:pPr marL="285750" indent="-285750">
@@ -4925,6 +11650,27 @@
                         <a:rPr lang="ru-RU" dirty="0"/>
                         <a:t>Барьеры</a:t>
                       </a:r>
+                      <a:r>
+                        <a:rPr lang="en-US" dirty="0"/>
+                        <a:t> (</a:t>
+                      </a:r>
+                      <a:r>
+                        <a:rPr lang="en-US" b="1" dirty="0"/>
+                        <a:t>Barrier</a:t>
+                      </a:r>
+                      <a:r>
+                        <a:rPr lang="en-US" dirty="0"/>
+                        <a:t>) (</a:t>
+                      </a:r>
+                      <a:r>
+                        <a:rPr lang="ru-RU" dirty="0"/>
+                        <a:t>точка синхронизации</a:t>
+                      </a:r>
+                      <a:r>
+                        <a:rPr lang="en-US" dirty="0"/>
+                        <a:t>)</a:t>
+                      </a:r>
+                      <a:endParaRPr lang="ru-RU" dirty="0"/>
                     </a:p>
                     <a:p>
                       <a:pPr marL="285750" marR="0" lvl="0" indent="-285750" algn="l" defTabSz="914400" rtl="0" eaLnBrk="1" fontAlgn="auto" latinLnBrk="0" hangingPunct="1">
@@ -4946,26 +11692,50 @@
                       </a:pPr>
                       <a:r>
                         <a:rPr lang="ru-RU" dirty="0"/>
-                        <a:t>Атомарные операции (</a:t>
+                        <a:t>Атомарные операции</a:t>
+                      </a:r>
+                      <a:endParaRPr lang="en-US" dirty="0"/>
+                    </a:p>
+                    <a:p>
+                      <a:pPr marL="0" marR="0" lvl="0" indent="0" algn="l" defTabSz="914400" rtl="0" eaLnBrk="1" fontAlgn="auto" latinLnBrk="0" hangingPunct="1">
+                        <a:lnSpc>
+                          <a:spcPct val="100000"/>
+                        </a:lnSpc>
+                        <a:spcBef>
+                          <a:spcPts val="0"/>
+                        </a:spcBef>
+                        <a:spcAft>
+                          <a:spcPts val="0"/>
+                        </a:spcAft>
+                        <a:buClrTx/>
+                        <a:buSzTx/>
+                        <a:buFont typeface="Arial" panose="020B0604020202020204" pitchFamily="34" charset="0"/>
+                        <a:buNone/>
+                        <a:tabLst/>
+                        <a:defRPr/>
+                      </a:pPr>
+                      <a:r>
+                        <a:rPr lang="ru-RU" dirty="0"/>
+                        <a:t>(</a:t>
                       </a:r>
                       <a:r>
-                        <a:rPr lang="en-US" dirty="0"/>
-                        <a:t>load-link</a:t>
+                        <a:rPr lang="en-US" b="1" dirty="0"/>
+                        <a:t>Load-link</a:t>
                       </a:r>
                       <a:r>
                         <a:rPr lang="ru-RU" dirty="0"/>
                         <a:t>, </a:t>
                       </a:r>
                       <a:r>
-                        <a:rPr lang="en-US" dirty="0"/>
-                        <a:t>store-conditional</a:t>
+                        <a:rPr lang="en-US" b="1" dirty="0"/>
+                        <a:t>Store-conditional</a:t>
                       </a:r>
                       <a:r>
                         <a:rPr lang="ru-RU" dirty="0"/>
                         <a:t>, </a:t>
                       </a:r>
                       <a:r>
-                        <a:rPr lang="en-US" sz="1800" b="0" i="0" kern="1200" dirty="0">
+                        <a:rPr lang="en-US" sz="1800" b="1" i="0" kern="1200" dirty="0">
                           <a:solidFill>
                             <a:schemeClr val="dk1"/>
                           </a:solidFill>
@@ -4989,7 +11759,7 @@
                         <a:t>, </a:t>
                       </a:r>
                       <a:r>
-                        <a:rPr lang="en-US" sz="1800" b="0" i="0" kern="1200" dirty="0">
+                        <a:rPr lang="en-US" sz="1800" b="1" i="0" kern="1200" dirty="0">
                           <a:solidFill>
                             <a:schemeClr val="dk1"/>
                           </a:solidFill>
@@ -5013,7 +11783,7 @@
                         <a:t>, </a:t>
                       </a:r>
                       <a:r>
-                        <a:rPr lang="en-US" sz="1800" b="0" i="0" kern="1200" dirty="0">
+                        <a:rPr lang="en-US" sz="1800" b="1" i="0" kern="1200" dirty="0">
                           <a:solidFill>
                             <a:schemeClr val="dk1"/>
                           </a:solidFill>
@@ -5030,17 +11800,42 @@
                       </a:r>
                     </a:p>
                     <a:p>
-                      <a:pPr marL="285750" indent="-285750">
+                      <a:pPr marL="285750" marR="0" lvl="0" indent="-285750" algn="l" defTabSz="914400" rtl="0" eaLnBrk="1" fontAlgn="auto" latinLnBrk="0" hangingPunct="1">
+                        <a:lnSpc>
+                          <a:spcPct val="100000"/>
+                        </a:lnSpc>
+                        <a:spcBef>
+                          <a:spcPts val="0"/>
+                        </a:spcBef>
+                        <a:spcAft>
+                          <a:spcPts val="0"/>
+                        </a:spcAft>
+                        <a:buClrTx/>
+                        <a:buSzTx/>
                         <a:buFont typeface="Arial" panose="020B0604020202020204" pitchFamily="34" charset="0"/>
                         <a:buChar char="•"/>
+                        <a:tabLst/>
+                        <a:defRPr/>
                       </a:pPr>
                       <a:r>
-                        <a:rPr lang="en-US" dirty="0"/>
-                        <a:t>Lock-free </a:t>
+                        <a:rPr lang="ru-RU" dirty="0"/>
+                        <a:t>Конкурентные структуры данных (</a:t>
+                      </a:r>
+                      <a:r>
+                        <a:rPr lang="en-US" dirty="0" err="1"/>
+                        <a:t>ConcurrentStack</a:t>
                       </a:r>
                       <a:r>
                         <a:rPr lang="ru-RU" dirty="0"/>
-                        <a:t>алгоритмы</a:t>
+                        <a:t>, </a:t>
+                      </a:r>
+                      <a:r>
+                        <a:rPr lang="en-US" dirty="0" err="1"/>
+                        <a:t>ConcurrentQueue</a:t>
+                      </a:r>
+                      <a:r>
+                        <a:rPr lang="ru-RU" dirty="0"/>
+                        <a:t> и т.п.)</a:t>
                       </a:r>
                     </a:p>
                   </a:txBody>
@@ -5052,7 +11847,7 @@
                   </a:ext>
                 </a:extLst>
               </a:tr>
-              <a:tr h="1655614">
+              <a:tr h="1482954">
                 <a:tc>
                   <a:txBody>
                     <a:bodyPr/>
@@ -5079,6 +11874,27 @@
                         <a:rPr lang="ru-RU" dirty="0"/>
                         <a:t>Передача делегатов</a:t>
                       </a:r>
+                      <a:r>
+                        <a:rPr lang="en-US" dirty="0"/>
+                        <a:t> (</a:t>
+                      </a:r>
+                      <a:r>
+                        <a:rPr lang="en-US" b="1" dirty="0"/>
+                        <a:t>Delegate</a:t>
+                      </a:r>
+                      <a:r>
+                        <a:rPr lang="en-US" dirty="0"/>
+                        <a:t>/</a:t>
+                      </a:r>
+                      <a:r>
+                        <a:rPr lang="en-US" b="1" dirty="0"/>
+                        <a:t>Functional interface</a:t>
+                      </a:r>
+                      <a:r>
+                        <a:rPr lang="en-US" dirty="0"/>
+                        <a:t>)</a:t>
+                      </a:r>
+                      <a:endParaRPr lang="ru-RU" dirty="0"/>
                     </a:p>
                     <a:p>
                       <a:pPr marL="285750" indent="-285750">
@@ -5169,6 +11985,19 @@
                         <a:rPr lang="ru-RU" dirty="0"/>
                         <a:t>Отправка сообщений</a:t>
                       </a:r>
+                      <a:r>
+                        <a:rPr lang="en-US" dirty="0"/>
+                        <a:t> (</a:t>
+                      </a:r>
+                      <a:r>
+                        <a:rPr lang="en-US" b="1" dirty="0"/>
+                        <a:t>Message</a:t>
+                      </a:r>
+                      <a:r>
+                        <a:rPr lang="en-US" dirty="0"/>
+                        <a:t>)</a:t>
+                      </a:r>
+                      <a:endParaRPr lang="ru-RU" dirty="0"/>
                     </a:p>
                   </a:txBody>
                   <a:tcPr/>
@@ -5212,10 +12041,8 @@
                           <a:ea typeface="+mn-ea"/>
                           <a:cs typeface="+mn-cs"/>
                         </a:rPr>
-                        <a:t>Планирование</a:t>
+                        <a:t>Планирование выполнения задач</a:t>
                       </a:r>
-                    </a:p>
-                    <a:p>
                       <a:endParaRPr lang="ru-RU" dirty="0"/>
                     </a:p>
                   </a:txBody>
@@ -5240,7 +12067,11 @@
                       </a:r>
                       <a:r>
                         <a:rPr lang="ru-RU" dirty="0"/>
-                        <a:t>Например, пул потоков</a:t>
+                        <a:t>Например, </a:t>
+                      </a:r>
+                      <a:r>
+                        <a:rPr lang="en-US" b="1" dirty="0" err="1"/>
+                        <a:t>ThreadPool</a:t>
                       </a:r>
                       <a:r>
                         <a:rPr lang="en-US" dirty="0"/>
@@ -5267,6 +12098,106 @@
                   </a:ext>
                 </a:extLst>
               </a:tr>
+              <a:tr h="559130">
+                <a:tc>
+                  <a:txBody>
+                    <a:bodyPr/>
+                    <a:lstStyle/>
+                    <a:p>
+                      <a:r>
+                        <a:rPr lang="ru-RU" dirty="0"/>
+                        <a:t>Отмена/приостановка задач</a:t>
+                      </a:r>
+                    </a:p>
+                  </a:txBody>
+                  <a:tcPr/>
+                </a:tc>
+                <a:tc>
+                  <a:txBody>
+                    <a:bodyPr/>
+                    <a:lstStyle/>
+                    <a:p>
+                      <a:pPr marL="0" marR="0" lvl="0" indent="0" algn="l" defTabSz="914400" rtl="0" eaLnBrk="1" fontAlgn="auto" latinLnBrk="0" hangingPunct="1">
+                        <a:lnSpc>
+                          <a:spcPct val="100000"/>
+                        </a:lnSpc>
+                        <a:spcBef>
+                          <a:spcPts val="0"/>
+                        </a:spcBef>
+                        <a:spcAft>
+                          <a:spcPts val="0"/>
+                        </a:spcAft>
+                        <a:buClrTx/>
+                        <a:buSzTx/>
+                        <a:buFont typeface="Arial" panose="020B0604020202020204" pitchFamily="34" charset="0"/>
+                        <a:buNone/>
+                        <a:tabLst/>
+                        <a:defRPr/>
+                      </a:pPr>
+                      <a:r>
+                        <a:rPr lang="ru-RU" dirty="0"/>
+                        <a:t>Как правило аварийная остановка потоков запрещена в нормальном режиме работы программы и отмена/приостановка задач должна контролироваться программистом.</a:t>
+                      </a:r>
+                    </a:p>
+                  </a:txBody>
+                  <a:tcPr/>
+                </a:tc>
+                <a:extLst>
+                  <a:ext uri="{0D108BD9-81ED-4DB2-BD59-A6C34878D82A}">
+                    <a16:rowId xmlns:a16="http://schemas.microsoft.com/office/drawing/2014/main" val="1043964641"/>
+                  </a:ext>
+                </a:extLst>
+              </a:tr>
+              <a:tr h="389249">
+                <a:tc>
+                  <a:txBody>
+                    <a:bodyPr/>
+                    <a:lstStyle/>
+                    <a:p>
+                      <a:r>
+                        <a:rPr lang="ru-RU" dirty="0"/>
+                        <a:t>Обработка исключений</a:t>
+                      </a:r>
+                    </a:p>
+                  </a:txBody>
+                  <a:tcPr/>
+                </a:tc>
+                <a:tc>
+                  <a:txBody>
+                    <a:bodyPr/>
+                    <a:lstStyle/>
+                    <a:p>
+                      <a:pPr marL="0" marR="0" lvl="0" indent="0" algn="l" defTabSz="914400" rtl="0" eaLnBrk="1" fontAlgn="auto" latinLnBrk="0" hangingPunct="1">
+                        <a:lnSpc>
+                          <a:spcPct val="100000"/>
+                        </a:lnSpc>
+                        <a:spcBef>
+                          <a:spcPts val="0"/>
+                        </a:spcBef>
+                        <a:spcAft>
+                          <a:spcPts val="0"/>
+                        </a:spcAft>
+                        <a:buClrTx/>
+                        <a:buSzTx/>
+                        <a:buFont typeface="Arial" panose="020B0604020202020204" pitchFamily="34" charset="0"/>
+                        <a:buNone/>
+                        <a:tabLst/>
+                        <a:defRPr/>
+                      </a:pPr>
+                      <a:r>
+                        <a:rPr lang="ru-RU" dirty="0"/>
+                        <a:t>Исключения можно поймать только из того потока, в котором они возникают.</a:t>
+                      </a:r>
+                    </a:p>
+                  </a:txBody>
+                  <a:tcPr/>
+                </a:tc>
+                <a:extLst>
+                  <a:ext uri="{0D108BD9-81ED-4DB2-BD59-A6C34878D82A}">
+                    <a16:rowId xmlns:a16="http://schemas.microsoft.com/office/drawing/2014/main" val="3826296943"/>
+                  </a:ext>
+                </a:extLst>
+              </a:tr>
             </a:tbl>
           </a:graphicData>
         </a:graphic>
@@ -5289,7 +12220,7 @@
         </p:nvSpPr>
         <p:spPr>
           <a:xfrm>
-            <a:off x="838200" y="365125"/>
+            <a:off x="838194" y="327171"/>
             <a:ext cx="10515599" cy="834501"/>
           </a:xfrm>
         </p:spPr>
@@ -5299,7 +12230,7 @@
           <a:p>
             <a:r>
               <a:rPr lang="ru-RU" dirty="0"/>
-              <a:t>Асинхронный параллелизм</a:t>
+              <a:t>Проблемы асинхронного параллелизма</a:t>
             </a:r>
           </a:p>
         </p:txBody>
@@ -5307,259 +12238,7 @@
     </p:spTree>
     <p:extLst>
       <p:ext uri="{BB962C8B-B14F-4D97-AF65-F5344CB8AC3E}">
-        <p14:creationId xmlns:p14="http://schemas.microsoft.com/office/powerpoint/2010/main" val="3797102991"/>
-      </p:ext>
-    </p:extLst>
-  </p:cSld>
-  <p:clrMapOvr>
-    <a:masterClrMapping/>
-  </p:clrMapOvr>
-</p:sld>
-</file>
-
-<file path=ppt/slides/slide7.xml><?xml version="1.0" encoding="utf-8"?>
-<p:sld xmlns:a="http://schemas.openxmlformats.org/drawingml/2006/main" xmlns:r="http://schemas.openxmlformats.org/officeDocument/2006/relationships" xmlns:p="http://schemas.openxmlformats.org/presentationml/2006/main">
-  <p:cSld>
-    <p:spTree>
-      <p:nvGrpSpPr>
-        <p:cNvPr id="1" name=""/>
-        <p:cNvGrpSpPr/>
-        <p:nvPr/>
-      </p:nvGrpSpPr>
-      <p:grpSpPr>
-        <a:xfrm>
-          <a:off x="0" y="0"/>
-          <a:ext cx="0" cy="0"/>
-          <a:chOff x="0" y="0"/>
-          <a:chExt cx="0" cy="0"/>
-        </a:xfrm>
-      </p:grpSpPr>
-      <p:sp>
-        <p:nvSpPr>
-          <p:cNvPr id="2" name="Заголовок 1">
-            <a:extLst>
-              <a:ext uri="{FF2B5EF4-FFF2-40B4-BE49-F238E27FC236}">
-                <a16:creationId xmlns:a16="http://schemas.microsoft.com/office/drawing/2014/main" id="{647E9CAD-FB62-4ECF-AD5B-F4FB7AB515CF}"/>
-              </a:ext>
-            </a:extLst>
-          </p:cNvPr>
-          <p:cNvSpPr>
-            <a:spLocks noGrp="1"/>
-          </p:cNvSpPr>
-          <p:nvPr>
-            <p:ph type="title"/>
-          </p:nvPr>
-        </p:nvSpPr>
-        <p:spPr>
-          <a:xfrm>
-            <a:off x="838199" y="365125"/>
-            <a:ext cx="10738607" cy="1325563"/>
-          </a:xfrm>
-        </p:spPr>
-        <p:txBody>
-          <a:bodyPr>
-            <a:normAutofit/>
-          </a:bodyPr>
-          <a:lstStyle/>
-          <a:p>
-            <a:r>
-              <a:rPr lang="ru-RU" dirty="0"/>
-              <a:t>Передача делегатов</a:t>
-            </a:r>
-            <a:r>
-              <a:rPr lang="en-US" dirty="0"/>
-              <a:t> </a:t>
-            </a:r>
-            <a:br>
-              <a:rPr lang="en-US" dirty="0"/>
-            </a:br>
-            <a:r>
-              <a:rPr lang="en-US" dirty="0"/>
-              <a:t>(</a:t>
-            </a:r>
-            <a:r>
-              <a:rPr lang="en-US" b="1" dirty="0"/>
-              <a:t>Delegate</a:t>
-            </a:r>
-            <a:r>
-              <a:rPr lang="en-US" dirty="0"/>
-              <a:t>/</a:t>
-            </a:r>
-            <a:r>
-              <a:rPr lang="en-US" b="1" dirty="0"/>
-              <a:t>Functional interface</a:t>
-            </a:r>
-            <a:r>
-              <a:rPr lang="en-US" dirty="0"/>
-              <a:t>)</a:t>
-            </a:r>
-            <a:endParaRPr lang="ru-RU" dirty="0"/>
-          </a:p>
-        </p:txBody>
-      </p:sp>
-      <p:sp>
-        <p:nvSpPr>
-          <p:cNvPr id="3" name="Объект 2">
-            <a:extLst>
-              <a:ext uri="{FF2B5EF4-FFF2-40B4-BE49-F238E27FC236}">
-                <a16:creationId xmlns:a16="http://schemas.microsoft.com/office/drawing/2014/main" id="{D9171A42-EB29-4826-87D4-0086EC1F9028}"/>
-              </a:ext>
-            </a:extLst>
-          </p:cNvPr>
-          <p:cNvSpPr>
-            <a:spLocks noGrp="1"/>
-          </p:cNvSpPr>
-          <p:nvPr>
-            <p:ph idx="1"/>
-          </p:nvPr>
-        </p:nvSpPr>
-        <p:spPr/>
-        <p:txBody>
-          <a:bodyPr>
-            <a:normAutofit fontScale="85000" lnSpcReduction="20000"/>
-          </a:bodyPr>
-          <a:lstStyle/>
-          <a:p>
-            <a:pPr marL="0" indent="0">
-              <a:buNone/>
-            </a:pPr>
-            <a:r>
-              <a:rPr lang="ru-RU" dirty="0"/>
-              <a:t>Применяется когда для каждого использования асинхронного                          метода требуется уникальная реакция на события.</a:t>
-            </a:r>
-          </a:p>
-          <a:p>
-            <a:pPr marL="0" indent="0">
-              <a:buNone/>
-            </a:pPr>
-            <a:r>
-              <a:rPr lang="ru-RU" dirty="0"/>
-              <a:t>Можно встретить понятие </a:t>
-            </a:r>
-            <a:r>
-              <a:rPr lang="en-US" b="1" dirty="0"/>
-              <a:t>Continuation-passing style </a:t>
-            </a:r>
-            <a:r>
-              <a:rPr lang="ru-RU" b="1" dirty="0"/>
-              <a:t>(</a:t>
-            </a:r>
-            <a:r>
-              <a:rPr lang="en-US" b="1" dirty="0"/>
-              <a:t>CPS</a:t>
-            </a:r>
-            <a:r>
-              <a:rPr lang="en-US" dirty="0"/>
-              <a:t>) </a:t>
-            </a:r>
-            <a:r>
-              <a:rPr lang="ru-RU" dirty="0"/>
-              <a:t>- передача продолжений.</a:t>
-            </a:r>
-          </a:p>
-          <a:p>
-            <a:pPr marL="0" indent="0">
-              <a:buNone/>
-            </a:pPr>
-            <a:r>
-              <a:rPr lang="ru-RU" b="1" dirty="0"/>
-              <a:t>Плюсы</a:t>
-            </a:r>
-            <a:r>
-              <a:rPr lang="ru-RU" dirty="0"/>
-              <a:t>:</a:t>
-            </a:r>
-          </a:p>
-          <a:p>
-            <a:r>
-              <a:rPr lang="ru-RU" dirty="0"/>
-              <a:t>не блокируется основной поток</a:t>
-            </a:r>
-          </a:p>
-          <a:p>
-            <a:pPr marL="0" indent="0">
-              <a:buNone/>
-            </a:pPr>
-            <a:r>
-              <a:rPr lang="ru-RU" b="1" dirty="0"/>
-              <a:t>Минусы</a:t>
-            </a:r>
-            <a:r>
-              <a:rPr lang="ru-RU" dirty="0"/>
-              <a:t>: </a:t>
-            </a:r>
-          </a:p>
-          <a:p>
-            <a:r>
-              <a:rPr lang="ru-RU" dirty="0"/>
-              <a:t>выполняются в том же потоке что и асинхронная задача (зависит от реализации)</a:t>
-            </a:r>
-          </a:p>
-          <a:p>
-            <a:r>
-              <a:rPr lang="ru-RU" dirty="0"/>
-              <a:t>как правило медленнее прямого исполнения кода (использование механизмов рефлексии, если компилятор не смог/не стал по каким либо причинам оптимизировать код)</a:t>
-            </a:r>
-          </a:p>
-          <a:p>
-            <a:r>
-              <a:rPr lang="ru-RU" dirty="0"/>
-              <a:t>усложняется чтение кода при описании делегата «на месте»</a:t>
-            </a:r>
-          </a:p>
-        </p:txBody>
-      </p:sp>
-      <p:pic>
-        <p:nvPicPr>
-          <p:cNvPr id="9218" name="Picture 2">
-            <a:extLst>
-              <a:ext uri="{FF2B5EF4-FFF2-40B4-BE49-F238E27FC236}">
-                <a16:creationId xmlns:a16="http://schemas.microsoft.com/office/drawing/2014/main" id="{6B3E0485-C349-4DC6-8AB9-A1669C61AFC3}"/>
-              </a:ext>
-            </a:extLst>
-          </p:cNvPr>
-          <p:cNvPicPr>
-            <a:picLocks noChangeAspect="1" noChangeArrowheads="1"/>
-          </p:cNvPicPr>
-          <p:nvPr/>
-        </p:nvPicPr>
-        <p:blipFill>
-          <a:blip r:embed="rId2">
-            <a:extLst>
-              <a:ext uri="{28A0092B-C50C-407E-A947-70E740481C1C}">
-                <a14:useLocalDpi xmlns:a14="http://schemas.microsoft.com/office/drawing/2010/main" val="0"/>
-              </a:ext>
-            </a:extLst>
-          </a:blip>
-          <a:srcRect/>
-          <a:stretch>
-            <a:fillRect/>
-          </a:stretch>
-        </p:blipFill>
-        <p:spPr bwMode="auto">
-          <a:xfrm>
-            <a:off x="9085277" y="365125"/>
-            <a:ext cx="2491530" cy="1661998"/>
-          </a:xfrm>
-          <a:prstGeom prst="rect">
-            <a:avLst/>
-          </a:prstGeom>
-          <a:noFill/>
-          <a:extLst>
-            <a:ext uri="{909E8E84-426E-40DD-AFC4-6F175D3DCCD1}">
-              <a14:hiddenFill xmlns:a14="http://schemas.microsoft.com/office/drawing/2010/main">
-                <a:solidFill>
-                  <a:srgbClr val="FFFFFF"/>
-                </a:solidFill>
-              </a14:hiddenFill>
-            </a:ext>
-          </a:extLst>
-        </p:spPr>
-      </p:pic>
-    </p:spTree>
-    <p:extLst>
-      <p:ext uri="{BB962C8B-B14F-4D97-AF65-F5344CB8AC3E}">
-        <p14:creationId xmlns:p14="http://schemas.microsoft.com/office/powerpoint/2010/main" val="4168123649"/>
+        <p14:creationId xmlns:p14="http://schemas.microsoft.com/office/powerpoint/2010/main" val="3114207206"/>
       </p:ext>
     </p:extLst>
   </p:cSld>
@@ -5591,7 +12270,7 @@
           <p:cNvPr id="2" name="Заголовок 1">
             <a:extLst>
               <a:ext uri="{FF2B5EF4-FFF2-40B4-BE49-F238E27FC236}">
-                <a16:creationId xmlns:a16="http://schemas.microsoft.com/office/drawing/2014/main" id="{1CDC3A45-AB05-4B4C-9421-A2E200EE7413}"/>
+                <a16:creationId xmlns:a16="http://schemas.microsoft.com/office/drawing/2014/main" id="{5C0FB15B-F016-4EF5-B721-15FD019DA750}"/>
               </a:ext>
             </a:extLst>
           </p:cNvPr>
@@ -5602,7 +12281,12 @@
             <p:ph type="title"/>
           </p:nvPr>
         </p:nvSpPr>
-        <p:spPr/>
+        <p:spPr>
+          <a:xfrm>
+            <a:off x="662730" y="365125"/>
+            <a:ext cx="10788242" cy="1325563"/>
+          </a:xfrm>
+        </p:spPr>
         <p:txBody>
           <a:bodyPr>
             <a:normAutofit/>
@@ -5611,23 +12295,7 @@
           <a:p>
             <a:r>
               <a:rPr lang="ru-RU" dirty="0"/>
-              <a:t>Предоставление интерфейсов слушателей</a:t>
-            </a:r>
-            <a:r>
-              <a:rPr lang="en-US" dirty="0"/>
-              <a:t> </a:t>
-            </a:r>
-            <a:r>
-              <a:rPr lang="ru-RU" dirty="0"/>
-              <a:t>(</a:t>
-            </a:r>
-            <a:r>
-              <a:rPr lang="en-US" b="1" dirty="0"/>
-              <a:t>Listener</a:t>
-            </a:r>
-            <a:r>
-              <a:rPr lang="ru-RU" dirty="0"/>
-              <a:t>) (реализация модели актёров)</a:t>
+              <a:t>Ошибки при написании асинхронного кода</a:t>
             </a:r>
           </a:p>
         </p:txBody>
@@ -5637,7 +12305,7 @@
           <p:cNvPr id="3" name="Объект 2">
             <a:extLst>
               <a:ext uri="{FF2B5EF4-FFF2-40B4-BE49-F238E27FC236}">
-                <a16:creationId xmlns:a16="http://schemas.microsoft.com/office/drawing/2014/main" id="{0074EEC0-109F-44EF-8649-D84024A7A258}"/>
+                <a16:creationId xmlns:a16="http://schemas.microsoft.com/office/drawing/2014/main" id="{DFBE174D-02BB-452A-90B7-F2599221F91F}"/>
               </a:ext>
             </a:extLst>
           </p:cNvPr>
@@ -5651,128 +12319,168 @@
         <p:spPr/>
         <p:txBody>
           <a:bodyPr>
-            <a:normAutofit fontScale="92500" lnSpcReduction="20000"/>
+            <a:normAutofit fontScale="92500" lnSpcReduction="10000"/>
           </a:bodyPr>
           <a:lstStyle/>
           <a:p>
-            <a:pPr marL="0" indent="0">
-              <a:buNone/>
-            </a:pPr>
             <a:r>
               <a:rPr lang="ru-RU" dirty="0"/>
-              <a:t>Применяется когда предполагается однотипная реакция на события асинхронной задачи</a:t>
-            </a:r>
-          </a:p>
-          <a:p>
-            <a:pPr marL="0" indent="0">
-              <a:buNone/>
-            </a:pPr>
-            <a:r>
-              <a:rPr lang="ru-RU" b="1" dirty="0"/>
-              <a:t>Плюсы</a:t>
+              <a:t>Состояние гонки</a:t>
+            </a:r>
+            <a:r>
+              <a:rPr lang="en-US" dirty="0"/>
+              <a:t> (</a:t>
+            </a:r>
+            <a:r>
+              <a:rPr lang="en-US" b="1" dirty="0"/>
+              <a:t>Race Condition</a:t>
+            </a:r>
+            <a:r>
+              <a:rPr lang="en-US" dirty="0"/>
+              <a:t>)</a:t>
             </a:r>
             <a:r>
               <a:rPr lang="ru-RU" dirty="0"/>
-              <a:t>: </a:t>
-            </a:r>
-          </a:p>
-          <a:p>
+              <a:t> – результат работы зависит от того, в каком порядке выполняются асинхронные задачи</a:t>
+            </a:r>
+            <a:r>
+              <a:rPr lang="en-US" dirty="0"/>
+              <a:t>.</a:t>
+            </a:r>
+            <a:br>
+              <a:rPr lang="en-US" dirty="0"/>
+            </a:br>
             <a:r>
               <a:rPr lang="ru-RU" dirty="0"/>
-              <a:t>не блокируется основной поток</a:t>
-            </a:r>
-          </a:p>
-          <a:p>
+              <a:t>(Плавающая ошибка, </a:t>
+            </a:r>
+            <a:r>
+              <a:rPr lang="en-US" dirty="0"/>
+              <a:t>heisenbug</a:t>
+            </a:r>
             <a:r>
               <a:rPr lang="ru-RU" dirty="0"/>
-              <a:t>прямые вызовы (зависит от реализации)</a:t>
+              <a:t>)</a:t>
             </a:r>
           </a:p>
           <a:p>
             <a:r>
               <a:rPr lang="ru-RU" dirty="0"/>
-              <a:t>хорошая читаемость кода</a:t>
-            </a:r>
-          </a:p>
-          <a:p>
-            <a:pPr marL="0" indent="0">
-              <a:buNone/>
-            </a:pPr>
-            <a:r>
-              <a:rPr lang="ru-RU" b="1" dirty="0"/>
-              <a:t>Минусы</a:t>
+              <a:t>Взаимоблокировка </a:t>
+            </a:r>
+            <a:r>
+              <a:rPr lang="en-US" dirty="0"/>
+              <a:t>(</a:t>
+            </a:r>
+            <a:r>
+              <a:rPr lang="en-US" b="1" dirty="0"/>
+              <a:t>Deadlock</a:t>
+            </a:r>
+            <a:r>
+              <a:rPr lang="en-US" dirty="0"/>
+              <a:t>)</a:t>
             </a:r>
             <a:r>
               <a:rPr lang="ru-RU" dirty="0"/>
-              <a:t>: </a:t>
-            </a:r>
-          </a:p>
-          <a:p>
+              <a:t> – взаимная блокировка при которой происходит полная остановка работы потоков</a:t>
+            </a:r>
+            <a:r>
+              <a:rPr lang="en-US" dirty="0"/>
+              <a:t> </a:t>
+            </a:r>
             <a:r>
               <a:rPr lang="ru-RU" dirty="0"/>
-              <a:t>методы слушателя выполняются в том же потоке что и асинхронная задача (зависит от реализации)</a:t>
+              <a:t>.</a:t>
+            </a:r>
+          </a:p>
+          <a:p>
+            <a:r>
+              <a:rPr lang="ru-RU" dirty="0"/>
+              <a:t>Динамическая взаимоблокировка (</a:t>
+            </a:r>
+            <a:r>
+              <a:rPr lang="en-US" b="1" dirty="0" err="1"/>
+              <a:t>Livelock</a:t>
+            </a:r>
+            <a:r>
+              <a:rPr lang="ru-RU" dirty="0"/>
+              <a:t>) – взаимная блокировка при которой совершаются какие-то циклические действия.</a:t>
             </a:r>
             <a:endParaRPr lang="en-US" dirty="0"/>
           </a:p>
           <a:p>
             <a:r>
               <a:rPr lang="ru-RU" dirty="0"/>
-              <a:t>необходимо реализовать класс, реализующий интерфейс слушателя и передать его в класс асинхронной задачи</a:t>
-            </a:r>
+              <a:t>Голодание </a:t>
+            </a:r>
+            <a:r>
+              <a:rPr lang="en-US" dirty="0"/>
+              <a:t>(</a:t>
+            </a:r>
+            <a:r>
+              <a:rPr lang="en-US" b="1" dirty="0"/>
+              <a:t>Starvation</a:t>
+            </a:r>
+            <a:r>
+              <a:rPr lang="en-US" dirty="0"/>
+              <a:t>) – </a:t>
+            </a:r>
+            <a:r>
+              <a:rPr lang="ru-RU" dirty="0"/>
+              <a:t>бесконечное ожидание разделяемого ресурса.</a:t>
+            </a:r>
+            <a:br>
+              <a:rPr lang="en-US" dirty="0"/>
+            </a:br>
+            <a:r>
+              <a:rPr lang="ru-RU" dirty="0"/>
+              <a:t>(проблема алгоритма планирования)</a:t>
+            </a:r>
+          </a:p>
+          <a:p>
+            <a:r>
+              <a:rPr lang="ru-RU" dirty="0"/>
+              <a:t>Ожидание занятости (</a:t>
+            </a:r>
+            <a:r>
+              <a:rPr lang="en-US" b="1" dirty="0"/>
+              <a:t>Spinning</a:t>
+            </a:r>
+            <a:r>
+              <a:rPr lang="ru-RU" dirty="0"/>
+              <a:t>) </a:t>
+            </a:r>
+            <a:r>
+              <a:rPr lang="en-US" dirty="0"/>
+              <a:t>–</a:t>
+            </a:r>
+            <a:r>
+              <a:rPr lang="ru-RU" dirty="0"/>
+              <a:t> частый опрос доступности ресурса.</a:t>
+            </a:r>
+            <a:br>
+              <a:rPr lang="en-US" dirty="0"/>
+            </a:br>
+            <a:r>
+              <a:rPr lang="ru-RU" dirty="0"/>
+              <a:t>(именно поэтому </a:t>
+            </a:r>
+            <a:r>
+              <a:rPr lang="en-US" dirty="0"/>
+              <a:t>Spinlock</a:t>
+            </a:r>
+            <a:r>
+              <a:rPr lang="ru-RU" dirty="0"/>
+              <a:t> – плохой способ ожидания ресурса)</a:t>
+            </a:r>
+            <a:endParaRPr lang="en-US" dirty="0"/>
           </a:p>
         </p:txBody>
       </p:sp>
-      <p:pic>
-        <p:nvPicPr>
-          <p:cNvPr id="8194" name="Picture 2">
-            <a:extLst>
-              <a:ext uri="{FF2B5EF4-FFF2-40B4-BE49-F238E27FC236}">
-                <a16:creationId xmlns:a16="http://schemas.microsoft.com/office/drawing/2014/main" id="{7CACDFB5-099B-4B34-B9DA-27DB58467CC6}"/>
-              </a:ext>
-            </a:extLst>
-          </p:cNvPr>
-          <p:cNvPicPr>
-            <a:picLocks noChangeAspect="1" noChangeArrowheads="1"/>
-          </p:cNvPicPr>
-          <p:nvPr/>
-        </p:nvPicPr>
-        <p:blipFill>
-          <a:blip r:embed="rId2">
-            <a:extLst>
-              <a:ext uri="{28A0092B-C50C-407E-A947-70E740481C1C}">
-                <a14:useLocalDpi xmlns:a14="http://schemas.microsoft.com/office/drawing/2010/main" val="0"/>
-              </a:ext>
-            </a:extLst>
-          </a:blip>
-          <a:srcRect/>
-          <a:stretch>
-            <a:fillRect/>
-          </a:stretch>
-        </p:blipFill>
-        <p:spPr bwMode="auto">
-          <a:xfrm>
-            <a:off x="8791663" y="2315426"/>
-            <a:ext cx="2562138" cy="2034265"/>
-          </a:xfrm>
-          <a:prstGeom prst="rect">
-            <a:avLst/>
-          </a:prstGeom>
-          <a:noFill/>
-          <a:extLst>
-            <a:ext uri="{909E8E84-426E-40DD-AFC4-6F175D3DCCD1}">
-              <a14:hiddenFill xmlns:a14="http://schemas.microsoft.com/office/drawing/2010/main">
-                <a:solidFill>
-                  <a:srgbClr val="FFFFFF"/>
-                </a:solidFill>
-              </a14:hiddenFill>
-            </a:ext>
-          </a:extLst>
-        </p:spPr>
-      </p:pic>
     </p:spTree>
     <p:extLst>
       <p:ext uri="{BB962C8B-B14F-4D97-AF65-F5344CB8AC3E}">
-        <p14:creationId xmlns:p14="http://schemas.microsoft.com/office/powerpoint/2010/main" val="421271528"/>
+        <p14:creationId xmlns:p14="http://schemas.microsoft.com/office/powerpoint/2010/main" val="2915392498"/>
       </p:ext>
     </p:extLst>
   </p:cSld>
@@ -5804,7 +12512,7 @@
           <p:cNvPr id="2" name="Заголовок 1">
             <a:extLst>
               <a:ext uri="{FF2B5EF4-FFF2-40B4-BE49-F238E27FC236}">
-                <a16:creationId xmlns:a16="http://schemas.microsoft.com/office/drawing/2014/main" id="{000191C6-0ADB-45FA-8214-146E74551985}"/>
+                <a16:creationId xmlns:a16="http://schemas.microsoft.com/office/drawing/2014/main" id="{D115F94E-070D-4581-BBA6-9B7F6FD9EFC3}"/>
               </a:ext>
             </a:extLst>
           </p:cNvPr>
@@ -5815,63 +12523,15 @@
             <p:ph type="title"/>
           </p:nvPr>
         </p:nvSpPr>
-        <p:spPr>
-          <a:xfrm>
-            <a:off x="838200" y="365125"/>
-            <a:ext cx="10646328" cy="1325563"/>
-          </a:xfrm>
-        </p:spPr>
+        <p:spPr/>
         <p:txBody>
-          <a:bodyPr>
-            <a:normAutofit/>
-          </a:bodyPr>
+          <a:bodyPr/>
           <a:lstStyle/>
           <a:p>
             <a:r>
-              <a:rPr lang="en-US" sz="4000" b="1" dirty="0"/>
-              <a:t>Async</a:t>
-            </a:r>
-            <a:r>
-              <a:rPr lang="ru-RU" sz="4000" dirty="0"/>
-              <a:t>, </a:t>
-            </a:r>
-            <a:r>
-              <a:rPr lang="en-US" sz="4000" b="1" dirty="0"/>
-              <a:t>Await</a:t>
-            </a:r>
-            <a:r>
-              <a:rPr lang="ru-RU" sz="4000" dirty="0"/>
-              <a:t> и </a:t>
-            </a:r>
-            <a:r>
-              <a:rPr lang="en-US" sz="4000" b="1" dirty="0"/>
-              <a:t>Future</a:t>
-            </a:r>
-            <a:r>
-              <a:rPr lang="ru-RU" sz="4000" b="1" dirty="0"/>
-              <a:t>/</a:t>
-            </a:r>
-            <a:r>
-              <a:rPr lang="en-US" sz="4000" b="1" dirty="0"/>
-              <a:t>Promise</a:t>
-            </a:r>
-            <a:r>
-              <a:rPr lang="ru-RU" sz="4000" b="1" dirty="0"/>
-              <a:t>/</a:t>
-            </a:r>
-            <a:r>
-              <a:rPr lang="en-US" sz="4000" b="1" dirty="0"/>
-              <a:t>Delay</a:t>
-            </a:r>
-            <a:r>
-              <a:rPr lang="ru-RU" sz="4000" b="1" dirty="0"/>
-              <a:t>/</a:t>
-            </a:r>
-            <a:r>
-              <a:rPr lang="en-US" sz="4000" b="1" dirty="0"/>
-              <a:t>Deferred/Task</a:t>
-            </a:r>
-            <a:endParaRPr lang="ru-RU" sz="4000" dirty="0"/>
+              <a:rPr lang="ru-RU" dirty="0"/>
+              <a:t>Неблокирующая синхронизация</a:t>
+            </a:r>
           </a:p>
         </p:txBody>
       </p:sp>
@@ -5880,7 +12540,7 @@
           <p:cNvPr id="3" name="Объект 2">
             <a:extLst>
               <a:ext uri="{FF2B5EF4-FFF2-40B4-BE49-F238E27FC236}">
-                <a16:creationId xmlns:a16="http://schemas.microsoft.com/office/drawing/2014/main" id="{0247FED1-BEA5-41B1-9B61-30B170DDB9F7}"/>
+                <a16:creationId xmlns:a16="http://schemas.microsoft.com/office/drawing/2014/main" id="{B3361768-0E24-4740-859E-BCC3143C3709}"/>
               </a:ext>
             </a:extLst>
           </p:cNvPr>
@@ -5891,10 +12551,15 @@
             <p:ph idx="1"/>
           </p:nvPr>
         </p:nvSpPr>
-        <p:spPr/>
+        <p:spPr>
+          <a:xfrm>
+            <a:off x="793808" y="1875959"/>
+            <a:ext cx="10604383" cy="4351338"/>
+          </a:xfrm>
+        </p:spPr>
         <p:txBody>
           <a:bodyPr>
-            <a:normAutofit fontScale="92500" lnSpcReduction="20000"/>
+            <a:normAutofit fontScale="92500" lnSpcReduction="10000"/>
           </a:bodyPr>
           <a:lstStyle/>
           <a:p>
@@ -5902,21 +12567,87 @@
               <a:buNone/>
             </a:pPr>
             <a:r>
+              <a:rPr lang="ru-RU" b="1" dirty="0"/>
+              <a:t>Без препятствий </a:t>
+            </a:r>
+            <a:r>
               <a:rPr lang="ru-RU" dirty="0"/>
-              <a:t>Применяется когда необходимо получить и обработать результат от нескольких асинхронных задач, или начать выполнение какой-либо задачи заранее.</a:t>
-            </a:r>
+              <a:t>(</a:t>
+            </a:r>
+            <a:r>
+              <a:rPr lang="en-US" b="1" dirty="0"/>
+              <a:t>obstruction-free</a:t>
+            </a:r>
+            <a:r>
+              <a:rPr lang="ru-RU" dirty="0"/>
+              <a:t> алгоритмы):</a:t>
+            </a:r>
+            <a:br>
+              <a:rPr lang="ru-RU" dirty="0"/>
+            </a:br>
+            <a:r>
+              <a:rPr lang="ru-RU" dirty="0"/>
+              <a:t>гарантируется </a:t>
+            </a:r>
+            <a:r>
+              <a:rPr lang="ru-RU" dirty="0" err="1"/>
+              <a:t>завершимость</a:t>
+            </a:r>
+            <a:r>
+              <a:rPr lang="ru-RU" dirty="0"/>
+              <a:t> задач (т.е. возможность их отмены). </a:t>
+            </a:r>
+            <a:br>
+              <a:rPr lang="en-US" dirty="0"/>
+            </a:br>
+            <a:r>
+              <a:rPr lang="ru-RU" dirty="0"/>
+              <a:t>Позволяет избавиться от проблемы </a:t>
+            </a:r>
+            <a:r>
+              <a:rPr lang="en-US" dirty="0" err="1"/>
+              <a:t>Livelock</a:t>
+            </a:r>
+            <a:r>
+              <a:rPr lang="ru-RU" b="1" dirty="0"/>
+              <a:t>.</a:t>
+            </a:r>
+            <a:endParaRPr lang="ru-RU" dirty="0"/>
           </a:p>
           <a:p>
             <a:pPr marL="0" indent="0">
               <a:buNone/>
             </a:pPr>
             <a:r>
+              <a:rPr lang="ru-RU" b="1" dirty="0"/>
+              <a:t>Без блокировок </a:t>
+            </a:r>
+            <a:r>
+              <a:rPr lang="ru-RU" dirty="0"/>
+              <a:t>(</a:t>
+            </a:r>
+            <a:r>
               <a:rPr lang="en-US" b="1" dirty="0"/>
-              <a:t>Async</a:t>
+              <a:t>lock-free</a:t>
             </a:r>
             <a:r>
               <a:rPr lang="ru-RU" dirty="0"/>
-              <a:t> (запуск асинхронной задачи)</a:t>
+              <a:t> алгоритмы):</a:t>
+            </a:r>
+            <a:br>
+              <a:rPr lang="ru-RU" dirty="0"/>
+            </a:br>
+            <a:r>
+              <a:rPr lang="ru-RU" dirty="0"/>
+              <a:t>+ гарантируется, что в любой момент времени хотя бы один поток будет не в состоянии блокировки (гарантируется отсутствие </a:t>
+            </a:r>
+            <a:r>
+              <a:rPr lang="en-US" dirty="0"/>
+              <a:t>Deadlock</a:t>
+            </a:r>
+            <a:r>
+              <a:rPr lang="ru-RU" dirty="0"/>
+              <a:t>).</a:t>
             </a:r>
           </a:p>
           <a:p>
@@ -5924,50 +12655,42 @@
               <a:buNone/>
             </a:pPr>
             <a:r>
+              <a:rPr lang="ru-RU" b="1" dirty="0"/>
+              <a:t>Без ожиданий </a:t>
+            </a:r>
+            <a:r>
+              <a:rPr lang="ru-RU" dirty="0"/>
+              <a:t>(</a:t>
+            </a:r>
+            <a:r>
               <a:rPr lang="en-US" b="1" dirty="0"/>
-              <a:t>Await</a:t>
+              <a:t>wait-free</a:t>
             </a:r>
             <a:r>
               <a:rPr lang="ru-RU" dirty="0"/>
-              <a:t> (ожидание результата)</a:t>
+              <a:t> алгоритмы):</a:t>
+            </a:r>
+            <a:br>
+              <a:rPr lang="ru-RU" dirty="0"/>
+            </a:br>
+            <a:r>
+              <a:rPr lang="ru-RU" dirty="0"/>
+              <a:t>+ гарантируется, что ни один поток не будет приостановлен (гарантируется отсутствие </a:t>
+            </a:r>
+            <a:r>
+              <a:rPr lang="en-US" dirty="0"/>
+              <a:t>Starvation</a:t>
+            </a:r>
+            <a:r>
+              <a:rPr lang="ru-RU" dirty="0"/>
+              <a:t>).</a:t>
             </a:r>
           </a:p>
           <a:p>
             <a:pPr marL="0" indent="0">
               <a:buNone/>
             </a:pPr>
-            <a:r>
-              <a:rPr lang="en-US" b="1" dirty="0"/>
-              <a:t>Future</a:t>
-            </a:r>
-            <a:r>
-              <a:rPr lang="ru-RU" b="1" dirty="0"/>
-              <a:t>/</a:t>
-            </a:r>
-            <a:r>
-              <a:rPr lang="en-US" b="1" dirty="0"/>
-              <a:t>Promise</a:t>
-            </a:r>
-            <a:r>
-              <a:rPr lang="ru-RU" b="1" dirty="0"/>
-              <a:t>/</a:t>
-            </a:r>
-            <a:r>
-              <a:rPr lang="en-US" b="1" dirty="0"/>
-              <a:t>Delay</a:t>
-            </a:r>
-            <a:r>
-              <a:rPr lang="ru-RU" b="1" dirty="0"/>
-              <a:t>/</a:t>
-            </a:r>
-            <a:r>
-              <a:rPr lang="en-US" b="1" dirty="0"/>
-              <a:t>Deferred/Task</a:t>
-            </a:r>
-            <a:r>
-              <a:rPr lang="ru-RU" dirty="0"/>
-              <a:t> (отложенный результат)</a:t>
-            </a:r>
+            <a:endParaRPr lang="ru-RU" dirty="0"/>
           </a:p>
           <a:p>
             <a:pPr marL="0" indent="0">
@@ -5975,93 +12698,31 @@
             </a:pPr>
             <a:r>
               <a:rPr lang="ru-RU" dirty="0"/>
-              <a:t>Плюсы: </a:t>
-            </a:r>
-          </a:p>
-          <a:p>
+              <a:t>Часто под </a:t>
+            </a:r>
+            <a:r>
+              <a:rPr lang="en-US" dirty="0"/>
+              <a:t>lock-free</a:t>
+            </a:r>
             <a:r>
               <a:rPr lang="ru-RU" dirty="0"/>
-              <a:t>хорошая читаемость кода</a:t>
-            </a:r>
-          </a:p>
-          <a:p>
+              <a:t> алгоритмами на самом деле подразумевают </a:t>
+            </a:r>
+            <a:r>
+              <a:rPr lang="en-US" dirty="0"/>
+              <a:t>wait-free</a:t>
+            </a:r>
             <a:r>
               <a:rPr lang="ru-RU" dirty="0"/>
-              <a:t>обработка результата происходит в основном потоке</a:t>
-            </a:r>
-          </a:p>
-          <a:p>
-            <a:pPr marL="0" indent="0">
-              <a:buNone/>
-            </a:pPr>
-            <a:r>
-              <a:rPr lang="ru-RU" dirty="0"/>
-              <a:t>Минусы: </a:t>
-            </a:r>
-          </a:p>
-          <a:p>
-            <a:r>
-              <a:rPr lang="ru-RU" dirty="0"/>
-              <a:t>блокируется основной поток</a:t>
-            </a:r>
-            <a:endParaRPr lang="en-US" b="1" dirty="0"/>
-          </a:p>
-          <a:p>
-            <a:endParaRPr lang="ru-RU" dirty="0"/>
+              <a:t>.</a:t>
+            </a:r>
           </a:p>
         </p:txBody>
       </p:sp>
-      <p:pic>
-        <p:nvPicPr>
-          <p:cNvPr id="7170" name="Picture 2">
-            <a:extLst>
-              <a:ext uri="{FF2B5EF4-FFF2-40B4-BE49-F238E27FC236}">
-                <a16:creationId xmlns:a16="http://schemas.microsoft.com/office/drawing/2014/main" id="{D8728153-A53A-4C6A-9A2C-4F7E1913DE37}"/>
-              </a:ext>
-            </a:extLst>
-          </p:cNvPr>
-          <p:cNvPicPr>
-            <a:picLocks noChangeAspect="1" noChangeArrowheads="1"/>
-          </p:cNvPicPr>
-          <p:nvPr/>
-        </p:nvPicPr>
-        <p:blipFill>
-          <a:blip r:embed="rId2">
-            <a:extLst>
-              <a:ext uri="{28A0092B-C50C-407E-A947-70E740481C1C}">
-                <a14:useLocalDpi xmlns:a14="http://schemas.microsoft.com/office/drawing/2010/main" val="0"/>
-              </a:ext>
-            </a:extLst>
-          </a:blip>
-          <a:srcRect/>
-          <a:stretch>
-            <a:fillRect/>
-          </a:stretch>
-        </p:blipFill>
-        <p:spPr bwMode="auto">
-          <a:xfrm>
-            <a:off x="8778584" y="3917659"/>
-            <a:ext cx="2575215" cy="2575215"/>
-          </a:xfrm>
-          <a:prstGeom prst="rect">
-            <a:avLst/>
-          </a:prstGeom>
-          <a:noFill/>
-          <a:extLst>
-            <a:ext uri="{909E8E84-426E-40DD-AFC4-6F175D3DCCD1}">
-              <a14:hiddenFill xmlns:a14="http://schemas.microsoft.com/office/drawing/2010/main">
-                <a:solidFill>
-                  <a:srgbClr val="FFFFFF"/>
-                </a:solidFill>
-              </a14:hiddenFill>
-            </a:ext>
-          </a:extLst>
-        </p:spPr>
-      </p:pic>
     </p:spTree>
     <p:extLst>
       <p:ext uri="{BB962C8B-B14F-4D97-AF65-F5344CB8AC3E}">
-        <p14:creationId xmlns:p14="http://schemas.microsoft.com/office/powerpoint/2010/main" val="1794254964"/>
+        <p14:creationId xmlns:p14="http://schemas.microsoft.com/office/powerpoint/2010/main" val="958124753"/>
       </p:ext>
     </p:extLst>
   </p:cSld>
